--- a/TUT/B03_Timer/Timer.pptx
+++ b/TUT/B03_Timer/Timer.pptx
@@ -8,14 +8,11 @@
     <p:sldId id="256" r:id="rId2"/>
     <p:sldId id="257" r:id="rId3"/>
     <p:sldId id="258" r:id="rId4"/>
-    <p:sldId id="264" r:id="rId5"/>
-    <p:sldId id="263" r:id="rId6"/>
-    <p:sldId id="265" r:id="rId7"/>
-    <p:sldId id="266" r:id="rId8"/>
-    <p:sldId id="267" r:id="rId9"/>
-    <p:sldId id="270" r:id="rId10"/>
-    <p:sldId id="268" r:id="rId11"/>
-    <p:sldId id="269" r:id="rId12"/>
+    <p:sldId id="272" r:id="rId5"/>
+    <p:sldId id="271" r:id="rId6"/>
+    <p:sldId id="273" r:id="rId7"/>
+    <p:sldId id="274" r:id="rId8"/>
+    <p:sldId id="275" r:id="rId9"/>
   </p:sldIdLst>
   <p:sldSz cx="12192000" cy="6858000"/>
   <p:notesSz cx="6858000" cy="9144000"/>
@@ -899,7 +896,7 @@
                 <a:sysClr val="windowText" lastClr="000000"/>
               </a:solidFill>
             </a:rPr>
-            <a:t>GIỚI THIỆU CHUNG</a:t>
+            <a:t>INTERRUPT</a:t>
           </a:r>
         </a:p>
       </dgm:t>
@@ -997,63 +994,6 @@
         </a:p>
       </dgm:t>
     </dgm:pt>
-    <dgm:pt modelId="{3048EBE7-D99C-40C1-86F1-E09A2B16F1A2}">
-      <dgm:prSet phldrT="[Text]" custT="1"/>
-      <dgm:spPr/>
-      <dgm:t>
-        <a:bodyPr/>
-        <a:lstStyle/>
-        <a:p>
-          <a:r>
-            <a:rPr lang="en-US" sz="3600" b="1" dirty="0">
-              <a:ln>
-                <a:noFill/>
-              </a:ln>
-              <a:solidFill>
-                <a:sysClr val="windowText" lastClr="000000"/>
-              </a:solidFill>
-            </a:rPr>
-            <a:t>COUNTER</a:t>
-          </a:r>
-        </a:p>
-      </dgm:t>
-    </dgm:pt>
-    <dgm:pt modelId="{AE6BE3E7-7BF4-4535-9451-CD3961F6AE22}" type="parTrans" cxnId="{65C1E4A0-4ADE-4A6E-9631-6F61F9FE42EF}">
-      <dgm:prSet/>
-      <dgm:spPr/>
-      <dgm:t>
-        <a:bodyPr/>
-        <a:lstStyle/>
-        <a:p>
-          <a:endParaRPr lang="en-US" sz="3000" b="1">
-            <a:ln>
-              <a:noFill/>
-            </a:ln>
-            <a:solidFill>
-              <a:sysClr val="windowText" lastClr="000000"/>
-            </a:solidFill>
-          </a:endParaRPr>
-        </a:p>
-      </dgm:t>
-    </dgm:pt>
-    <dgm:pt modelId="{54E5BCFF-82B3-4FA2-8ACB-FC4CB16E2B23}" type="sibTrans" cxnId="{65C1E4A0-4ADE-4A6E-9631-6F61F9FE42EF}">
-      <dgm:prSet/>
-      <dgm:spPr/>
-      <dgm:t>
-        <a:bodyPr/>
-        <a:lstStyle/>
-        <a:p>
-          <a:endParaRPr lang="en-US" sz="3000" b="1">
-            <a:ln>
-              <a:noFill/>
-            </a:ln>
-            <a:solidFill>
-              <a:sysClr val="windowText" lastClr="000000"/>
-            </a:solidFill>
-          </a:endParaRPr>
-        </a:p>
-      </dgm:t>
-    </dgm:pt>
     <dgm:pt modelId="{5AF0371F-891A-4D32-86E2-B97E3B0A64A4}" type="pres">
       <dgm:prSet presAssocID="{548DECCB-C849-4CB3-A1CF-563852BA7125}" presName="linear" presStyleCnt="0">
         <dgm:presLayoutVars>
@@ -1069,11 +1009,11 @@
       <dgm:spPr/>
     </dgm:pt>
     <dgm:pt modelId="{FEFC4F25-BB01-49BA-BB2E-E27B03D57B94}" type="pres">
-      <dgm:prSet presAssocID="{9E6D9747-E74D-44C2-BDF8-D901C7C71649}" presName="parentLeftMargin" presStyleLbl="node1" presStyleIdx="0" presStyleCnt="3"/>
+      <dgm:prSet presAssocID="{9E6D9747-E74D-44C2-BDF8-D901C7C71649}" presName="parentLeftMargin" presStyleLbl="node1" presStyleIdx="0" presStyleCnt="2"/>
       <dgm:spPr/>
     </dgm:pt>
     <dgm:pt modelId="{FA1419B7-4F1A-44B6-AC60-7080123964AC}" type="pres">
-      <dgm:prSet presAssocID="{9E6D9747-E74D-44C2-BDF8-D901C7C71649}" presName="parentText" presStyleLbl="node1" presStyleIdx="0" presStyleCnt="3" custScaleX="122917">
+      <dgm:prSet presAssocID="{9E6D9747-E74D-44C2-BDF8-D901C7C71649}" presName="parentText" presStyleLbl="node1" presStyleIdx="0" presStyleCnt="2" custScaleX="122917">
         <dgm:presLayoutVars>
           <dgm:chMax val="0"/>
           <dgm:bulletEnabled val="1"/>
@@ -1086,7 +1026,7 @@
       <dgm:spPr/>
     </dgm:pt>
     <dgm:pt modelId="{F829184C-6895-4DFD-A040-7FE816E4784A}" type="pres">
-      <dgm:prSet presAssocID="{9E6D9747-E74D-44C2-BDF8-D901C7C71649}" presName="childText" presStyleLbl="conFgAcc1" presStyleIdx="0" presStyleCnt="3" custScaleX="96962" custLinFactNeighborX="1465">
+      <dgm:prSet presAssocID="{9E6D9747-E74D-44C2-BDF8-D901C7C71649}" presName="childText" presStyleLbl="conFgAcc1" presStyleIdx="0" presStyleCnt="2" custScaleX="96962" custLinFactNeighborX="1465">
         <dgm:presLayoutVars>
           <dgm:bulletEnabled val="1"/>
         </dgm:presLayoutVars>
@@ -1109,11 +1049,11 @@
       <dgm:spPr/>
     </dgm:pt>
     <dgm:pt modelId="{861A76A6-8B45-4F40-94B3-DF637E1D2D8A}" type="pres">
-      <dgm:prSet presAssocID="{213A04B9-08C9-41B9-A85D-C85C207D0FAA}" presName="parentLeftMargin" presStyleLbl="node1" presStyleIdx="0" presStyleCnt="3"/>
+      <dgm:prSet presAssocID="{213A04B9-08C9-41B9-A85D-C85C207D0FAA}" presName="parentLeftMargin" presStyleLbl="node1" presStyleIdx="0" presStyleCnt="2"/>
       <dgm:spPr/>
     </dgm:pt>
     <dgm:pt modelId="{2195AA31-1866-4746-B1A3-7E153C49C298}" type="pres">
-      <dgm:prSet presAssocID="{213A04B9-08C9-41B9-A85D-C85C207D0FAA}" presName="parentText" presStyleLbl="node1" presStyleIdx="1" presStyleCnt="3" custScaleX="122917">
+      <dgm:prSet presAssocID="{213A04B9-08C9-41B9-A85D-C85C207D0FAA}" presName="parentText" presStyleLbl="node1" presStyleIdx="1" presStyleCnt="2" custScaleX="122917">
         <dgm:presLayoutVars>
           <dgm:chMax val="0"/>
           <dgm:bulletEnabled val="1"/>
@@ -1126,47 +1066,7 @@
       <dgm:spPr/>
     </dgm:pt>
     <dgm:pt modelId="{4FDAA85B-C312-4305-BADE-0932A5532DFF}" type="pres">
-      <dgm:prSet presAssocID="{213A04B9-08C9-41B9-A85D-C85C207D0FAA}" presName="childText" presStyleLbl="conFgAcc1" presStyleIdx="1" presStyleCnt="3" custScaleX="96962" custLinFactNeighborX="1465">
-        <dgm:presLayoutVars>
-          <dgm:bulletEnabled val="1"/>
-        </dgm:presLayoutVars>
-      </dgm:prSet>
-      <dgm:spPr>
-        <a:noFill/>
-        <a:ln w="28575">
-          <a:solidFill>
-            <a:srgbClr val="0070C0"/>
-          </a:solidFill>
-        </a:ln>
-      </dgm:spPr>
-    </dgm:pt>
-    <dgm:pt modelId="{6794674B-ACCE-43A7-918D-DB27B4980E2B}" type="pres">
-      <dgm:prSet presAssocID="{7433FA50-C1CC-4FFA-A09F-E29A35AA0E9E}" presName="spaceBetweenRectangles" presStyleCnt="0"/>
-      <dgm:spPr/>
-    </dgm:pt>
-    <dgm:pt modelId="{0EED8AB9-B2BB-4EFF-88F1-DAB449ED308E}" type="pres">
-      <dgm:prSet presAssocID="{3048EBE7-D99C-40C1-86F1-E09A2B16F1A2}" presName="parentLin" presStyleCnt="0"/>
-      <dgm:spPr/>
-    </dgm:pt>
-    <dgm:pt modelId="{FAF60BE5-6DBC-4979-9712-948F5973C673}" type="pres">
-      <dgm:prSet presAssocID="{3048EBE7-D99C-40C1-86F1-E09A2B16F1A2}" presName="parentLeftMargin" presStyleLbl="node1" presStyleIdx="1" presStyleCnt="3"/>
-      <dgm:spPr/>
-    </dgm:pt>
-    <dgm:pt modelId="{803620FB-CA32-414B-AA24-2EEBBD58D2A8}" type="pres">
-      <dgm:prSet presAssocID="{3048EBE7-D99C-40C1-86F1-E09A2B16F1A2}" presName="parentText" presStyleLbl="node1" presStyleIdx="2" presStyleCnt="3" custScaleX="122917">
-        <dgm:presLayoutVars>
-          <dgm:chMax val="0"/>
-          <dgm:bulletEnabled val="1"/>
-        </dgm:presLayoutVars>
-      </dgm:prSet>
-      <dgm:spPr/>
-    </dgm:pt>
-    <dgm:pt modelId="{2C77C639-1A5B-4F9D-AE8E-D15C343FB735}" type="pres">
-      <dgm:prSet presAssocID="{3048EBE7-D99C-40C1-86F1-E09A2B16F1A2}" presName="negativeSpace" presStyleCnt="0"/>
-      <dgm:spPr/>
-    </dgm:pt>
-    <dgm:pt modelId="{6B432633-BEC7-44BC-A4EC-D920F63A726E}" type="pres">
-      <dgm:prSet presAssocID="{3048EBE7-D99C-40C1-86F1-E09A2B16F1A2}" presName="childText" presStyleLbl="conFgAcc1" presStyleIdx="2" presStyleCnt="3" custScaleX="96962" custLinFactNeighborX="1465">
+      <dgm:prSet presAssocID="{213A04B9-08C9-41B9-A85D-C85C207D0FAA}" presName="childText" presStyleLbl="conFgAcc1" presStyleIdx="1" presStyleCnt="2" custScaleX="96962" custLinFactNeighborX="1465">
         <dgm:presLayoutVars>
           <dgm:bulletEnabled val="1"/>
         </dgm:presLayoutVars>
@@ -1184,12 +1084,9 @@
   <dgm:cxnLst>
     <dgm:cxn modelId="{0980EE0D-338C-4BE5-94F8-5E51217E2C48}" type="presOf" srcId="{9E6D9747-E74D-44C2-BDF8-D901C7C71649}" destId="{FA1419B7-4F1A-44B6-AC60-7080123964AC}" srcOrd="1" destOrd="0" presId="urn:microsoft.com/office/officeart/2005/8/layout/list1"/>
     <dgm:cxn modelId="{1B599C21-17CC-4694-A851-A6AD87A2E9C7}" type="presOf" srcId="{548DECCB-C849-4CB3-A1CF-563852BA7125}" destId="{5AF0371F-891A-4D32-86E2-B97E3B0A64A4}" srcOrd="0" destOrd="0" presId="urn:microsoft.com/office/officeart/2005/8/layout/list1"/>
-    <dgm:cxn modelId="{0DDE833A-4AAC-4A8B-AA46-E360CDD7CAB8}" type="presOf" srcId="{3048EBE7-D99C-40C1-86F1-E09A2B16F1A2}" destId="{FAF60BE5-6DBC-4979-9712-948F5973C673}" srcOrd="0" destOrd="0" presId="urn:microsoft.com/office/officeart/2005/8/layout/list1"/>
     <dgm:cxn modelId="{A86B5960-1400-4DF5-B388-717238F5C5C1}" type="presOf" srcId="{9E6D9747-E74D-44C2-BDF8-D901C7C71649}" destId="{FEFC4F25-BB01-49BA-BB2E-E27B03D57B94}" srcOrd="0" destOrd="0" presId="urn:microsoft.com/office/officeart/2005/8/layout/list1"/>
     <dgm:cxn modelId="{F3451F71-FBF8-400C-A6AD-E257FB7EAD1B}" type="presOf" srcId="{213A04B9-08C9-41B9-A85D-C85C207D0FAA}" destId="{2195AA31-1866-4746-B1A3-7E153C49C298}" srcOrd="1" destOrd="0" presId="urn:microsoft.com/office/officeart/2005/8/layout/list1"/>
     <dgm:cxn modelId="{F0100552-AE19-4488-8FA1-535881B513D6}" type="presOf" srcId="{213A04B9-08C9-41B9-A85D-C85C207D0FAA}" destId="{861A76A6-8B45-4F40-94B3-DF637E1D2D8A}" srcOrd="0" destOrd="0" presId="urn:microsoft.com/office/officeart/2005/8/layout/list1"/>
-    <dgm:cxn modelId="{884E387B-90BF-4CC7-AE04-A271E7A12028}" type="presOf" srcId="{3048EBE7-D99C-40C1-86F1-E09A2B16F1A2}" destId="{803620FB-CA32-414B-AA24-2EEBBD58D2A8}" srcOrd="1" destOrd="0" presId="urn:microsoft.com/office/officeart/2005/8/layout/list1"/>
-    <dgm:cxn modelId="{65C1E4A0-4ADE-4A6E-9631-6F61F9FE42EF}" srcId="{548DECCB-C849-4CB3-A1CF-563852BA7125}" destId="{3048EBE7-D99C-40C1-86F1-E09A2B16F1A2}" srcOrd="2" destOrd="0" parTransId="{AE6BE3E7-7BF4-4535-9451-CD3961F6AE22}" sibTransId="{54E5BCFF-82B3-4FA2-8ACB-FC4CB16E2B23}"/>
     <dgm:cxn modelId="{D55704A4-2606-4706-AD93-C1EE8451F30C}" srcId="{548DECCB-C849-4CB3-A1CF-563852BA7125}" destId="{213A04B9-08C9-41B9-A85D-C85C207D0FAA}" srcOrd="1" destOrd="0" parTransId="{05450FB5-9F7B-4712-9C04-AC57F8BD70AA}" sibTransId="{7433FA50-C1CC-4FFA-A09F-E29A35AA0E9E}"/>
     <dgm:cxn modelId="{FEC0CFC5-8E56-4506-82AD-1D9B285FF678}" srcId="{548DECCB-C849-4CB3-A1CF-563852BA7125}" destId="{9E6D9747-E74D-44C2-BDF8-D901C7C71649}" srcOrd="0" destOrd="0" parTransId="{E25EFD97-98C2-45F5-8CF4-76B8AF123A88}" sibTransId="{2658566C-4EC7-42C7-811E-229B2DA97693}"/>
     <dgm:cxn modelId="{BBBCD370-8DA6-4B39-887B-CDEDA98BBDFA}" type="presParOf" srcId="{5AF0371F-891A-4D32-86E2-B97E3B0A64A4}" destId="{210A0272-72BB-40B4-8BD0-735DC628C593}" srcOrd="0" destOrd="0" presId="urn:microsoft.com/office/officeart/2005/8/layout/list1"/>
@@ -1203,12 +1100,6 @@
     <dgm:cxn modelId="{62002B2B-8C78-40A3-99BF-1043AEDFBA64}" type="presParOf" srcId="{0029BFEA-6AC2-49FA-AE8B-F64673E9F651}" destId="{2195AA31-1866-4746-B1A3-7E153C49C298}" srcOrd="1" destOrd="0" presId="urn:microsoft.com/office/officeart/2005/8/layout/list1"/>
     <dgm:cxn modelId="{FBABF33C-DC14-4009-B0AA-FBC7D288047F}" type="presParOf" srcId="{5AF0371F-891A-4D32-86E2-B97E3B0A64A4}" destId="{259FF655-D7A2-49CA-A69E-F0BE320DEC17}" srcOrd="5" destOrd="0" presId="urn:microsoft.com/office/officeart/2005/8/layout/list1"/>
     <dgm:cxn modelId="{6A1E132D-1516-498A-92D6-7BD11C2A7A4D}" type="presParOf" srcId="{5AF0371F-891A-4D32-86E2-B97E3B0A64A4}" destId="{4FDAA85B-C312-4305-BADE-0932A5532DFF}" srcOrd="6" destOrd="0" presId="urn:microsoft.com/office/officeart/2005/8/layout/list1"/>
-    <dgm:cxn modelId="{C717156E-B4BB-460C-ACB0-BEAD1ABB6B4D}" type="presParOf" srcId="{5AF0371F-891A-4D32-86E2-B97E3B0A64A4}" destId="{6794674B-ACCE-43A7-918D-DB27B4980E2B}" srcOrd="7" destOrd="0" presId="urn:microsoft.com/office/officeart/2005/8/layout/list1"/>
-    <dgm:cxn modelId="{C5CC74FC-869B-426A-9AE8-5B76C178CD56}" type="presParOf" srcId="{5AF0371F-891A-4D32-86E2-B97E3B0A64A4}" destId="{0EED8AB9-B2BB-4EFF-88F1-DAB449ED308E}" srcOrd="8" destOrd="0" presId="urn:microsoft.com/office/officeart/2005/8/layout/list1"/>
-    <dgm:cxn modelId="{E68F59AE-F52B-4D62-8284-433B00FC7E7B}" type="presParOf" srcId="{0EED8AB9-B2BB-4EFF-88F1-DAB449ED308E}" destId="{FAF60BE5-6DBC-4979-9712-948F5973C673}" srcOrd="0" destOrd="0" presId="urn:microsoft.com/office/officeart/2005/8/layout/list1"/>
-    <dgm:cxn modelId="{2E071E39-E2A8-43CD-BC10-55F000624290}" type="presParOf" srcId="{0EED8AB9-B2BB-4EFF-88F1-DAB449ED308E}" destId="{803620FB-CA32-414B-AA24-2EEBBD58D2A8}" srcOrd="1" destOrd="0" presId="urn:microsoft.com/office/officeart/2005/8/layout/list1"/>
-    <dgm:cxn modelId="{11D8AB95-0D9E-4FD1-A464-FB6ED5819BF0}" type="presParOf" srcId="{5AF0371F-891A-4D32-86E2-B97E3B0A64A4}" destId="{2C77C639-1A5B-4F9D-AE8E-D15C343FB735}" srcOrd="9" destOrd="0" presId="urn:microsoft.com/office/officeart/2005/8/layout/list1"/>
-    <dgm:cxn modelId="{CB4ADE1E-F65B-430E-89C6-070408E81BBA}" type="presParOf" srcId="{5AF0371F-891A-4D32-86E2-B97E3B0A64A4}" destId="{6B432633-BEC7-44BC-A4EC-D920F63A726E}" srcOrd="10" destOrd="0" presId="urn:microsoft.com/office/officeart/2005/8/layout/list1"/>
   </dgm:cxnLst>
   <dgm:bg/>
   <dgm:whole/>
@@ -1235,8 +1126,8 @@
       </dsp:nvSpPr>
       <dsp:spPr>
         <a:xfrm>
-          <a:off x="154053" y="506528"/>
-          <a:ext cx="10196136" cy="831600"/>
+          <a:off x="154053" y="752768"/>
+          <a:ext cx="10196136" cy="1285200"/>
         </a:xfrm>
         <a:prstGeom prst="rect">
           <a:avLst/>
@@ -1271,8 +1162,8 @@
       </dsp:nvSpPr>
       <dsp:spPr>
         <a:xfrm>
-          <a:off x="525780" y="19448"/>
-          <a:ext cx="9047822" cy="974160"/>
+          <a:off x="525780" y="8"/>
+          <a:ext cx="9047822" cy="1505520"/>
         </a:xfrm>
         <a:prstGeom prst="roundRect">
           <a:avLst/>
@@ -1340,13 +1231,13 @@
                 <a:sysClr val="windowText" lastClr="000000"/>
               </a:solidFill>
             </a:rPr>
-            <a:t>GIỚI THIỆU CHUNG</a:t>
+            <a:t>INTERRUPT</a:t>
           </a:r>
         </a:p>
       </dsp:txBody>
       <dsp:txXfrm>
-        <a:off x="573335" y="67003"/>
-        <a:ext cx="8952712" cy="879050"/>
+        <a:off x="599273" y="73501"/>
+        <a:ext cx="8900836" cy="1358534"/>
       </dsp:txXfrm>
     </dsp:sp>
     <dsp:sp modelId="{4FDAA85B-C312-4305-BADE-0932A5532DFF}">
@@ -1356,8 +1247,8 @@
       </dsp:nvSpPr>
       <dsp:spPr>
         <a:xfrm>
-          <a:off x="154053" y="2003409"/>
-          <a:ext cx="10196136" cy="831600"/>
+          <a:off x="154053" y="3066129"/>
+          <a:ext cx="10196136" cy="1285200"/>
         </a:xfrm>
         <a:prstGeom prst="rect">
           <a:avLst/>
@@ -1392,8 +1283,8 @@
       </dsp:nvSpPr>
       <dsp:spPr>
         <a:xfrm>
-          <a:off x="525780" y="1516329"/>
-          <a:ext cx="9047822" cy="974160"/>
+          <a:off x="525780" y="2313369"/>
+          <a:ext cx="9047822" cy="1505520"/>
         </a:xfrm>
         <a:prstGeom prst="roundRect">
           <a:avLst/>
@@ -1466,129 +1357,8 @@
         </a:p>
       </dsp:txBody>
       <dsp:txXfrm>
-        <a:off x="573335" y="1563884"/>
-        <a:ext cx="8952712" cy="879050"/>
-      </dsp:txXfrm>
-    </dsp:sp>
-    <dsp:sp modelId="{6B432633-BEC7-44BC-A4EC-D920F63A726E}">
-      <dsp:nvSpPr>
-        <dsp:cNvPr id="0" name=""/>
-        <dsp:cNvSpPr/>
-      </dsp:nvSpPr>
-      <dsp:spPr>
-        <a:xfrm>
-          <a:off x="154053" y="3500289"/>
-          <a:ext cx="10196136" cy="831600"/>
-        </a:xfrm>
-        <a:prstGeom prst="rect">
-          <a:avLst/>
-        </a:prstGeom>
-        <a:noFill/>
-        <a:ln w="28575" cap="flat" cmpd="sng" algn="ctr">
-          <a:solidFill>
-            <a:srgbClr val="0070C0"/>
-          </a:solidFill>
-          <a:prstDash val="solid"/>
-          <a:miter lim="800000"/>
-        </a:ln>
-        <a:effectLst/>
-      </dsp:spPr>
-      <dsp:style>
-        <a:lnRef idx="2">
-          <a:scrgbClr r="0" g="0" b="0"/>
-        </a:lnRef>
-        <a:fillRef idx="1">
-          <a:scrgbClr r="0" g="0" b="0"/>
-        </a:fillRef>
-        <a:effectRef idx="0">
-          <a:scrgbClr r="0" g="0" b="0"/>
-        </a:effectRef>
-        <a:fontRef idx="minor"/>
-      </dsp:style>
-    </dsp:sp>
-    <dsp:sp modelId="{803620FB-CA32-414B-AA24-2EEBBD58D2A8}">
-      <dsp:nvSpPr>
-        <dsp:cNvPr id="0" name=""/>
-        <dsp:cNvSpPr/>
-      </dsp:nvSpPr>
-      <dsp:spPr>
-        <a:xfrm>
-          <a:off x="525780" y="3013209"/>
-          <a:ext cx="9047822" cy="974160"/>
-        </a:xfrm>
-        <a:prstGeom prst="roundRect">
-          <a:avLst/>
-        </a:prstGeom>
-        <a:solidFill>
-          <a:schemeClr val="accent1">
-            <a:hueOff val="0"/>
-            <a:satOff val="0"/>
-            <a:lumOff val="0"/>
-            <a:alphaOff val="0"/>
-          </a:schemeClr>
-        </a:solidFill>
-        <a:ln w="12700" cap="flat" cmpd="sng" algn="ctr">
-          <a:solidFill>
-            <a:schemeClr val="lt1">
-              <a:hueOff val="0"/>
-              <a:satOff val="0"/>
-              <a:lumOff val="0"/>
-              <a:alphaOff val="0"/>
-            </a:schemeClr>
-          </a:solidFill>
-          <a:prstDash val="solid"/>
-          <a:miter lim="800000"/>
-        </a:ln>
-        <a:effectLst/>
-      </dsp:spPr>
-      <dsp:style>
-        <a:lnRef idx="2">
-          <a:scrgbClr r="0" g="0" b="0"/>
-        </a:lnRef>
-        <a:fillRef idx="1">
-          <a:scrgbClr r="0" g="0" b="0"/>
-        </a:fillRef>
-        <a:effectRef idx="0">
-          <a:scrgbClr r="0" g="0" b="0"/>
-        </a:effectRef>
-        <a:fontRef idx="minor">
-          <a:schemeClr val="lt1"/>
-        </a:fontRef>
-      </dsp:style>
-      <dsp:txBody>
-        <a:bodyPr spcFirstLastPara="0" vert="horz" wrap="square" lIns="278225" tIns="0" rIns="278225" bIns="0" numCol="1" spcCol="1270" anchor="ctr" anchorCtr="0">
-          <a:noAutofit/>
-        </a:bodyPr>
-        <a:lstStyle/>
-        <a:p>
-          <a:pPr marL="0" lvl="0" indent="0" algn="l" defTabSz="1600200">
-            <a:lnSpc>
-              <a:spcPct val="90000"/>
-            </a:lnSpc>
-            <a:spcBef>
-              <a:spcPct val="0"/>
-            </a:spcBef>
-            <a:spcAft>
-              <a:spcPct val="35000"/>
-            </a:spcAft>
-            <a:buNone/>
-          </a:pPr>
-          <a:r>
-            <a:rPr lang="en-US" sz="3600" b="1" kern="1200" dirty="0">
-              <a:ln>
-                <a:noFill/>
-              </a:ln>
-              <a:solidFill>
-                <a:sysClr val="windowText" lastClr="000000"/>
-              </a:solidFill>
-            </a:rPr>
-            <a:t>COUNTER</a:t>
-          </a:r>
-        </a:p>
-      </dsp:txBody>
-      <dsp:txXfrm>
-        <a:off x="573335" y="3060764"/>
-        <a:ext cx="8952712" cy="879050"/>
+        <a:off x="599273" y="2386862"/>
+        <a:ext cx="8900836" cy="1358534"/>
       </dsp:txXfrm>
     </dsp:sp>
   </dsp:spTree>
@@ -2983,7 +2753,7 @@
           <a:p>
             <a:fld id="{BB3AAAFD-6D2E-403A-9111-71B85EA05B7B}" type="datetimeFigureOut">
               <a:rPr lang="en-US" smtClean="0"/>
-              <a:t>Thu, 24.3.2022</a:t>
+              <a:t>Sun, 3.4.2022</a:t>
             </a:fld>
             <a:endParaRPr lang="en-US"/>
           </a:p>
@@ -3151,7 +2921,7 @@
           <a:p>
             <a:fld id="{BB3AAAFD-6D2E-403A-9111-71B85EA05B7B}" type="datetimeFigureOut">
               <a:rPr lang="en-US" smtClean="0"/>
-              <a:t>Thu, 24.3.2022</a:t>
+              <a:t>Sun, 3.4.2022</a:t>
             </a:fld>
             <a:endParaRPr lang="en-US"/>
           </a:p>
@@ -3329,7 +3099,7 @@
           <a:p>
             <a:fld id="{BB3AAAFD-6D2E-403A-9111-71B85EA05B7B}" type="datetimeFigureOut">
               <a:rPr lang="en-US" smtClean="0"/>
-              <a:t>Thu, 24.3.2022</a:t>
+              <a:t>Sun, 3.4.2022</a:t>
             </a:fld>
             <a:endParaRPr lang="en-US"/>
           </a:p>
@@ -3539,7 +3309,7 @@
           <a:p>
             <a:fld id="{BB3AAAFD-6D2E-403A-9111-71B85EA05B7B}" type="datetimeFigureOut">
               <a:rPr lang="en-US" smtClean="0"/>
-              <a:t>Thu, 24.3.2022</a:t>
+              <a:t>Sun, 3.4.2022</a:t>
             </a:fld>
             <a:endParaRPr lang="en-US"/>
           </a:p>
@@ -3830,7 +3600,7 @@
           <a:p>
             <a:fld id="{BB3AAAFD-6D2E-403A-9111-71B85EA05B7B}" type="datetimeFigureOut">
               <a:rPr lang="en-US" smtClean="0"/>
-              <a:t>Thu, 24.3.2022</a:t>
+              <a:t>Sun, 3.4.2022</a:t>
             </a:fld>
             <a:endParaRPr lang="en-US"/>
           </a:p>
@@ -4059,7 +3829,7 @@
           <a:p>
             <a:fld id="{BB3AAAFD-6D2E-403A-9111-71B85EA05B7B}" type="datetimeFigureOut">
               <a:rPr lang="en-US" smtClean="0"/>
-              <a:t>Thu, 24.3.2022</a:t>
+              <a:t>Sun, 3.4.2022</a:t>
             </a:fld>
             <a:endParaRPr lang="en-US"/>
           </a:p>
@@ -4423,7 +4193,7 @@
           <a:p>
             <a:fld id="{BB3AAAFD-6D2E-403A-9111-71B85EA05B7B}" type="datetimeFigureOut">
               <a:rPr lang="en-US" smtClean="0"/>
-              <a:t>Thu, 24.3.2022</a:t>
+              <a:t>Sun, 3.4.2022</a:t>
             </a:fld>
             <a:endParaRPr lang="en-US"/>
           </a:p>
@@ -4540,7 +4310,7 @@
           <a:p>
             <a:fld id="{BB3AAAFD-6D2E-403A-9111-71B85EA05B7B}" type="datetimeFigureOut">
               <a:rPr lang="en-US" smtClean="0"/>
-              <a:t>Thu, 24.3.2022</a:t>
+              <a:t>Sun, 3.4.2022</a:t>
             </a:fld>
             <a:endParaRPr lang="en-US"/>
           </a:p>
@@ -4635,7 +4405,7 @@
           <a:p>
             <a:fld id="{BB3AAAFD-6D2E-403A-9111-71B85EA05B7B}" type="datetimeFigureOut">
               <a:rPr lang="en-US" smtClean="0"/>
-              <a:t>Thu, 24.3.2022</a:t>
+              <a:t>Sun, 3.4.2022</a:t>
             </a:fld>
             <a:endParaRPr lang="en-US"/>
           </a:p>
@@ -4910,7 +4680,7 @@
           <a:p>
             <a:fld id="{BB3AAAFD-6D2E-403A-9111-71B85EA05B7B}" type="datetimeFigureOut">
               <a:rPr lang="en-US" smtClean="0"/>
-              <a:t>Thu, 24.3.2022</a:t>
+              <a:t>Sun, 3.4.2022</a:t>
             </a:fld>
             <a:endParaRPr lang="en-US"/>
           </a:p>
@@ -5162,7 +4932,7 @@
           <a:p>
             <a:fld id="{BB3AAAFD-6D2E-403A-9111-71B85EA05B7B}" type="datetimeFigureOut">
               <a:rPr lang="en-US" smtClean="0"/>
-              <a:t>Thu, 24.3.2022</a:t>
+              <a:t>Sun, 3.4.2022</a:t>
             </a:fld>
             <a:endParaRPr lang="en-US"/>
           </a:p>
@@ -5376,7 +5146,7 @@
             <a:fld id="{BB3AAAFD-6D2E-403A-9111-71B85EA05B7B}" type="datetimeFigureOut">
               <a:rPr lang="en-US" smtClean="0"/>
               <a:pPr/>
-              <a:t>Thu, 24.3.2022</a:t>
+              <a:t>Sun, 3.4.2022</a:t>
             </a:fld>
             <a:endParaRPr lang="en-US"/>
           </a:p>
@@ -5961,7 +5731,7 @@
                 <a:ea typeface="Tahoma" panose="020B0604030504040204" pitchFamily="34" charset="0"/>
                 <a:cs typeface="Tahoma" panose="020B0604030504040204" pitchFamily="34" charset="0"/>
               </a:rPr>
-              <a:t>PIC16F18877 – TIMER/COUNTER</a:t>
+              <a:t>PIC16F18877 – INTERRUPT &amp; TIMER</a:t>
             </a:r>
           </a:p>
           <a:p>
@@ -6009,7 +5779,7 @@
 </p:sld>
 </file>
 
-<file path=ppt/slides/slide10.xml><?xml version="1.0" encoding="utf-8"?>
+<file path=ppt/slides/slide2.xml><?xml version="1.0" encoding="utf-8"?>
 <p:sld xmlns:a="http://schemas.openxmlformats.org/drawingml/2006/main" xmlns:r="http://schemas.openxmlformats.org/officeDocument/2006/relationships" xmlns:p="http://schemas.openxmlformats.org/presentationml/2006/main">
   <p:cSld>
     <p:spTree>
@@ -6043,15 +5813,110 @@
           <a:p>
             <a:r>
               <a:rPr lang="en-US" dirty="0"/>
-              <a:t>TIMER</a:t>
+              <a:t>NỘI DUNG</a:t>
+            </a:r>
+          </a:p>
+        </p:txBody>
+      </p:sp>
+      <p:sp>
+        <p:nvSpPr>
+          <p:cNvPr id="5" name="Content Placeholder 4"/>
+          <p:cNvSpPr>
+            <a:spLocks noGrp="1"/>
+          </p:cNvSpPr>
+          <p:nvPr>
+            <p:ph idx="1"/>
+          </p:nvPr>
+        </p:nvSpPr>
+        <p:spPr/>
+        <p:txBody>
+          <a:bodyPr/>
+          <a:lstStyle/>
+          <a:p>
+            <a:endParaRPr lang="en-US"/>
+          </a:p>
+        </p:txBody>
+      </p:sp>
+      <p:graphicFrame>
+        <p:nvGraphicFramePr>
+          <p:cNvPr id="6" name="Content Placeholder 3"/>
+          <p:cNvGraphicFramePr>
+            <a:graphicFrameLocks/>
+          </p:cNvGraphicFramePr>
+          <p:nvPr>
+            <p:extLst>
+              <p:ext uri="{D42A27DB-BD31-4B8C-83A1-F6EECF244321}">
+                <p14:modId xmlns:p14="http://schemas.microsoft.com/office/powerpoint/2010/main" val="2913327166"/>
+              </p:ext>
+            </p:extLst>
+          </p:nvPr>
+        </p:nvGraphicFramePr>
+        <p:xfrm>
+          <a:off x="838200" y="1825625"/>
+          <a:ext cx="10515600" cy="4351338"/>
+        </p:xfrm>
+        <a:graphic>
+          <a:graphicData uri="http://schemas.openxmlformats.org/drawingml/2006/diagram">
+            <dgm:relIds xmlns:dgm="http://schemas.openxmlformats.org/drawingml/2006/diagram" xmlns:r="http://schemas.openxmlformats.org/officeDocument/2006/relationships" r:dm="rId2" r:lo="rId3" r:qs="rId4" r:cs="rId5"/>
+          </a:graphicData>
+        </a:graphic>
+      </p:graphicFrame>
+    </p:spTree>
+    <p:extLst>
+      <p:ext uri="{BB962C8B-B14F-4D97-AF65-F5344CB8AC3E}">
+        <p14:creationId xmlns:p14="http://schemas.microsoft.com/office/powerpoint/2010/main" val="2463738491"/>
+      </p:ext>
+    </p:extLst>
+  </p:cSld>
+  <p:clrMapOvr>
+    <a:masterClrMapping/>
+  </p:clrMapOvr>
+  <p:transition spd="slow">
+    <p:push dir="u"/>
+  </p:transition>
+</p:sld>
+</file>
+
+<file path=ppt/slides/slide3.xml><?xml version="1.0" encoding="utf-8"?>
+<p:sld xmlns:a="http://schemas.openxmlformats.org/drawingml/2006/main" xmlns:r="http://schemas.openxmlformats.org/officeDocument/2006/relationships" xmlns:p="http://schemas.openxmlformats.org/presentationml/2006/main">
+  <p:cSld>
+    <p:spTree>
+      <p:nvGrpSpPr>
+        <p:cNvPr id="1" name=""/>
+        <p:cNvGrpSpPr/>
+        <p:nvPr/>
+      </p:nvGrpSpPr>
+      <p:grpSpPr>
+        <a:xfrm>
+          <a:off x="0" y="0"/>
+          <a:ext cx="0" cy="0"/>
+          <a:chOff x="0" y="0"/>
+          <a:chExt cx="0" cy="0"/>
+        </a:xfrm>
+      </p:grpSpPr>
+      <p:sp>
+        <p:nvSpPr>
+          <p:cNvPr id="2" name="Title 1"/>
+          <p:cNvSpPr>
+            <a:spLocks noGrp="1"/>
+          </p:cNvSpPr>
+          <p:nvPr>
+            <p:ph type="title"/>
+          </p:nvPr>
+        </p:nvSpPr>
+        <p:spPr/>
+        <p:txBody>
+          <a:bodyPr/>
+          <a:lstStyle/>
+          <a:p>
+            <a:r>
+              <a:rPr lang="en-US" dirty="0"/>
+              <a:t>INTERRUPT</a:t>
             </a:r>
             <a:br>
               <a:rPr lang="en-US" dirty="0"/>
             </a:br>
-            <a:r>
-              <a:rPr lang="en-US" sz="2800" dirty="0"/>
-              <a:t>1. COUNTER 0/1</a:t>
-            </a:r>
+            <a:endParaRPr lang="en-US" sz="2800" dirty="0"/>
           </a:p>
         </p:txBody>
       </p:sp>
@@ -6072,10 +5937,221 @@
           </a:bodyPr>
           <a:lstStyle/>
           <a:p>
-            <a:pPr marL="0" indent="0">
-              <a:buNone/>
+            <a:pPr>
+              <a:buFont typeface="Wingdings" panose="05000000000000000000" pitchFamily="2" charset="2"/>
+              <a:buChar char="v"/>
             </a:pPr>
+            <a:r>
+              <a:rPr lang="en-US" dirty="0"/>
+              <a:t> </a:t>
+            </a:r>
+            <a:r>
+              <a:rPr lang="en-US" dirty="0" err="1"/>
+              <a:t>Ngắt</a:t>
+            </a:r>
+            <a:r>
+              <a:rPr lang="en-US" dirty="0"/>
+              <a:t> </a:t>
+            </a:r>
+            <a:r>
+              <a:rPr lang="en-US" dirty="0" err="1"/>
+              <a:t>thực</a:t>
+            </a:r>
+            <a:r>
+              <a:rPr lang="en-US" dirty="0"/>
+              <a:t> </a:t>
+            </a:r>
+            <a:r>
+              <a:rPr lang="en-US" dirty="0" err="1"/>
+              <a:t>thi</a:t>
+            </a:r>
+            <a:r>
+              <a:rPr lang="en-US" dirty="0"/>
+              <a:t> </a:t>
+            </a:r>
+            <a:r>
+              <a:rPr lang="en-US" dirty="0" err="1"/>
+              <a:t>một</a:t>
+            </a:r>
+            <a:r>
+              <a:rPr lang="en-US" dirty="0"/>
+              <a:t> </a:t>
+            </a:r>
+            <a:r>
+              <a:rPr lang="en-US" dirty="0" err="1"/>
+              <a:t>chương</a:t>
+            </a:r>
+            <a:r>
+              <a:rPr lang="en-US" dirty="0"/>
+              <a:t> </a:t>
+            </a:r>
+            <a:r>
+              <a:rPr lang="en-US" dirty="0" err="1"/>
+              <a:t>trình</a:t>
+            </a:r>
+            <a:r>
+              <a:rPr lang="en-US" dirty="0"/>
+              <a:t> </a:t>
+            </a:r>
+            <a:r>
+              <a:rPr lang="en-US" dirty="0" err="1"/>
+              <a:t>ưu</a:t>
+            </a:r>
+            <a:r>
+              <a:rPr lang="en-US" dirty="0"/>
+              <a:t> </a:t>
+            </a:r>
+            <a:r>
+              <a:rPr lang="en-US" dirty="0" err="1"/>
+              <a:t>tiên</a:t>
+            </a:r>
+            <a:r>
+              <a:rPr lang="en-US" dirty="0"/>
+              <a:t> </a:t>
+            </a:r>
+            <a:r>
+              <a:rPr lang="en-US" dirty="0" err="1"/>
+              <a:t>hơn</a:t>
+            </a:r>
+            <a:r>
+              <a:rPr lang="en-US" dirty="0"/>
+              <a:t> </a:t>
+            </a:r>
+            <a:r>
+              <a:rPr lang="en-US" dirty="0" err="1"/>
+              <a:t>chương</a:t>
+            </a:r>
+            <a:r>
+              <a:rPr lang="en-US" dirty="0"/>
+              <a:t> </a:t>
+            </a:r>
+            <a:r>
+              <a:rPr lang="en-US" dirty="0" err="1"/>
+              <a:t>trình</a:t>
+            </a:r>
+            <a:r>
+              <a:rPr lang="en-US" dirty="0"/>
+              <a:t> </a:t>
+            </a:r>
+            <a:r>
+              <a:rPr lang="en-US" dirty="0" err="1"/>
+              <a:t>chính</a:t>
+            </a:r>
+            <a:r>
+              <a:rPr lang="en-US" dirty="0"/>
+              <a:t> </a:t>
+            </a:r>
+            <a:r>
+              <a:rPr lang="en-US"/>
+              <a:t>(timer).</a:t>
+            </a:r>
             <a:endParaRPr lang="en-US" dirty="0"/>
+          </a:p>
+          <a:p>
+            <a:pPr>
+              <a:buFont typeface="Wingdings" panose="05000000000000000000" pitchFamily="2" charset="2"/>
+              <a:buChar char="v"/>
+            </a:pPr>
+            <a:r>
+              <a:rPr lang="en-US" dirty="0"/>
+              <a:t> </a:t>
+            </a:r>
+            <a:r>
+              <a:rPr lang="en-US" dirty="0" err="1"/>
+              <a:t>Ngắt</a:t>
+            </a:r>
+            <a:r>
+              <a:rPr lang="en-US" dirty="0"/>
+              <a:t> </a:t>
+            </a:r>
+            <a:r>
+              <a:rPr lang="en-US" dirty="0" err="1"/>
+              <a:t>thực</a:t>
+            </a:r>
+            <a:r>
+              <a:rPr lang="en-US" dirty="0"/>
+              <a:t> </a:t>
+            </a:r>
+            <a:r>
+              <a:rPr lang="en-US" dirty="0" err="1"/>
+              <a:t>hiện</a:t>
+            </a:r>
+            <a:r>
+              <a:rPr lang="en-US" dirty="0"/>
+              <a:t> </a:t>
+            </a:r>
+            <a:r>
+              <a:rPr lang="en-US" dirty="0" err="1"/>
+              <a:t>một</a:t>
+            </a:r>
+            <a:r>
+              <a:rPr lang="en-US" dirty="0"/>
+              <a:t> </a:t>
+            </a:r>
+            <a:r>
+              <a:rPr lang="en-US" dirty="0" err="1"/>
+              <a:t>sư</a:t>
+            </a:r>
+            <a:r>
+              <a:rPr lang="en-US" dirty="0"/>
+              <a:t>̣ </a:t>
+            </a:r>
+            <a:r>
+              <a:rPr lang="en-US" dirty="0" err="1"/>
+              <a:t>kiện</a:t>
+            </a:r>
+            <a:r>
+              <a:rPr lang="en-US" dirty="0"/>
+              <a:t> </a:t>
+            </a:r>
+            <a:r>
+              <a:rPr lang="en-US" dirty="0" err="1"/>
+              <a:t>không</a:t>
+            </a:r>
+            <a:r>
+              <a:rPr lang="en-US" dirty="0"/>
+              <a:t> </a:t>
+            </a:r>
+            <a:r>
+              <a:rPr lang="en-US" dirty="0" err="1"/>
+              <a:t>xác</a:t>
+            </a:r>
+            <a:r>
+              <a:rPr lang="en-US" dirty="0"/>
+              <a:t> </a:t>
+            </a:r>
+            <a:r>
+              <a:rPr lang="en-US" dirty="0" err="1"/>
+              <a:t>định</a:t>
+            </a:r>
+            <a:r>
+              <a:rPr lang="en-US" dirty="0"/>
+              <a:t> </a:t>
+            </a:r>
+            <a:r>
+              <a:rPr lang="en-US" dirty="0" err="1"/>
+              <a:t>thời</a:t>
+            </a:r>
+            <a:r>
+              <a:rPr lang="en-US" dirty="0"/>
+              <a:t> </a:t>
+            </a:r>
+            <a:r>
+              <a:rPr lang="en-US" dirty="0" err="1"/>
+              <a:t>điểm</a:t>
+            </a:r>
+            <a:r>
+              <a:rPr lang="en-US" dirty="0"/>
+              <a:t> </a:t>
+            </a:r>
+            <a:r>
+              <a:rPr lang="en-US" dirty="0" err="1"/>
+              <a:t>xảy</a:t>
+            </a:r>
+            <a:r>
+              <a:rPr lang="en-US" dirty="0"/>
+              <a:t> ra.</a:t>
+            </a:r>
           </a:p>
         </p:txBody>
       </p:sp>
@@ -6093,10 +6169,10 @@
         </p:nvGrpSpPr>
         <p:grpSpPr>
           <a:xfrm>
-            <a:off x="8362950" y="570526"/>
-            <a:ext cx="2819400" cy="914760"/>
+            <a:off x="8362950" y="729286"/>
+            <a:ext cx="2819400" cy="597240"/>
             <a:chOff x="7555442" y="411765"/>
-            <a:chExt cx="3006552" cy="914760"/>
+            <a:chExt cx="3006552" cy="597240"/>
           </a:xfrm>
         </p:grpSpPr>
         <p:sp>
@@ -6276,7 +6352,7 @@
               </a:pathLst>
             </a:custGeom>
             <a:solidFill>
-              <a:schemeClr val="accent1"/>
+              <a:schemeClr val="accent4"/>
             </a:solidFill>
           </p:spPr>
           <p:style>
@@ -6321,7 +6397,7 @@
                 </a:spcAft>
               </a:pPr>
               <a:r>
-                <a:rPr lang="en-US" sz="1200" kern="1200" dirty="0">
+                <a:rPr lang="en-US" sz="1200" b="1" kern="1200" dirty="0">
                   <a:ln>
                     <a:noFill/>
                   </a:ln>
@@ -6329,7 +6405,7 @@
                     <a:sysClr val="windowText" lastClr="000000"/>
                   </a:solidFill>
                 </a:rPr>
-                <a:t>GIỚI THIỆU CHUNG</a:t>
+                <a:t>INTERRUPT</a:t>
               </a:r>
             </a:p>
           </p:txBody>
@@ -6510,9 +6586,6 @@
                 </a:path>
               </a:pathLst>
             </a:custGeom>
-            <a:solidFill>
-              <a:schemeClr val="accent1"/>
-            </a:solidFill>
           </p:spPr>
           <p:style>
             <a:lnRef idx="2">
@@ -6561,7 +6634,7 @@
                 </a:spcAft>
               </a:pPr>
               <a:r>
-                <a:rPr lang="en-US" sz="1200" kern="1200" dirty="0">
+                <a:rPr lang="en-US" sz="1200" b="0" kern="1200" dirty="0">
                   <a:ln>
                     <a:noFill/>
                   </a:ln>
@@ -6574,251 +6647,11 @@
             </a:p>
           </p:txBody>
         </p:sp>
-        <p:sp>
-          <p:nvSpPr>
-            <p:cNvPr id="20" name="Rectangle 19">
-              <a:extLst>
-                <a:ext uri="{FF2B5EF4-FFF2-40B4-BE49-F238E27FC236}">
-                  <a16:creationId xmlns:a16="http://schemas.microsoft.com/office/drawing/2014/main" id="{067ED2F8-7585-46DA-A749-4F7B6BE78F0F}"/>
-                </a:ext>
-              </a:extLst>
-            </p:cNvPr>
-            <p:cNvSpPr/>
-            <p:nvPr/>
-          </p:nvSpPr>
-          <p:spPr>
-            <a:xfrm>
-              <a:off x="7555442" y="1150125"/>
-              <a:ext cx="3006552" cy="176400"/>
-            </a:xfrm>
-            <a:prstGeom prst="rect">
-              <a:avLst/>
-            </a:prstGeom>
-            <a:noFill/>
-            <a:ln>
-              <a:solidFill>
-                <a:srgbClr val="0070C0"/>
-              </a:solidFill>
-            </a:ln>
-          </p:spPr>
-          <p:style>
-            <a:lnRef idx="2">
-              <a:schemeClr val="accent1">
-                <a:hueOff val="0"/>
-                <a:satOff val="0"/>
-                <a:lumOff val="0"/>
-                <a:alphaOff val="0"/>
-              </a:schemeClr>
-            </a:lnRef>
-            <a:fillRef idx="1">
-              <a:schemeClr val="lt1">
-                <a:alpha val="90000"/>
-                <a:hueOff val="0"/>
-                <a:satOff val="0"/>
-                <a:lumOff val="0"/>
-                <a:alphaOff val="0"/>
-              </a:schemeClr>
-            </a:fillRef>
-            <a:effectRef idx="0">
-              <a:schemeClr val="lt1">
-                <a:alpha val="90000"/>
-                <a:hueOff val="0"/>
-                <a:satOff val="0"/>
-                <a:lumOff val="0"/>
-                <a:alphaOff val="0"/>
-              </a:schemeClr>
-            </a:effectRef>
-            <a:fontRef idx="minor">
-              <a:schemeClr val="dk1">
-                <a:hueOff val="0"/>
-                <a:satOff val="0"/>
-                <a:lumOff val="0"/>
-                <a:alphaOff val="0"/>
-              </a:schemeClr>
-            </a:fontRef>
-          </p:style>
-        </p:sp>
-        <p:sp>
-          <p:nvSpPr>
-            <p:cNvPr id="21" name="Freeform 11">
-              <a:hlinkClick r:id="rId3" action="ppaction://hlinksldjump"/>
-              <a:extLst>
-                <a:ext uri="{FF2B5EF4-FFF2-40B4-BE49-F238E27FC236}">
-                  <a16:creationId xmlns:a16="http://schemas.microsoft.com/office/drawing/2014/main" id="{E416CC0B-CBA4-4520-8667-39F6AD8140C1}"/>
-                </a:ext>
-              </a:extLst>
-            </p:cNvPr>
-            <p:cNvSpPr/>
-            <p:nvPr/>
-          </p:nvSpPr>
-          <p:spPr>
-            <a:xfrm>
-              <a:off x="7601731" y="1046805"/>
-              <a:ext cx="2764682" cy="206640"/>
-            </a:xfrm>
-            <a:custGeom>
-              <a:avLst/>
-              <a:gdLst>
-                <a:gd name="connsiteX0" fmla="*/ 0 w 2764682"/>
-                <a:gd name="connsiteY0" fmla="*/ 34441 h 206640"/>
-                <a:gd name="connsiteX1" fmla="*/ 34441 w 2764682"/>
-                <a:gd name="connsiteY1" fmla="*/ 0 h 206640"/>
-                <a:gd name="connsiteX2" fmla="*/ 2730241 w 2764682"/>
-                <a:gd name="connsiteY2" fmla="*/ 0 h 206640"/>
-                <a:gd name="connsiteX3" fmla="*/ 2764682 w 2764682"/>
-                <a:gd name="connsiteY3" fmla="*/ 34441 h 206640"/>
-                <a:gd name="connsiteX4" fmla="*/ 2764682 w 2764682"/>
-                <a:gd name="connsiteY4" fmla="*/ 172199 h 206640"/>
-                <a:gd name="connsiteX5" fmla="*/ 2730241 w 2764682"/>
-                <a:gd name="connsiteY5" fmla="*/ 206640 h 206640"/>
-                <a:gd name="connsiteX6" fmla="*/ 34441 w 2764682"/>
-                <a:gd name="connsiteY6" fmla="*/ 206640 h 206640"/>
-                <a:gd name="connsiteX7" fmla="*/ 0 w 2764682"/>
-                <a:gd name="connsiteY7" fmla="*/ 172199 h 206640"/>
-                <a:gd name="connsiteX8" fmla="*/ 0 w 2764682"/>
-                <a:gd name="connsiteY8" fmla="*/ 34441 h 206640"/>
-              </a:gdLst>
-              <a:ahLst/>
-              <a:cxnLst>
-                <a:cxn ang="0">
-                  <a:pos x="connsiteX0" y="connsiteY0"/>
-                </a:cxn>
-                <a:cxn ang="0">
-                  <a:pos x="connsiteX1" y="connsiteY1"/>
-                </a:cxn>
-                <a:cxn ang="0">
-                  <a:pos x="connsiteX2" y="connsiteY2"/>
-                </a:cxn>
-                <a:cxn ang="0">
-                  <a:pos x="connsiteX3" y="connsiteY3"/>
-                </a:cxn>
-                <a:cxn ang="0">
-                  <a:pos x="connsiteX4" y="connsiteY4"/>
-                </a:cxn>
-                <a:cxn ang="0">
-                  <a:pos x="connsiteX5" y="connsiteY5"/>
-                </a:cxn>
-                <a:cxn ang="0">
-                  <a:pos x="connsiteX6" y="connsiteY6"/>
-                </a:cxn>
-                <a:cxn ang="0">
-                  <a:pos x="connsiteX7" y="connsiteY7"/>
-                </a:cxn>
-                <a:cxn ang="0">
-                  <a:pos x="connsiteX8" y="connsiteY8"/>
-                </a:cxn>
-              </a:cxnLst>
-              <a:rect l="l" t="t" r="r" b="b"/>
-              <a:pathLst>
-                <a:path w="2764682" h="206640">
-                  <a:moveTo>
-                    <a:pt x="0" y="34441"/>
-                  </a:moveTo>
-                  <a:cubicBezTo>
-                    <a:pt x="0" y="15420"/>
-                    <a:pt x="15420" y="0"/>
-                    <a:pt x="34441" y="0"/>
-                  </a:cubicBezTo>
-                  <a:lnTo>
-                    <a:pt x="2730241" y="0"/>
-                  </a:lnTo>
-                  <a:cubicBezTo>
-                    <a:pt x="2749262" y="0"/>
-                    <a:pt x="2764682" y="15420"/>
-                    <a:pt x="2764682" y="34441"/>
-                  </a:cubicBezTo>
-                  <a:lnTo>
-                    <a:pt x="2764682" y="172199"/>
-                  </a:lnTo>
-                  <a:cubicBezTo>
-                    <a:pt x="2764682" y="191220"/>
-                    <a:pt x="2749262" y="206640"/>
-                    <a:pt x="2730241" y="206640"/>
-                  </a:cubicBezTo>
-                  <a:lnTo>
-                    <a:pt x="34441" y="206640"/>
-                  </a:lnTo>
-                  <a:cubicBezTo>
-                    <a:pt x="15420" y="206640"/>
-                    <a:pt x="0" y="191220"/>
-                    <a:pt x="0" y="172199"/>
-                  </a:cubicBezTo>
-                  <a:lnTo>
-                    <a:pt x="0" y="34441"/>
-                  </a:lnTo>
-                  <a:close/>
-                </a:path>
-              </a:pathLst>
-            </a:custGeom>
-            <a:solidFill>
-              <a:schemeClr val="accent4"/>
-            </a:solidFill>
-          </p:spPr>
-          <p:style>
-            <a:lnRef idx="2">
-              <a:schemeClr val="lt1">
-                <a:hueOff val="0"/>
-                <a:satOff val="0"/>
-                <a:lumOff val="0"/>
-                <a:alphaOff val="0"/>
-              </a:schemeClr>
-            </a:lnRef>
-            <a:fillRef idx="1">
-              <a:schemeClr val="accent1">
-                <a:hueOff val="0"/>
-                <a:satOff val="0"/>
-                <a:lumOff val="0"/>
-                <a:alphaOff val="0"/>
-              </a:schemeClr>
-            </a:fillRef>
-            <a:effectRef idx="0">
-              <a:schemeClr val="accent1">
-                <a:hueOff val="0"/>
-                <a:satOff val="0"/>
-                <a:lumOff val="0"/>
-                <a:alphaOff val="0"/>
-              </a:schemeClr>
-            </a:effectRef>
-            <a:fontRef idx="minor">
-              <a:schemeClr val="lt1"/>
-            </a:fontRef>
-          </p:style>
-          <p:txBody>
-            <a:bodyPr spcFirstLastPara="0" vert="horz" wrap="square" lIns="114585" tIns="10087" rIns="114585" bIns="10087" numCol="1" spcCol="1270" anchor="ctr" anchorCtr="0">
-              <a:noAutofit/>
-            </a:bodyPr>
-            <a:lstStyle/>
-            <a:p>
-              <a:pPr lvl="0" algn="l" defTabSz="533400">
-                <a:lnSpc>
-                  <a:spcPct val="90000"/>
-                </a:lnSpc>
-                <a:spcBef>
-                  <a:spcPct val="0"/>
-                </a:spcBef>
-                <a:spcAft>
-                  <a:spcPct val="35000"/>
-                </a:spcAft>
-              </a:pPr>
-              <a:r>
-                <a:rPr lang="en-US" sz="1200" b="1" kern="1200" dirty="0">
-                  <a:ln>
-                    <a:noFill/>
-                  </a:ln>
-                  <a:solidFill>
-                    <a:sysClr val="windowText" lastClr="000000"/>
-                  </a:solidFill>
-                </a:rPr>
-                <a:t>COUNTER</a:t>
-              </a:r>
-            </a:p>
-          </p:txBody>
-        </p:sp>
       </p:grpSp>
     </p:spTree>
     <p:extLst>
       <p:ext uri="{BB962C8B-B14F-4D97-AF65-F5344CB8AC3E}">
-        <p14:creationId xmlns:p14="http://schemas.microsoft.com/office/powerpoint/2010/main" val="3666408817"/>
+        <p14:creationId xmlns:p14="http://schemas.microsoft.com/office/powerpoint/2010/main" val="3485648354"/>
       </p:ext>
     </p:extLst>
   </p:cSld>
@@ -6831,7 +6664,7 @@
 </p:sld>
 </file>
 
-<file path=ppt/slides/slide11.xml><?xml version="1.0" encoding="utf-8"?>
+<file path=ppt/slides/slide4.xml><?xml version="1.0" encoding="utf-8"?>
 <p:sld xmlns:a="http://schemas.openxmlformats.org/drawingml/2006/main" xmlns:r="http://schemas.openxmlformats.org/officeDocument/2006/relationships" xmlns:p="http://schemas.openxmlformats.org/presentationml/2006/main">
   <p:cSld>
     <p:spTree>
@@ -6872,7 +6705,7 @@
             </a:br>
             <a:r>
               <a:rPr lang="en-US" sz="2800" dirty="0"/>
-              <a:t>2. COUNTER 2</a:t>
+              <a:t>1. TỔNG QUAN</a:t>
             </a:r>
           </a:p>
         </p:txBody>
@@ -6894,19 +6727,421 @@
           </a:bodyPr>
           <a:lstStyle/>
           <a:p>
-            <a:pPr marL="0" indent="0">
-              <a:buNone/>
+            <a:pPr>
+              <a:buFont typeface="Wingdings" panose="05000000000000000000" pitchFamily="2" charset="2"/>
+              <a:buChar char="v"/>
             </a:pPr>
-            <a:endParaRPr lang="en-US" dirty="0"/>
+            <a:r>
+              <a:rPr lang="en-US" dirty="0"/>
+              <a:t> Timer/counter </a:t>
+            </a:r>
+            <a:r>
+              <a:rPr lang="en-US" dirty="0" err="1"/>
+              <a:t>thực</a:t>
+            </a:r>
+            <a:r>
+              <a:rPr lang="en-US" dirty="0"/>
+              <a:t> </a:t>
+            </a:r>
+            <a:r>
+              <a:rPr lang="en-US" dirty="0" err="1"/>
+              <a:t>tê</a:t>
+            </a:r>
+            <a:r>
+              <a:rPr lang="en-US" dirty="0"/>
+              <a:t>́ là </a:t>
+            </a:r>
+            <a:r>
+              <a:rPr lang="en-US" dirty="0" err="1"/>
+              <a:t>một</a:t>
+            </a:r>
+            <a:r>
+              <a:rPr lang="en-US" dirty="0"/>
+              <a:t> </a:t>
+            </a:r>
+            <a:r>
+              <a:rPr lang="en-US" dirty="0" err="1"/>
+              <a:t>bô</a:t>
+            </a:r>
+            <a:r>
+              <a:rPr lang="en-US" dirty="0"/>
+              <a:t>̣ </a:t>
+            </a:r>
+            <a:r>
+              <a:rPr lang="en-US" dirty="0" err="1"/>
+              <a:t>đếm</a:t>
+            </a:r>
+            <a:r>
+              <a:rPr lang="en-US" dirty="0"/>
+              <a:t> </a:t>
+            </a:r>
+            <a:r>
+              <a:rPr lang="en-US" dirty="0" err="1"/>
+              <a:t>với</a:t>
+            </a:r>
+            <a:r>
+              <a:rPr lang="en-US" dirty="0"/>
+              <a:t> </a:t>
+            </a:r>
+            <a:r>
+              <a:rPr lang="en-US" dirty="0" err="1"/>
+              <a:t>gia</a:t>
+            </a:r>
+            <a:r>
+              <a:rPr lang="en-US" dirty="0"/>
+              <a:t>́ trị </a:t>
+            </a:r>
+            <a:r>
+              <a:rPr lang="en-US" dirty="0" err="1"/>
+              <a:t>đếm</a:t>
+            </a:r>
+            <a:r>
+              <a:rPr lang="en-US" dirty="0"/>
+              <a:t> </a:t>
+            </a:r>
+            <a:r>
+              <a:rPr lang="en-US" dirty="0" err="1"/>
+              <a:t>tăng</a:t>
+            </a:r>
+            <a:r>
+              <a:rPr lang="en-US" dirty="0"/>
+              <a:t> 1 </a:t>
+            </a:r>
+            <a:r>
+              <a:rPr lang="en-US" dirty="0" err="1"/>
+              <a:t>đơn</a:t>
+            </a:r>
+            <a:r>
+              <a:rPr lang="en-US" dirty="0"/>
+              <a:t> vị </a:t>
+            </a:r>
+            <a:r>
+              <a:rPr lang="en-US" dirty="0" err="1"/>
+              <a:t>tương</a:t>
+            </a:r>
+            <a:r>
+              <a:rPr lang="en-US" dirty="0"/>
+              <a:t> </a:t>
+            </a:r>
+            <a:r>
+              <a:rPr lang="en-US" dirty="0" err="1"/>
+              <a:t>ứng</a:t>
+            </a:r>
+            <a:r>
+              <a:rPr lang="en-US" dirty="0"/>
+              <a:t> </a:t>
+            </a:r>
+            <a:r>
+              <a:rPr lang="en-US" dirty="0" err="1"/>
+              <a:t>với</a:t>
+            </a:r>
+            <a:r>
+              <a:rPr lang="en-US" dirty="0"/>
+              <a:t> </a:t>
+            </a:r>
+            <a:r>
+              <a:rPr lang="en-US" dirty="0" err="1"/>
+              <a:t>mỗi</a:t>
+            </a:r>
+            <a:r>
+              <a:rPr lang="en-US" dirty="0"/>
+              <a:t> </a:t>
+            </a:r>
+            <a:r>
+              <a:rPr lang="en-US" dirty="0" err="1"/>
+              <a:t>xung</a:t>
+            </a:r>
+            <a:r>
+              <a:rPr lang="en-US" dirty="0"/>
+              <a:t> clock </a:t>
+            </a:r>
+            <a:r>
+              <a:rPr lang="en-US" dirty="0" err="1"/>
+              <a:t>cấp</a:t>
+            </a:r>
+            <a:r>
+              <a:rPr lang="en-US" dirty="0"/>
+              <a:t> </a:t>
+            </a:r>
+            <a:r>
+              <a:rPr lang="en-US" dirty="0" err="1"/>
+              <a:t>vào</a:t>
+            </a:r>
+            <a:r>
+              <a:rPr lang="en-US" dirty="0"/>
+              <a:t>.</a:t>
+            </a:r>
+          </a:p>
+          <a:p>
+            <a:pPr>
+              <a:buFont typeface="Wingdings" panose="05000000000000000000" pitchFamily="2" charset="2"/>
+              <a:buChar char="v"/>
+            </a:pPr>
+            <a:r>
+              <a:rPr lang="en-US" dirty="0"/>
+              <a:t> Timer/counter </a:t>
+            </a:r>
+            <a:r>
+              <a:rPr lang="en-US" dirty="0" err="1"/>
+              <a:t>bản</a:t>
+            </a:r>
+            <a:r>
+              <a:rPr lang="en-US" dirty="0"/>
+              <a:t> </a:t>
+            </a:r>
+            <a:r>
+              <a:rPr lang="en-US" dirty="0" err="1"/>
+              <a:t>chất</a:t>
+            </a:r>
+            <a:r>
+              <a:rPr lang="en-US" dirty="0"/>
+              <a:t> là 1 module, </a:t>
+            </a:r>
+            <a:r>
+              <a:rPr lang="en-US" dirty="0" err="1"/>
+              <a:t>chúng</a:t>
+            </a:r>
+            <a:r>
+              <a:rPr lang="en-US" dirty="0"/>
+              <a:t> chỉ </a:t>
+            </a:r>
+            <a:r>
+              <a:rPr lang="en-US" dirty="0" err="1"/>
+              <a:t>khác</a:t>
+            </a:r>
+            <a:r>
+              <a:rPr lang="en-US" dirty="0"/>
+              <a:t> </a:t>
+            </a:r>
+            <a:r>
+              <a:rPr lang="en-US" dirty="0" err="1"/>
+              <a:t>nhau</a:t>
+            </a:r>
+            <a:r>
+              <a:rPr lang="en-US" dirty="0"/>
+              <a:t> </a:t>
+            </a:r>
+            <a:r>
+              <a:rPr lang="en-US" dirty="0" err="1"/>
+              <a:t>vê</a:t>
+            </a:r>
+            <a:r>
+              <a:rPr lang="en-US" dirty="0"/>
+              <a:t>̀ </a:t>
+            </a:r>
+            <a:r>
+              <a:rPr lang="en-US" dirty="0" err="1"/>
+              <a:t>nguồn</a:t>
+            </a:r>
+            <a:r>
+              <a:rPr lang="en-US" dirty="0"/>
+              <a:t> clock.</a:t>
+            </a:r>
+          </a:p>
+          <a:p>
+            <a:pPr lvl="1">
+              <a:buFont typeface="Wingdings" panose="05000000000000000000" pitchFamily="2" charset="2"/>
+              <a:buChar char="Ø"/>
+            </a:pPr>
+            <a:r>
+              <a:rPr lang="en-US" dirty="0"/>
+              <a:t> Timer: </a:t>
+            </a:r>
+            <a:r>
+              <a:rPr lang="en-US" dirty="0" err="1"/>
+              <a:t>Xung</a:t>
+            </a:r>
+            <a:r>
+              <a:rPr lang="en-US" dirty="0"/>
+              <a:t> clock </a:t>
+            </a:r>
+            <a:r>
+              <a:rPr lang="en-US" dirty="0" err="1"/>
+              <a:t>xác</a:t>
+            </a:r>
+            <a:r>
+              <a:rPr lang="en-US" dirty="0"/>
+              <a:t> </a:t>
+            </a:r>
+            <a:r>
+              <a:rPr lang="en-US" dirty="0" err="1"/>
+              <a:t>định</a:t>
+            </a:r>
+            <a:r>
+              <a:rPr lang="en-US" dirty="0"/>
+              <a:t> </a:t>
+            </a:r>
+            <a:r>
+              <a:rPr lang="en-US" dirty="0" err="1"/>
+              <a:t>được</a:t>
+            </a:r>
+            <a:r>
+              <a:rPr lang="en-US" dirty="0"/>
+              <a:t> </a:t>
+            </a:r>
+            <a:r>
+              <a:rPr lang="en-US" dirty="0" err="1"/>
+              <a:t>tần</a:t>
+            </a:r>
+            <a:r>
+              <a:rPr lang="en-US" dirty="0"/>
+              <a:t> </a:t>
+            </a:r>
+            <a:r>
+              <a:rPr lang="en-US" dirty="0" err="1"/>
+              <a:t>sô</a:t>
+            </a:r>
+            <a:r>
+              <a:rPr lang="en-US" dirty="0"/>
+              <a:t>́, </a:t>
+            </a:r>
+            <a:r>
+              <a:rPr lang="en-US" dirty="0" err="1"/>
+              <a:t>sư</a:t>
+            </a:r>
+            <a:r>
+              <a:rPr lang="en-US" dirty="0"/>
+              <a:t>̉ </a:t>
+            </a:r>
+            <a:r>
+              <a:rPr lang="en-US" dirty="0" err="1"/>
+              <a:t>dụng</a:t>
+            </a:r>
+            <a:r>
+              <a:rPr lang="en-US" dirty="0"/>
+              <a:t> </a:t>
+            </a:r>
+            <a:r>
+              <a:rPr lang="en-US" dirty="0" err="1"/>
+              <a:t>đê</a:t>
+            </a:r>
+            <a:r>
+              <a:rPr lang="en-US" dirty="0"/>
+              <a:t>̉ </a:t>
+            </a:r>
+            <a:r>
+              <a:rPr lang="en-US" dirty="0" err="1"/>
+              <a:t>đếm</a:t>
+            </a:r>
+            <a:r>
+              <a:rPr lang="en-US" dirty="0"/>
+              <a:t> </a:t>
+            </a:r>
+            <a:r>
+              <a:rPr lang="en-US" dirty="0" err="1"/>
+              <a:t>thời</a:t>
+            </a:r>
+            <a:r>
+              <a:rPr lang="en-US" dirty="0"/>
+              <a:t> </a:t>
+            </a:r>
+            <a:r>
+              <a:rPr lang="en-US" dirty="0" err="1"/>
+              <a:t>gian</a:t>
+            </a:r>
+            <a:r>
+              <a:rPr lang="en-US" dirty="0"/>
+              <a:t>.</a:t>
+            </a:r>
+          </a:p>
+          <a:p>
+            <a:pPr lvl="1">
+              <a:buFont typeface="Wingdings" panose="05000000000000000000" pitchFamily="2" charset="2"/>
+              <a:buChar char="Ø"/>
+            </a:pPr>
+            <a:r>
+              <a:rPr lang="en-US" dirty="0"/>
+              <a:t> Counter: </a:t>
+            </a:r>
+            <a:r>
+              <a:rPr lang="en-US" dirty="0" err="1"/>
+              <a:t>Xung</a:t>
+            </a:r>
+            <a:r>
+              <a:rPr lang="en-US" dirty="0"/>
+              <a:t> clock </a:t>
+            </a:r>
+            <a:r>
+              <a:rPr lang="en-US" dirty="0" err="1"/>
+              <a:t>không</a:t>
+            </a:r>
+            <a:r>
+              <a:rPr lang="en-US" dirty="0"/>
+              <a:t> </a:t>
+            </a:r>
+            <a:r>
+              <a:rPr lang="en-US" dirty="0" err="1"/>
+              <a:t>xác</a:t>
+            </a:r>
+            <a:r>
+              <a:rPr lang="en-US" dirty="0"/>
+              <a:t> </a:t>
+            </a:r>
+            <a:r>
+              <a:rPr lang="en-US" dirty="0" err="1"/>
+              <a:t>định</a:t>
+            </a:r>
+            <a:r>
+              <a:rPr lang="en-US" dirty="0"/>
+              <a:t>, </a:t>
+            </a:r>
+            <a:r>
+              <a:rPr lang="en-US" dirty="0" err="1"/>
+              <a:t>sư</a:t>
+            </a:r>
+            <a:r>
+              <a:rPr lang="en-US" dirty="0"/>
+              <a:t>̉ </a:t>
+            </a:r>
+            <a:r>
+              <a:rPr lang="en-US" dirty="0" err="1"/>
+              <a:t>dụng</a:t>
+            </a:r>
+            <a:r>
+              <a:rPr lang="en-US" dirty="0"/>
+              <a:t> </a:t>
+            </a:r>
+            <a:r>
+              <a:rPr lang="en-US" dirty="0" err="1"/>
+              <a:t>đê</a:t>
+            </a:r>
+            <a:r>
+              <a:rPr lang="en-US" dirty="0"/>
+              <a:t>̉ </a:t>
+            </a:r>
+            <a:r>
+              <a:rPr lang="en-US" dirty="0" err="1"/>
+              <a:t>đếm</a:t>
+            </a:r>
+            <a:r>
+              <a:rPr lang="en-US" dirty="0"/>
+              <a:t> </a:t>
+            </a:r>
+            <a:r>
+              <a:rPr lang="en-US" dirty="0" err="1"/>
+              <a:t>sư</a:t>
+            </a:r>
+            <a:r>
+              <a:rPr lang="en-US" dirty="0"/>
+              <a:t>̣ </a:t>
+            </a:r>
+            <a:r>
+              <a:rPr lang="en-US" dirty="0" err="1"/>
+              <a:t>kiện</a:t>
+            </a:r>
+            <a:r>
+              <a:rPr lang="en-US" dirty="0"/>
+              <a:t>.</a:t>
+            </a:r>
           </a:p>
         </p:txBody>
       </p:sp>
       <p:grpSp>
         <p:nvGrpSpPr>
-          <p:cNvPr id="15" name="Group 14">
+          <p:cNvPr id="11" name="Group 10">
             <a:extLst>
               <a:ext uri="{FF2B5EF4-FFF2-40B4-BE49-F238E27FC236}">
-                <a16:creationId xmlns:a16="http://schemas.microsoft.com/office/drawing/2014/main" id="{985BFA05-6B38-4E60-916B-0CFF583BA979}"/>
+                <a16:creationId xmlns:a16="http://schemas.microsoft.com/office/drawing/2014/main" id="{8056327C-114D-4316-9161-FBC3ADE7C7DC}"/>
               </a:ext>
             </a:extLst>
           </p:cNvPr>
@@ -6915,18 +7150,18 @@
         </p:nvGrpSpPr>
         <p:grpSpPr>
           <a:xfrm>
-            <a:off x="8362950" y="570526"/>
-            <a:ext cx="2819400" cy="914760"/>
+            <a:off x="8362950" y="729286"/>
+            <a:ext cx="2819400" cy="597240"/>
             <a:chOff x="7555442" y="411765"/>
-            <a:chExt cx="3006552" cy="914760"/>
+            <a:chExt cx="3006552" cy="597240"/>
           </a:xfrm>
         </p:grpSpPr>
         <p:sp>
           <p:nvSpPr>
-            <p:cNvPr id="16" name="Rectangle 15">
+            <p:cNvPr id="12" name="Rectangle 11">
               <a:extLst>
                 <a:ext uri="{FF2B5EF4-FFF2-40B4-BE49-F238E27FC236}">
-                  <a16:creationId xmlns:a16="http://schemas.microsoft.com/office/drawing/2014/main" id="{B5C24B6E-A5EB-4F81-A6BB-A5F8C685EB82}"/>
+                  <a16:creationId xmlns:a16="http://schemas.microsoft.com/office/drawing/2014/main" id="{F134858E-369A-4BFB-86AC-17AF80E68A5E}"/>
                 </a:ext>
               </a:extLst>
             </p:cNvPr>
@@ -6987,11 +7222,11 @@
         </p:sp>
         <p:sp>
           <p:nvSpPr>
-            <p:cNvPr id="17" name="Freeform 7">
+            <p:cNvPr id="13" name="Freeform 7">
               <a:hlinkClick r:id="rId2" action="ppaction://hlinksldjump"/>
               <a:extLst>
                 <a:ext uri="{FF2B5EF4-FFF2-40B4-BE49-F238E27FC236}">
-                  <a16:creationId xmlns:a16="http://schemas.microsoft.com/office/drawing/2014/main" id="{8070CAFC-D3C5-40F7-80CA-2FF842D81553}"/>
+                  <a16:creationId xmlns:a16="http://schemas.microsoft.com/office/drawing/2014/main" id="{578D7A33-241A-4858-AF27-EBB6DE794F05}"/>
                 </a:ext>
               </a:extLst>
             </p:cNvPr>
@@ -7151,2623 +7386,7 @@
                     <a:sysClr val="windowText" lastClr="000000"/>
                   </a:solidFill>
                 </a:rPr>
-                <a:t>GIỚI THIỆU CHUNG</a:t>
-              </a:r>
-            </a:p>
-          </p:txBody>
-        </p:sp>
-        <p:sp>
-          <p:nvSpPr>
-            <p:cNvPr id="18" name="Rectangle 17">
-              <a:extLst>
-                <a:ext uri="{FF2B5EF4-FFF2-40B4-BE49-F238E27FC236}">
-                  <a16:creationId xmlns:a16="http://schemas.microsoft.com/office/drawing/2014/main" id="{52274D0B-503F-4224-852A-B7B0CEFF21E6}"/>
-                </a:ext>
-              </a:extLst>
-            </p:cNvPr>
-            <p:cNvSpPr/>
-            <p:nvPr/>
-          </p:nvSpPr>
-          <p:spPr>
-            <a:xfrm>
-              <a:off x="7555442" y="832605"/>
-              <a:ext cx="3006552" cy="176400"/>
-            </a:xfrm>
-            <a:prstGeom prst="rect">
-              <a:avLst/>
-            </a:prstGeom>
-            <a:noFill/>
-            <a:ln>
-              <a:solidFill>
-                <a:srgbClr val="0070C0"/>
-              </a:solidFill>
-            </a:ln>
-          </p:spPr>
-          <p:style>
-            <a:lnRef idx="2">
-              <a:schemeClr val="accent1">
-                <a:hueOff val="0"/>
-                <a:satOff val="0"/>
-                <a:lumOff val="0"/>
-                <a:alphaOff val="0"/>
-              </a:schemeClr>
-            </a:lnRef>
-            <a:fillRef idx="1">
-              <a:schemeClr val="lt1">
-                <a:alpha val="90000"/>
-                <a:hueOff val="0"/>
-                <a:satOff val="0"/>
-                <a:lumOff val="0"/>
-                <a:alphaOff val="0"/>
-              </a:schemeClr>
-            </a:fillRef>
-            <a:effectRef idx="0">
-              <a:schemeClr val="lt1">
-                <a:alpha val="90000"/>
-                <a:hueOff val="0"/>
-                <a:satOff val="0"/>
-                <a:lumOff val="0"/>
-                <a:alphaOff val="0"/>
-              </a:schemeClr>
-            </a:effectRef>
-            <a:fontRef idx="minor">
-              <a:schemeClr val="dk1">
-                <a:hueOff val="0"/>
-                <a:satOff val="0"/>
-                <a:lumOff val="0"/>
-                <a:alphaOff val="0"/>
-              </a:schemeClr>
-            </a:fontRef>
-          </p:style>
-        </p:sp>
-        <p:sp>
-          <p:nvSpPr>
-            <p:cNvPr id="19" name="Freeform 9">
-              <a:hlinkClick r:id="rId3" action="ppaction://hlinksldjump"/>
-              <a:extLst>
-                <a:ext uri="{FF2B5EF4-FFF2-40B4-BE49-F238E27FC236}">
-                  <a16:creationId xmlns:a16="http://schemas.microsoft.com/office/drawing/2014/main" id="{9DA59B5A-4E02-4FA0-BD6C-70EC23A1CE71}"/>
-                </a:ext>
-              </a:extLst>
-            </p:cNvPr>
-            <p:cNvSpPr/>
-            <p:nvPr/>
-          </p:nvSpPr>
-          <p:spPr>
-            <a:xfrm>
-              <a:off x="7601731" y="729285"/>
-              <a:ext cx="2764682" cy="206640"/>
-            </a:xfrm>
-            <a:custGeom>
-              <a:avLst/>
-              <a:gdLst>
-                <a:gd name="connsiteX0" fmla="*/ 0 w 2764682"/>
-                <a:gd name="connsiteY0" fmla="*/ 34441 h 206640"/>
-                <a:gd name="connsiteX1" fmla="*/ 34441 w 2764682"/>
-                <a:gd name="connsiteY1" fmla="*/ 0 h 206640"/>
-                <a:gd name="connsiteX2" fmla="*/ 2730241 w 2764682"/>
-                <a:gd name="connsiteY2" fmla="*/ 0 h 206640"/>
-                <a:gd name="connsiteX3" fmla="*/ 2764682 w 2764682"/>
-                <a:gd name="connsiteY3" fmla="*/ 34441 h 206640"/>
-                <a:gd name="connsiteX4" fmla="*/ 2764682 w 2764682"/>
-                <a:gd name="connsiteY4" fmla="*/ 172199 h 206640"/>
-                <a:gd name="connsiteX5" fmla="*/ 2730241 w 2764682"/>
-                <a:gd name="connsiteY5" fmla="*/ 206640 h 206640"/>
-                <a:gd name="connsiteX6" fmla="*/ 34441 w 2764682"/>
-                <a:gd name="connsiteY6" fmla="*/ 206640 h 206640"/>
-                <a:gd name="connsiteX7" fmla="*/ 0 w 2764682"/>
-                <a:gd name="connsiteY7" fmla="*/ 172199 h 206640"/>
-                <a:gd name="connsiteX8" fmla="*/ 0 w 2764682"/>
-                <a:gd name="connsiteY8" fmla="*/ 34441 h 206640"/>
-              </a:gdLst>
-              <a:ahLst/>
-              <a:cxnLst>
-                <a:cxn ang="0">
-                  <a:pos x="connsiteX0" y="connsiteY0"/>
-                </a:cxn>
-                <a:cxn ang="0">
-                  <a:pos x="connsiteX1" y="connsiteY1"/>
-                </a:cxn>
-                <a:cxn ang="0">
-                  <a:pos x="connsiteX2" y="connsiteY2"/>
-                </a:cxn>
-                <a:cxn ang="0">
-                  <a:pos x="connsiteX3" y="connsiteY3"/>
-                </a:cxn>
-                <a:cxn ang="0">
-                  <a:pos x="connsiteX4" y="connsiteY4"/>
-                </a:cxn>
-                <a:cxn ang="0">
-                  <a:pos x="connsiteX5" y="connsiteY5"/>
-                </a:cxn>
-                <a:cxn ang="0">
-                  <a:pos x="connsiteX6" y="connsiteY6"/>
-                </a:cxn>
-                <a:cxn ang="0">
-                  <a:pos x="connsiteX7" y="connsiteY7"/>
-                </a:cxn>
-                <a:cxn ang="0">
-                  <a:pos x="connsiteX8" y="connsiteY8"/>
-                </a:cxn>
-              </a:cxnLst>
-              <a:rect l="l" t="t" r="r" b="b"/>
-              <a:pathLst>
-                <a:path w="2764682" h="206640">
-                  <a:moveTo>
-                    <a:pt x="0" y="34441"/>
-                  </a:moveTo>
-                  <a:cubicBezTo>
-                    <a:pt x="0" y="15420"/>
-                    <a:pt x="15420" y="0"/>
-                    <a:pt x="34441" y="0"/>
-                  </a:cubicBezTo>
-                  <a:lnTo>
-                    <a:pt x="2730241" y="0"/>
-                  </a:lnTo>
-                  <a:cubicBezTo>
-                    <a:pt x="2749262" y="0"/>
-                    <a:pt x="2764682" y="15420"/>
-                    <a:pt x="2764682" y="34441"/>
-                  </a:cubicBezTo>
-                  <a:lnTo>
-                    <a:pt x="2764682" y="172199"/>
-                  </a:lnTo>
-                  <a:cubicBezTo>
-                    <a:pt x="2764682" y="191220"/>
-                    <a:pt x="2749262" y="206640"/>
-                    <a:pt x="2730241" y="206640"/>
-                  </a:cubicBezTo>
-                  <a:lnTo>
-                    <a:pt x="34441" y="206640"/>
-                  </a:lnTo>
-                  <a:cubicBezTo>
-                    <a:pt x="15420" y="206640"/>
-                    <a:pt x="0" y="191220"/>
-                    <a:pt x="0" y="172199"/>
-                  </a:cubicBezTo>
-                  <a:lnTo>
-                    <a:pt x="0" y="34441"/>
-                  </a:lnTo>
-                  <a:close/>
-                </a:path>
-              </a:pathLst>
-            </a:custGeom>
-            <a:solidFill>
-              <a:schemeClr val="accent1"/>
-            </a:solidFill>
-          </p:spPr>
-          <p:style>
-            <a:lnRef idx="2">
-              <a:schemeClr val="lt1">
-                <a:hueOff val="0"/>
-                <a:satOff val="0"/>
-                <a:lumOff val="0"/>
-                <a:alphaOff val="0"/>
-              </a:schemeClr>
-            </a:lnRef>
-            <a:fillRef idx="1">
-              <a:schemeClr val="accent1">
-                <a:hueOff val="0"/>
-                <a:satOff val="0"/>
-                <a:lumOff val="0"/>
-                <a:alphaOff val="0"/>
-              </a:schemeClr>
-            </a:fillRef>
-            <a:effectRef idx="0">
-              <a:schemeClr val="accent1">
-                <a:hueOff val="0"/>
-                <a:satOff val="0"/>
-                <a:lumOff val="0"/>
-                <a:alphaOff val="0"/>
-              </a:schemeClr>
-            </a:effectRef>
-            <a:fontRef idx="minor">
-              <a:schemeClr val="lt1"/>
-            </a:fontRef>
-          </p:style>
-          <p:txBody>
-            <a:bodyPr spcFirstLastPara="0" vert="horz" wrap="square" lIns="114585" tIns="10087" rIns="114585" bIns="10087" numCol="1" spcCol="1270" anchor="ctr" anchorCtr="0">
-              <a:noAutofit/>
-            </a:bodyPr>
-            <a:lstStyle/>
-            <a:p>
-              <a:pPr lvl="0" algn="l" defTabSz="533400">
-                <a:lnSpc>
-                  <a:spcPct val="90000"/>
-                </a:lnSpc>
-                <a:spcBef>
-                  <a:spcPct val="0"/>
-                </a:spcBef>
-                <a:spcAft>
-                  <a:spcPct val="35000"/>
-                </a:spcAft>
-              </a:pPr>
-              <a:r>
-                <a:rPr lang="en-US" sz="1200" kern="1200" dirty="0">
-                  <a:ln>
-                    <a:noFill/>
-                  </a:ln>
-                  <a:solidFill>
-                    <a:sysClr val="windowText" lastClr="000000"/>
-                  </a:solidFill>
-                </a:rPr>
-                <a:t>TIMER</a:t>
-              </a:r>
-            </a:p>
-          </p:txBody>
-        </p:sp>
-        <p:sp>
-          <p:nvSpPr>
-            <p:cNvPr id="20" name="Rectangle 19">
-              <a:extLst>
-                <a:ext uri="{FF2B5EF4-FFF2-40B4-BE49-F238E27FC236}">
-                  <a16:creationId xmlns:a16="http://schemas.microsoft.com/office/drawing/2014/main" id="{067ED2F8-7585-46DA-A749-4F7B6BE78F0F}"/>
-                </a:ext>
-              </a:extLst>
-            </p:cNvPr>
-            <p:cNvSpPr/>
-            <p:nvPr/>
-          </p:nvSpPr>
-          <p:spPr>
-            <a:xfrm>
-              <a:off x="7555442" y="1150125"/>
-              <a:ext cx="3006552" cy="176400"/>
-            </a:xfrm>
-            <a:prstGeom prst="rect">
-              <a:avLst/>
-            </a:prstGeom>
-            <a:noFill/>
-            <a:ln>
-              <a:solidFill>
-                <a:srgbClr val="0070C0"/>
-              </a:solidFill>
-            </a:ln>
-          </p:spPr>
-          <p:style>
-            <a:lnRef idx="2">
-              <a:schemeClr val="accent1">
-                <a:hueOff val="0"/>
-                <a:satOff val="0"/>
-                <a:lumOff val="0"/>
-                <a:alphaOff val="0"/>
-              </a:schemeClr>
-            </a:lnRef>
-            <a:fillRef idx="1">
-              <a:schemeClr val="lt1">
-                <a:alpha val="90000"/>
-                <a:hueOff val="0"/>
-                <a:satOff val="0"/>
-                <a:lumOff val="0"/>
-                <a:alphaOff val="0"/>
-              </a:schemeClr>
-            </a:fillRef>
-            <a:effectRef idx="0">
-              <a:schemeClr val="lt1">
-                <a:alpha val="90000"/>
-                <a:hueOff val="0"/>
-                <a:satOff val="0"/>
-                <a:lumOff val="0"/>
-                <a:alphaOff val="0"/>
-              </a:schemeClr>
-            </a:effectRef>
-            <a:fontRef idx="minor">
-              <a:schemeClr val="dk1">
-                <a:hueOff val="0"/>
-                <a:satOff val="0"/>
-                <a:lumOff val="0"/>
-                <a:alphaOff val="0"/>
-              </a:schemeClr>
-            </a:fontRef>
-          </p:style>
-        </p:sp>
-        <p:sp>
-          <p:nvSpPr>
-            <p:cNvPr id="21" name="Freeform 11">
-              <a:hlinkClick r:id="rId3" action="ppaction://hlinksldjump"/>
-              <a:extLst>
-                <a:ext uri="{FF2B5EF4-FFF2-40B4-BE49-F238E27FC236}">
-                  <a16:creationId xmlns:a16="http://schemas.microsoft.com/office/drawing/2014/main" id="{E416CC0B-CBA4-4520-8667-39F6AD8140C1}"/>
-                </a:ext>
-              </a:extLst>
-            </p:cNvPr>
-            <p:cNvSpPr/>
-            <p:nvPr/>
-          </p:nvSpPr>
-          <p:spPr>
-            <a:xfrm>
-              <a:off x="7601731" y="1046805"/>
-              <a:ext cx="2764682" cy="206640"/>
-            </a:xfrm>
-            <a:custGeom>
-              <a:avLst/>
-              <a:gdLst>
-                <a:gd name="connsiteX0" fmla="*/ 0 w 2764682"/>
-                <a:gd name="connsiteY0" fmla="*/ 34441 h 206640"/>
-                <a:gd name="connsiteX1" fmla="*/ 34441 w 2764682"/>
-                <a:gd name="connsiteY1" fmla="*/ 0 h 206640"/>
-                <a:gd name="connsiteX2" fmla="*/ 2730241 w 2764682"/>
-                <a:gd name="connsiteY2" fmla="*/ 0 h 206640"/>
-                <a:gd name="connsiteX3" fmla="*/ 2764682 w 2764682"/>
-                <a:gd name="connsiteY3" fmla="*/ 34441 h 206640"/>
-                <a:gd name="connsiteX4" fmla="*/ 2764682 w 2764682"/>
-                <a:gd name="connsiteY4" fmla="*/ 172199 h 206640"/>
-                <a:gd name="connsiteX5" fmla="*/ 2730241 w 2764682"/>
-                <a:gd name="connsiteY5" fmla="*/ 206640 h 206640"/>
-                <a:gd name="connsiteX6" fmla="*/ 34441 w 2764682"/>
-                <a:gd name="connsiteY6" fmla="*/ 206640 h 206640"/>
-                <a:gd name="connsiteX7" fmla="*/ 0 w 2764682"/>
-                <a:gd name="connsiteY7" fmla="*/ 172199 h 206640"/>
-                <a:gd name="connsiteX8" fmla="*/ 0 w 2764682"/>
-                <a:gd name="connsiteY8" fmla="*/ 34441 h 206640"/>
-              </a:gdLst>
-              <a:ahLst/>
-              <a:cxnLst>
-                <a:cxn ang="0">
-                  <a:pos x="connsiteX0" y="connsiteY0"/>
-                </a:cxn>
-                <a:cxn ang="0">
-                  <a:pos x="connsiteX1" y="connsiteY1"/>
-                </a:cxn>
-                <a:cxn ang="0">
-                  <a:pos x="connsiteX2" y="connsiteY2"/>
-                </a:cxn>
-                <a:cxn ang="0">
-                  <a:pos x="connsiteX3" y="connsiteY3"/>
-                </a:cxn>
-                <a:cxn ang="0">
-                  <a:pos x="connsiteX4" y="connsiteY4"/>
-                </a:cxn>
-                <a:cxn ang="0">
-                  <a:pos x="connsiteX5" y="connsiteY5"/>
-                </a:cxn>
-                <a:cxn ang="0">
-                  <a:pos x="connsiteX6" y="connsiteY6"/>
-                </a:cxn>
-                <a:cxn ang="0">
-                  <a:pos x="connsiteX7" y="connsiteY7"/>
-                </a:cxn>
-                <a:cxn ang="0">
-                  <a:pos x="connsiteX8" y="connsiteY8"/>
-                </a:cxn>
-              </a:cxnLst>
-              <a:rect l="l" t="t" r="r" b="b"/>
-              <a:pathLst>
-                <a:path w="2764682" h="206640">
-                  <a:moveTo>
-                    <a:pt x="0" y="34441"/>
-                  </a:moveTo>
-                  <a:cubicBezTo>
-                    <a:pt x="0" y="15420"/>
-                    <a:pt x="15420" y="0"/>
-                    <a:pt x="34441" y="0"/>
-                  </a:cubicBezTo>
-                  <a:lnTo>
-                    <a:pt x="2730241" y="0"/>
-                  </a:lnTo>
-                  <a:cubicBezTo>
-                    <a:pt x="2749262" y="0"/>
-                    <a:pt x="2764682" y="15420"/>
-                    <a:pt x="2764682" y="34441"/>
-                  </a:cubicBezTo>
-                  <a:lnTo>
-                    <a:pt x="2764682" y="172199"/>
-                  </a:lnTo>
-                  <a:cubicBezTo>
-                    <a:pt x="2764682" y="191220"/>
-                    <a:pt x="2749262" y="206640"/>
-                    <a:pt x="2730241" y="206640"/>
-                  </a:cubicBezTo>
-                  <a:lnTo>
-                    <a:pt x="34441" y="206640"/>
-                  </a:lnTo>
-                  <a:cubicBezTo>
-                    <a:pt x="15420" y="206640"/>
-                    <a:pt x="0" y="191220"/>
-                    <a:pt x="0" y="172199"/>
-                  </a:cubicBezTo>
-                  <a:lnTo>
-                    <a:pt x="0" y="34441"/>
-                  </a:lnTo>
-                  <a:close/>
-                </a:path>
-              </a:pathLst>
-            </a:custGeom>
-            <a:solidFill>
-              <a:schemeClr val="accent4"/>
-            </a:solidFill>
-          </p:spPr>
-          <p:style>
-            <a:lnRef idx="2">
-              <a:schemeClr val="lt1">
-                <a:hueOff val="0"/>
-                <a:satOff val="0"/>
-                <a:lumOff val="0"/>
-                <a:alphaOff val="0"/>
-              </a:schemeClr>
-            </a:lnRef>
-            <a:fillRef idx="1">
-              <a:schemeClr val="accent1">
-                <a:hueOff val="0"/>
-                <a:satOff val="0"/>
-                <a:lumOff val="0"/>
-                <a:alphaOff val="0"/>
-              </a:schemeClr>
-            </a:fillRef>
-            <a:effectRef idx="0">
-              <a:schemeClr val="accent1">
-                <a:hueOff val="0"/>
-                <a:satOff val="0"/>
-                <a:lumOff val="0"/>
-                <a:alphaOff val="0"/>
-              </a:schemeClr>
-            </a:effectRef>
-            <a:fontRef idx="minor">
-              <a:schemeClr val="lt1"/>
-            </a:fontRef>
-          </p:style>
-          <p:txBody>
-            <a:bodyPr spcFirstLastPara="0" vert="horz" wrap="square" lIns="114585" tIns="10087" rIns="114585" bIns="10087" numCol="1" spcCol="1270" anchor="ctr" anchorCtr="0">
-              <a:noAutofit/>
-            </a:bodyPr>
-            <a:lstStyle/>
-            <a:p>
-              <a:pPr lvl="0" algn="l" defTabSz="533400">
-                <a:lnSpc>
-                  <a:spcPct val="90000"/>
-                </a:lnSpc>
-                <a:spcBef>
-                  <a:spcPct val="0"/>
-                </a:spcBef>
-                <a:spcAft>
-                  <a:spcPct val="35000"/>
-                </a:spcAft>
-              </a:pPr>
-              <a:r>
-                <a:rPr lang="en-US" sz="1200" b="1" kern="1200" dirty="0">
-                  <a:ln>
-                    <a:noFill/>
-                  </a:ln>
-                  <a:solidFill>
-                    <a:sysClr val="windowText" lastClr="000000"/>
-                  </a:solidFill>
-                </a:rPr>
-                <a:t>COUNTER</a:t>
-              </a:r>
-            </a:p>
-          </p:txBody>
-        </p:sp>
-      </p:grpSp>
-    </p:spTree>
-    <p:extLst>
-      <p:ext uri="{BB962C8B-B14F-4D97-AF65-F5344CB8AC3E}">
-        <p14:creationId xmlns:p14="http://schemas.microsoft.com/office/powerpoint/2010/main" val="4014635567"/>
-      </p:ext>
-    </p:extLst>
-  </p:cSld>
-  <p:clrMapOvr>
-    <a:masterClrMapping/>
-  </p:clrMapOvr>
-  <p:transition spd="slow">
-    <p:push dir="u"/>
-  </p:transition>
-</p:sld>
-</file>
-
-<file path=ppt/slides/slide2.xml><?xml version="1.0" encoding="utf-8"?>
-<p:sld xmlns:a="http://schemas.openxmlformats.org/drawingml/2006/main" xmlns:r="http://schemas.openxmlformats.org/officeDocument/2006/relationships" xmlns:p="http://schemas.openxmlformats.org/presentationml/2006/main">
-  <p:cSld>
-    <p:spTree>
-      <p:nvGrpSpPr>
-        <p:cNvPr id="1" name=""/>
-        <p:cNvGrpSpPr/>
-        <p:nvPr/>
-      </p:nvGrpSpPr>
-      <p:grpSpPr>
-        <a:xfrm>
-          <a:off x="0" y="0"/>
-          <a:ext cx="0" cy="0"/>
-          <a:chOff x="0" y="0"/>
-          <a:chExt cx="0" cy="0"/>
-        </a:xfrm>
-      </p:grpSpPr>
-      <p:sp>
-        <p:nvSpPr>
-          <p:cNvPr id="2" name="Title 1"/>
-          <p:cNvSpPr>
-            <a:spLocks noGrp="1"/>
-          </p:cNvSpPr>
-          <p:nvPr>
-            <p:ph type="title"/>
-          </p:nvPr>
-        </p:nvSpPr>
-        <p:spPr/>
-        <p:txBody>
-          <a:bodyPr/>
-          <a:lstStyle/>
-          <a:p>
-            <a:r>
-              <a:rPr lang="en-US" dirty="0"/>
-              <a:t>NỘI DUNG</a:t>
-            </a:r>
-          </a:p>
-        </p:txBody>
-      </p:sp>
-      <p:sp>
-        <p:nvSpPr>
-          <p:cNvPr id="5" name="Content Placeholder 4"/>
-          <p:cNvSpPr>
-            <a:spLocks noGrp="1"/>
-          </p:cNvSpPr>
-          <p:nvPr>
-            <p:ph idx="1"/>
-          </p:nvPr>
-        </p:nvSpPr>
-        <p:spPr/>
-        <p:txBody>
-          <a:bodyPr/>
-          <a:lstStyle/>
-          <a:p>
-            <a:endParaRPr lang="en-US"/>
-          </a:p>
-        </p:txBody>
-      </p:sp>
-      <p:graphicFrame>
-        <p:nvGraphicFramePr>
-          <p:cNvPr id="6" name="Content Placeholder 3"/>
-          <p:cNvGraphicFramePr>
-            <a:graphicFrameLocks/>
-          </p:cNvGraphicFramePr>
-          <p:nvPr>
-            <p:extLst>
-              <p:ext uri="{D42A27DB-BD31-4B8C-83A1-F6EECF244321}">
-                <p14:modId xmlns:p14="http://schemas.microsoft.com/office/powerpoint/2010/main" val="3509327199"/>
-              </p:ext>
-            </p:extLst>
-          </p:nvPr>
-        </p:nvGraphicFramePr>
-        <p:xfrm>
-          <a:off x="838200" y="1825625"/>
-          <a:ext cx="10515600" cy="4351338"/>
-        </p:xfrm>
-        <a:graphic>
-          <a:graphicData uri="http://schemas.openxmlformats.org/drawingml/2006/diagram">
-            <dgm:relIds xmlns:dgm="http://schemas.openxmlformats.org/drawingml/2006/diagram" xmlns:r="http://schemas.openxmlformats.org/officeDocument/2006/relationships" r:dm="rId2" r:lo="rId3" r:qs="rId4" r:cs="rId5"/>
-          </a:graphicData>
-        </a:graphic>
-      </p:graphicFrame>
-    </p:spTree>
-    <p:extLst>
-      <p:ext uri="{BB962C8B-B14F-4D97-AF65-F5344CB8AC3E}">
-        <p14:creationId xmlns:p14="http://schemas.microsoft.com/office/powerpoint/2010/main" val="2463738491"/>
-      </p:ext>
-    </p:extLst>
-  </p:cSld>
-  <p:clrMapOvr>
-    <a:masterClrMapping/>
-  </p:clrMapOvr>
-  <p:transition spd="slow">
-    <p:push dir="u"/>
-  </p:transition>
-</p:sld>
-</file>
-
-<file path=ppt/slides/slide3.xml><?xml version="1.0" encoding="utf-8"?>
-<p:sld xmlns:a="http://schemas.openxmlformats.org/drawingml/2006/main" xmlns:r="http://schemas.openxmlformats.org/officeDocument/2006/relationships" xmlns:p="http://schemas.openxmlformats.org/presentationml/2006/main">
-  <p:cSld>
-    <p:spTree>
-      <p:nvGrpSpPr>
-        <p:cNvPr id="1" name=""/>
-        <p:cNvGrpSpPr/>
-        <p:nvPr/>
-      </p:nvGrpSpPr>
-      <p:grpSpPr>
-        <a:xfrm>
-          <a:off x="0" y="0"/>
-          <a:ext cx="0" cy="0"/>
-          <a:chOff x="0" y="0"/>
-          <a:chExt cx="0" cy="0"/>
-        </a:xfrm>
-      </p:grpSpPr>
-      <p:sp>
-        <p:nvSpPr>
-          <p:cNvPr id="2" name="Title 1"/>
-          <p:cNvSpPr>
-            <a:spLocks noGrp="1"/>
-          </p:cNvSpPr>
-          <p:nvPr>
-            <p:ph type="title"/>
-          </p:nvPr>
-        </p:nvSpPr>
-        <p:spPr/>
-        <p:txBody>
-          <a:bodyPr/>
-          <a:lstStyle/>
-          <a:p>
-            <a:r>
-              <a:rPr lang="en-US" dirty="0"/>
-              <a:t>GIỚI THIỆU CHUNG</a:t>
-            </a:r>
-            <a:br>
-              <a:rPr lang="en-US" dirty="0"/>
-            </a:br>
-            <a:r>
-              <a:rPr lang="en-US" sz="2800" dirty="0"/>
-              <a:t>1. TIMER</a:t>
-            </a:r>
-          </a:p>
-        </p:txBody>
-      </p:sp>
-      <p:sp>
-        <p:nvSpPr>
-          <p:cNvPr id="3" name="Content Placeholder 2"/>
-          <p:cNvSpPr>
-            <a:spLocks noGrp="1"/>
-          </p:cNvSpPr>
-          <p:nvPr>
-            <p:ph idx="1"/>
-          </p:nvPr>
-        </p:nvSpPr>
-        <p:spPr/>
-        <p:txBody>
-          <a:bodyPr>
-            <a:normAutofit/>
-          </a:bodyPr>
-          <a:lstStyle/>
-          <a:p>
-            <a:pPr marL="0" indent="0">
-              <a:buNone/>
-            </a:pPr>
-            <a:endParaRPr lang="en-US" dirty="0"/>
-          </a:p>
-        </p:txBody>
-      </p:sp>
-      <p:grpSp>
-        <p:nvGrpSpPr>
-          <p:cNvPr id="15" name="Group 14">
-            <a:extLst>
-              <a:ext uri="{FF2B5EF4-FFF2-40B4-BE49-F238E27FC236}">
-                <a16:creationId xmlns:a16="http://schemas.microsoft.com/office/drawing/2014/main" id="{985BFA05-6B38-4E60-916B-0CFF583BA979}"/>
-              </a:ext>
-            </a:extLst>
-          </p:cNvPr>
-          <p:cNvGrpSpPr/>
-          <p:nvPr/>
-        </p:nvGrpSpPr>
-        <p:grpSpPr>
-          <a:xfrm>
-            <a:off x="8362950" y="570526"/>
-            <a:ext cx="2819400" cy="914760"/>
-            <a:chOff x="7555442" y="411765"/>
-            <a:chExt cx="3006552" cy="914760"/>
-          </a:xfrm>
-        </p:grpSpPr>
-        <p:sp>
-          <p:nvSpPr>
-            <p:cNvPr id="16" name="Rectangle 15">
-              <a:extLst>
-                <a:ext uri="{FF2B5EF4-FFF2-40B4-BE49-F238E27FC236}">
-                  <a16:creationId xmlns:a16="http://schemas.microsoft.com/office/drawing/2014/main" id="{B5C24B6E-A5EB-4F81-A6BB-A5F8C685EB82}"/>
-                </a:ext>
-              </a:extLst>
-            </p:cNvPr>
-            <p:cNvSpPr/>
-            <p:nvPr/>
-          </p:nvSpPr>
-          <p:spPr>
-            <a:xfrm>
-              <a:off x="7555442" y="515085"/>
-              <a:ext cx="3006552" cy="176400"/>
-            </a:xfrm>
-            <a:prstGeom prst="rect">
-              <a:avLst/>
-            </a:prstGeom>
-            <a:noFill/>
-            <a:ln>
-              <a:solidFill>
-                <a:srgbClr val="0070C0"/>
-              </a:solidFill>
-            </a:ln>
-          </p:spPr>
-          <p:style>
-            <a:lnRef idx="2">
-              <a:schemeClr val="accent1">
-                <a:hueOff val="0"/>
-                <a:satOff val="0"/>
-                <a:lumOff val="0"/>
-                <a:alphaOff val="0"/>
-              </a:schemeClr>
-            </a:lnRef>
-            <a:fillRef idx="1">
-              <a:schemeClr val="lt1">
-                <a:alpha val="90000"/>
-                <a:hueOff val="0"/>
-                <a:satOff val="0"/>
-                <a:lumOff val="0"/>
-                <a:alphaOff val="0"/>
-              </a:schemeClr>
-            </a:fillRef>
-            <a:effectRef idx="0">
-              <a:schemeClr val="lt1">
-                <a:alpha val="90000"/>
-                <a:hueOff val="0"/>
-                <a:satOff val="0"/>
-                <a:lumOff val="0"/>
-                <a:alphaOff val="0"/>
-              </a:schemeClr>
-            </a:effectRef>
-            <a:fontRef idx="minor">
-              <a:schemeClr val="dk1">
-                <a:hueOff val="0"/>
-                <a:satOff val="0"/>
-                <a:lumOff val="0"/>
-                <a:alphaOff val="0"/>
-              </a:schemeClr>
-            </a:fontRef>
-          </p:style>
-        </p:sp>
-        <p:sp>
-          <p:nvSpPr>
-            <p:cNvPr id="17" name="Freeform 7">
-              <a:hlinkClick r:id="rId2" action="ppaction://hlinksldjump"/>
-              <a:extLst>
-                <a:ext uri="{FF2B5EF4-FFF2-40B4-BE49-F238E27FC236}">
-                  <a16:creationId xmlns:a16="http://schemas.microsoft.com/office/drawing/2014/main" id="{8070CAFC-D3C5-40F7-80CA-2FF842D81553}"/>
-                </a:ext>
-              </a:extLst>
-            </p:cNvPr>
-            <p:cNvSpPr/>
-            <p:nvPr/>
-          </p:nvSpPr>
-          <p:spPr>
-            <a:xfrm>
-              <a:off x="7601731" y="411765"/>
-              <a:ext cx="2764682" cy="206640"/>
-            </a:xfrm>
-            <a:custGeom>
-              <a:avLst/>
-              <a:gdLst>
-                <a:gd name="connsiteX0" fmla="*/ 0 w 2764682"/>
-                <a:gd name="connsiteY0" fmla="*/ 34441 h 206640"/>
-                <a:gd name="connsiteX1" fmla="*/ 34441 w 2764682"/>
-                <a:gd name="connsiteY1" fmla="*/ 0 h 206640"/>
-                <a:gd name="connsiteX2" fmla="*/ 2730241 w 2764682"/>
-                <a:gd name="connsiteY2" fmla="*/ 0 h 206640"/>
-                <a:gd name="connsiteX3" fmla="*/ 2764682 w 2764682"/>
-                <a:gd name="connsiteY3" fmla="*/ 34441 h 206640"/>
-                <a:gd name="connsiteX4" fmla="*/ 2764682 w 2764682"/>
-                <a:gd name="connsiteY4" fmla="*/ 172199 h 206640"/>
-                <a:gd name="connsiteX5" fmla="*/ 2730241 w 2764682"/>
-                <a:gd name="connsiteY5" fmla="*/ 206640 h 206640"/>
-                <a:gd name="connsiteX6" fmla="*/ 34441 w 2764682"/>
-                <a:gd name="connsiteY6" fmla="*/ 206640 h 206640"/>
-                <a:gd name="connsiteX7" fmla="*/ 0 w 2764682"/>
-                <a:gd name="connsiteY7" fmla="*/ 172199 h 206640"/>
-                <a:gd name="connsiteX8" fmla="*/ 0 w 2764682"/>
-                <a:gd name="connsiteY8" fmla="*/ 34441 h 206640"/>
-              </a:gdLst>
-              <a:ahLst/>
-              <a:cxnLst>
-                <a:cxn ang="0">
-                  <a:pos x="connsiteX0" y="connsiteY0"/>
-                </a:cxn>
-                <a:cxn ang="0">
-                  <a:pos x="connsiteX1" y="connsiteY1"/>
-                </a:cxn>
-                <a:cxn ang="0">
-                  <a:pos x="connsiteX2" y="connsiteY2"/>
-                </a:cxn>
-                <a:cxn ang="0">
-                  <a:pos x="connsiteX3" y="connsiteY3"/>
-                </a:cxn>
-                <a:cxn ang="0">
-                  <a:pos x="connsiteX4" y="connsiteY4"/>
-                </a:cxn>
-                <a:cxn ang="0">
-                  <a:pos x="connsiteX5" y="connsiteY5"/>
-                </a:cxn>
-                <a:cxn ang="0">
-                  <a:pos x="connsiteX6" y="connsiteY6"/>
-                </a:cxn>
-                <a:cxn ang="0">
-                  <a:pos x="connsiteX7" y="connsiteY7"/>
-                </a:cxn>
-                <a:cxn ang="0">
-                  <a:pos x="connsiteX8" y="connsiteY8"/>
-                </a:cxn>
-              </a:cxnLst>
-              <a:rect l="l" t="t" r="r" b="b"/>
-              <a:pathLst>
-                <a:path w="2764682" h="206640">
-                  <a:moveTo>
-                    <a:pt x="0" y="34441"/>
-                  </a:moveTo>
-                  <a:cubicBezTo>
-                    <a:pt x="0" y="15420"/>
-                    <a:pt x="15420" y="0"/>
-                    <a:pt x="34441" y="0"/>
-                  </a:cubicBezTo>
-                  <a:lnTo>
-                    <a:pt x="2730241" y="0"/>
-                  </a:lnTo>
-                  <a:cubicBezTo>
-                    <a:pt x="2749262" y="0"/>
-                    <a:pt x="2764682" y="15420"/>
-                    <a:pt x="2764682" y="34441"/>
-                  </a:cubicBezTo>
-                  <a:lnTo>
-                    <a:pt x="2764682" y="172199"/>
-                  </a:lnTo>
-                  <a:cubicBezTo>
-                    <a:pt x="2764682" y="191220"/>
-                    <a:pt x="2749262" y="206640"/>
-                    <a:pt x="2730241" y="206640"/>
-                  </a:cubicBezTo>
-                  <a:lnTo>
-                    <a:pt x="34441" y="206640"/>
-                  </a:lnTo>
-                  <a:cubicBezTo>
-                    <a:pt x="15420" y="206640"/>
-                    <a:pt x="0" y="191220"/>
-                    <a:pt x="0" y="172199"/>
-                  </a:cubicBezTo>
-                  <a:lnTo>
-                    <a:pt x="0" y="34441"/>
-                  </a:lnTo>
-                  <a:close/>
-                </a:path>
-              </a:pathLst>
-            </a:custGeom>
-            <a:solidFill>
-              <a:schemeClr val="accent4"/>
-            </a:solidFill>
-          </p:spPr>
-          <p:style>
-            <a:lnRef idx="2">
-              <a:schemeClr val="lt1">
-                <a:hueOff val="0"/>
-                <a:satOff val="0"/>
-                <a:lumOff val="0"/>
-                <a:alphaOff val="0"/>
-              </a:schemeClr>
-            </a:lnRef>
-            <a:fillRef idx="1">
-              <a:scrgbClr r="0" g="0" b="0"/>
-            </a:fillRef>
-            <a:effectRef idx="0">
-              <a:schemeClr val="accent1">
-                <a:hueOff val="0"/>
-                <a:satOff val="0"/>
-                <a:lumOff val="0"/>
-                <a:alphaOff val="0"/>
-              </a:schemeClr>
-            </a:effectRef>
-            <a:fontRef idx="minor">
-              <a:schemeClr val="lt1"/>
-            </a:fontRef>
-          </p:style>
-          <p:txBody>
-            <a:bodyPr spcFirstLastPara="0" vert="horz" wrap="square" lIns="114585" tIns="10087" rIns="114585" bIns="10087" numCol="1" spcCol="1270" anchor="ctr" anchorCtr="0">
-              <a:noAutofit/>
-            </a:bodyPr>
-            <a:lstStyle/>
-            <a:p>
-              <a:pPr lvl="0" algn="l" defTabSz="533400">
-                <a:lnSpc>
-                  <a:spcPct val="90000"/>
-                </a:lnSpc>
-                <a:spcBef>
-                  <a:spcPct val="0"/>
-                </a:spcBef>
-                <a:spcAft>
-                  <a:spcPct val="35000"/>
-                </a:spcAft>
-              </a:pPr>
-              <a:r>
-                <a:rPr lang="en-US" sz="1200" b="1" kern="1200" dirty="0">
-                  <a:ln>
-                    <a:noFill/>
-                  </a:ln>
-                  <a:solidFill>
-                    <a:sysClr val="windowText" lastClr="000000"/>
-                  </a:solidFill>
-                </a:rPr>
-                <a:t>GIỚI THIỆU CHUNG</a:t>
-              </a:r>
-            </a:p>
-          </p:txBody>
-        </p:sp>
-        <p:sp>
-          <p:nvSpPr>
-            <p:cNvPr id="18" name="Rectangle 17">
-              <a:extLst>
-                <a:ext uri="{FF2B5EF4-FFF2-40B4-BE49-F238E27FC236}">
-                  <a16:creationId xmlns:a16="http://schemas.microsoft.com/office/drawing/2014/main" id="{52274D0B-503F-4224-852A-B7B0CEFF21E6}"/>
-                </a:ext>
-              </a:extLst>
-            </p:cNvPr>
-            <p:cNvSpPr/>
-            <p:nvPr/>
-          </p:nvSpPr>
-          <p:spPr>
-            <a:xfrm>
-              <a:off x="7555442" y="832605"/>
-              <a:ext cx="3006552" cy="176400"/>
-            </a:xfrm>
-            <a:prstGeom prst="rect">
-              <a:avLst/>
-            </a:prstGeom>
-            <a:noFill/>
-            <a:ln>
-              <a:solidFill>
-                <a:srgbClr val="0070C0"/>
-              </a:solidFill>
-            </a:ln>
-          </p:spPr>
-          <p:style>
-            <a:lnRef idx="2">
-              <a:schemeClr val="accent1">
-                <a:hueOff val="0"/>
-                <a:satOff val="0"/>
-                <a:lumOff val="0"/>
-                <a:alphaOff val="0"/>
-              </a:schemeClr>
-            </a:lnRef>
-            <a:fillRef idx="1">
-              <a:schemeClr val="lt1">
-                <a:alpha val="90000"/>
-                <a:hueOff val="0"/>
-                <a:satOff val="0"/>
-                <a:lumOff val="0"/>
-                <a:alphaOff val="0"/>
-              </a:schemeClr>
-            </a:fillRef>
-            <a:effectRef idx="0">
-              <a:schemeClr val="lt1">
-                <a:alpha val="90000"/>
-                <a:hueOff val="0"/>
-                <a:satOff val="0"/>
-                <a:lumOff val="0"/>
-                <a:alphaOff val="0"/>
-              </a:schemeClr>
-            </a:effectRef>
-            <a:fontRef idx="minor">
-              <a:schemeClr val="dk1">
-                <a:hueOff val="0"/>
-                <a:satOff val="0"/>
-                <a:lumOff val="0"/>
-                <a:alphaOff val="0"/>
-              </a:schemeClr>
-            </a:fontRef>
-          </p:style>
-        </p:sp>
-        <p:sp>
-          <p:nvSpPr>
-            <p:cNvPr id="19" name="Freeform 9">
-              <a:hlinkClick r:id="rId3" action="ppaction://hlinksldjump"/>
-              <a:extLst>
-                <a:ext uri="{FF2B5EF4-FFF2-40B4-BE49-F238E27FC236}">
-                  <a16:creationId xmlns:a16="http://schemas.microsoft.com/office/drawing/2014/main" id="{9DA59B5A-4E02-4FA0-BD6C-70EC23A1CE71}"/>
-                </a:ext>
-              </a:extLst>
-            </p:cNvPr>
-            <p:cNvSpPr/>
-            <p:nvPr/>
-          </p:nvSpPr>
-          <p:spPr>
-            <a:xfrm>
-              <a:off x="7601731" y="729285"/>
-              <a:ext cx="2764682" cy="206640"/>
-            </a:xfrm>
-            <a:custGeom>
-              <a:avLst/>
-              <a:gdLst>
-                <a:gd name="connsiteX0" fmla="*/ 0 w 2764682"/>
-                <a:gd name="connsiteY0" fmla="*/ 34441 h 206640"/>
-                <a:gd name="connsiteX1" fmla="*/ 34441 w 2764682"/>
-                <a:gd name="connsiteY1" fmla="*/ 0 h 206640"/>
-                <a:gd name="connsiteX2" fmla="*/ 2730241 w 2764682"/>
-                <a:gd name="connsiteY2" fmla="*/ 0 h 206640"/>
-                <a:gd name="connsiteX3" fmla="*/ 2764682 w 2764682"/>
-                <a:gd name="connsiteY3" fmla="*/ 34441 h 206640"/>
-                <a:gd name="connsiteX4" fmla="*/ 2764682 w 2764682"/>
-                <a:gd name="connsiteY4" fmla="*/ 172199 h 206640"/>
-                <a:gd name="connsiteX5" fmla="*/ 2730241 w 2764682"/>
-                <a:gd name="connsiteY5" fmla="*/ 206640 h 206640"/>
-                <a:gd name="connsiteX6" fmla="*/ 34441 w 2764682"/>
-                <a:gd name="connsiteY6" fmla="*/ 206640 h 206640"/>
-                <a:gd name="connsiteX7" fmla="*/ 0 w 2764682"/>
-                <a:gd name="connsiteY7" fmla="*/ 172199 h 206640"/>
-                <a:gd name="connsiteX8" fmla="*/ 0 w 2764682"/>
-                <a:gd name="connsiteY8" fmla="*/ 34441 h 206640"/>
-              </a:gdLst>
-              <a:ahLst/>
-              <a:cxnLst>
-                <a:cxn ang="0">
-                  <a:pos x="connsiteX0" y="connsiteY0"/>
-                </a:cxn>
-                <a:cxn ang="0">
-                  <a:pos x="connsiteX1" y="connsiteY1"/>
-                </a:cxn>
-                <a:cxn ang="0">
-                  <a:pos x="connsiteX2" y="connsiteY2"/>
-                </a:cxn>
-                <a:cxn ang="0">
-                  <a:pos x="connsiteX3" y="connsiteY3"/>
-                </a:cxn>
-                <a:cxn ang="0">
-                  <a:pos x="connsiteX4" y="connsiteY4"/>
-                </a:cxn>
-                <a:cxn ang="0">
-                  <a:pos x="connsiteX5" y="connsiteY5"/>
-                </a:cxn>
-                <a:cxn ang="0">
-                  <a:pos x="connsiteX6" y="connsiteY6"/>
-                </a:cxn>
-                <a:cxn ang="0">
-                  <a:pos x="connsiteX7" y="connsiteY7"/>
-                </a:cxn>
-                <a:cxn ang="0">
-                  <a:pos x="connsiteX8" y="connsiteY8"/>
-                </a:cxn>
-              </a:cxnLst>
-              <a:rect l="l" t="t" r="r" b="b"/>
-              <a:pathLst>
-                <a:path w="2764682" h="206640">
-                  <a:moveTo>
-                    <a:pt x="0" y="34441"/>
-                  </a:moveTo>
-                  <a:cubicBezTo>
-                    <a:pt x="0" y="15420"/>
-                    <a:pt x="15420" y="0"/>
-                    <a:pt x="34441" y="0"/>
-                  </a:cubicBezTo>
-                  <a:lnTo>
-                    <a:pt x="2730241" y="0"/>
-                  </a:lnTo>
-                  <a:cubicBezTo>
-                    <a:pt x="2749262" y="0"/>
-                    <a:pt x="2764682" y="15420"/>
-                    <a:pt x="2764682" y="34441"/>
-                  </a:cubicBezTo>
-                  <a:lnTo>
-                    <a:pt x="2764682" y="172199"/>
-                  </a:lnTo>
-                  <a:cubicBezTo>
-                    <a:pt x="2764682" y="191220"/>
-                    <a:pt x="2749262" y="206640"/>
-                    <a:pt x="2730241" y="206640"/>
-                  </a:cubicBezTo>
-                  <a:lnTo>
-                    <a:pt x="34441" y="206640"/>
-                  </a:lnTo>
-                  <a:cubicBezTo>
-                    <a:pt x="15420" y="206640"/>
-                    <a:pt x="0" y="191220"/>
-                    <a:pt x="0" y="172199"/>
-                  </a:cubicBezTo>
-                  <a:lnTo>
-                    <a:pt x="0" y="34441"/>
-                  </a:lnTo>
-                  <a:close/>
-                </a:path>
-              </a:pathLst>
-            </a:custGeom>
-          </p:spPr>
-          <p:style>
-            <a:lnRef idx="2">
-              <a:schemeClr val="lt1">
-                <a:hueOff val="0"/>
-                <a:satOff val="0"/>
-                <a:lumOff val="0"/>
-                <a:alphaOff val="0"/>
-              </a:schemeClr>
-            </a:lnRef>
-            <a:fillRef idx="1">
-              <a:schemeClr val="accent1">
-                <a:hueOff val="0"/>
-                <a:satOff val="0"/>
-                <a:lumOff val="0"/>
-                <a:alphaOff val="0"/>
-              </a:schemeClr>
-            </a:fillRef>
-            <a:effectRef idx="0">
-              <a:schemeClr val="accent1">
-                <a:hueOff val="0"/>
-                <a:satOff val="0"/>
-                <a:lumOff val="0"/>
-                <a:alphaOff val="0"/>
-              </a:schemeClr>
-            </a:effectRef>
-            <a:fontRef idx="minor">
-              <a:schemeClr val="lt1"/>
-            </a:fontRef>
-          </p:style>
-          <p:txBody>
-            <a:bodyPr spcFirstLastPara="0" vert="horz" wrap="square" lIns="114585" tIns="10087" rIns="114585" bIns="10087" numCol="1" spcCol="1270" anchor="ctr" anchorCtr="0">
-              <a:noAutofit/>
-            </a:bodyPr>
-            <a:lstStyle/>
-            <a:p>
-              <a:pPr lvl="0" algn="l" defTabSz="533400">
-                <a:lnSpc>
-                  <a:spcPct val="90000"/>
-                </a:lnSpc>
-                <a:spcBef>
-                  <a:spcPct val="0"/>
-                </a:spcBef>
-                <a:spcAft>
-                  <a:spcPct val="35000"/>
-                </a:spcAft>
-              </a:pPr>
-              <a:r>
-                <a:rPr lang="en-US" sz="1200" b="0" kern="1200" dirty="0">
-                  <a:ln>
-                    <a:noFill/>
-                  </a:ln>
-                  <a:solidFill>
-                    <a:sysClr val="windowText" lastClr="000000"/>
-                  </a:solidFill>
-                </a:rPr>
-                <a:t>TIMER</a:t>
-              </a:r>
-            </a:p>
-          </p:txBody>
-        </p:sp>
-        <p:sp>
-          <p:nvSpPr>
-            <p:cNvPr id="20" name="Rectangle 19">
-              <a:extLst>
-                <a:ext uri="{FF2B5EF4-FFF2-40B4-BE49-F238E27FC236}">
-                  <a16:creationId xmlns:a16="http://schemas.microsoft.com/office/drawing/2014/main" id="{067ED2F8-7585-46DA-A749-4F7B6BE78F0F}"/>
-                </a:ext>
-              </a:extLst>
-            </p:cNvPr>
-            <p:cNvSpPr/>
-            <p:nvPr/>
-          </p:nvSpPr>
-          <p:spPr>
-            <a:xfrm>
-              <a:off x="7555442" y="1150125"/>
-              <a:ext cx="3006552" cy="176400"/>
-            </a:xfrm>
-            <a:prstGeom prst="rect">
-              <a:avLst/>
-            </a:prstGeom>
-            <a:noFill/>
-            <a:ln>
-              <a:solidFill>
-                <a:srgbClr val="0070C0"/>
-              </a:solidFill>
-            </a:ln>
-          </p:spPr>
-          <p:style>
-            <a:lnRef idx="2">
-              <a:schemeClr val="accent1">
-                <a:hueOff val="0"/>
-                <a:satOff val="0"/>
-                <a:lumOff val="0"/>
-                <a:alphaOff val="0"/>
-              </a:schemeClr>
-            </a:lnRef>
-            <a:fillRef idx="1">
-              <a:schemeClr val="lt1">
-                <a:alpha val="90000"/>
-                <a:hueOff val="0"/>
-                <a:satOff val="0"/>
-                <a:lumOff val="0"/>
-                <a:alphaOff val="0"/>
-              </a:schemeClr>
-            </a:fillRef>
-            <a:effectRef idx="0">
-              <a:schemeClr val="lt1">
-                <a:alpha val="90000"/>
-                <a:hueOff val="0"/>
-                <a:satOff val="0"/>
-                <a:lumOff val="0"/>
-                <a:alphaOff val="0"/>
-              </a:schemeClr>
-            </a:effectRef>
-            <a:fontRef idx="minor">
-              <a:schemeClr val="dk1">
-                <a:hueOff val="0"/>
-                <a:satOff val="0"/>
-                <a:lumOff val="0"/>
-                <a:alphaOff val="0"/>
-              </a:schemeClr>
-            </a:fontRef>
-          </p:style>
-        </p:sp>
-        <p:sp>
-          <p:nvSpPr>
-            <p:cNvPr id="21" name="Freeform 11">
-              <a:hlinkClick r:id="rId3" action="ppaction://hlinksldjump"/>
-              <a:extLst>
-                <a:ext uri="{FF2B5EF4-FFF2-40B4-BE49-F238E27FC236}">
-                  <a16:creationId xmlns:a16="http://schemas.microsoft.com/office/drawing/2014/main" id="{E416CC0B-CBA4-4520-8667-39F6AD8140C1}"/>
-                </a:ext>
-              </a:extLst>
-            </p:cNvPr>
-            <p:cNvSpPr/>
-            <p:nvPr/>
-          </p:nvSpPr>
-          <p:spPr>
-            <a:xfrm>
-              <a:off x="7601731" y="1046805"/>
-              <a:ext cx="2764682" cy="206640"/>
-            </a:xfrm>
-            <a:custGeom>
-              <a:avLst/>
-              <a:gdLst>
-                <a:gd name="connsiteX0" fmla="*/ 0 w 2764682"/>
-                <a:gd name="connsiteY0" fmla="*/ 34441 h 206640"/>
-                <a:gd name="connsiteX1" fmla="*/ 34441 w 2764682"/>
-                <a:gd name="connsiteY1" fmla="*/ 0 h 206640"/>
-                <a:gd name="connsiteX2" fmla="*/ 2730241 w 2764682"/>
-                <a:gd name="connsiteY2" fmla="*/ 0 h 206640"/>
-                <a:gd name="connsiteX3" fmla="*/ 2764682 w 2764682"/>
-                <a:gd name="connsiteY3" fmla="*/ 34441 h 206640"/>
-                <a:gd name="connsiteX4" fmla="*/ 2764682 w 2764682"/>
-                <a:gd name="connsiteY4" fmla="*/ 172199 h 206640"/>
-                <a:gd name="connsiteX5" fmla="*/ 2730241 w 2764682"/>
-                <a:gd name="connsiteY5" fmla="*/ 206640 h 206640"/>
-                <a:gd name="connsiteX6" fmla="*/ 34441 w 2764682"/>
-                <a:gd name="connsiteY6" fmla="*/ 206640 h 206640"/>
-                <a:gd name="connsiteX7" fmla="*/ 0 w 2764682"/>
-                <a:gd name="connsiteY7" fmla="*/ 172199 h 206640"/>
-                <a:gd name="connsiteX8" fmla="*/ 0 w 2764682"/>
-                <a:gd name="connsiteY8" fmla="*/ 34441 h 206640"/>
-              </a:gdLst>
-              <a:ahLst/>
-              <a:cxnLst>
-                <a:cxn ang="0">
-                  <a:pos x="connsiteX0" y="connsiteY0"/>
-                </a:cxn>
-                <a:cxn ang="0">
-                  <a:pos x="connsiteX1" y="connsiteY1"/>
-                </a:cxn>
-                <a:cxn ang="0">
-                  <a:pos x="connsiteX2" y="connsiteY2"/>
-                </a:cxn>
-                <a:cxn ang="0">
-                  <a:pos x="connsiteX3" y="connsiteY3"/>
-                </a:cxn>
-                <a:cxn ang="0">
-                  <a:pos x="connsiteX4" y="connsiteY4"/>
-                </a:cxn>
-                <a:cxn ang="0">
-                  <a:pos x="connsiteX5" y="connsiteY5"/>
-                </a:cxn>
-                <a:cxn ang="0">
-                  <a:pos x="connsiteX6" y="connsiteY6"/>
-                </a:cxn>
-                <a:cxn ang="0">
-                  <a:pos x="connsiteX7" y="connsiteY7"/>
-                </a:cxn>
-                <a:cxn ang="0">
-                  <a:pos x="connsiteX8" y="connsiteY8"/>
-                </a:cxn>
-              </a:cxnLst>
-              <a:rect l="l" t="t" r="r" b="b"/>
-              <a:pathLst>
-                <a:path w="2764682" h="206640">
-                  <a:moveTo>
-                    <a:pt x="0" y="34441"/>
-                  </a:moveTo>
-                  <a:cubicBezTo>
-                    <a:pt x="0" y="15420"/>
-                    <a:pt x="15420" y="0"/>
-                    <a:pt x="34441" y="0"/>
-                  </a:cubicBezTo>
-                  <a:lnTo>
-                    <a:pt x="2730241" y="0"/>
-                  </a:lnTo>
-                  <a:cubicBezTo>
-                    <a:pt x="2749262" y="0"/>
-                    <a:pt x="2764682" y="15420"/>
-                    <a:pt x="2764682" y="34441"/>
-                  </a:cubicBezTo>
-                  <a:lnTo>
-                    <a:pt x="2764682" y="172199"/>
-                  </a:lnTo>
-                  <a:cubicBezTo>
-                    <a:pt x="2764682" y="191220"/>
-                    <a:pt x="2749262" y="206640"/>
-                    <a:pt x="2730241" y="206640"/>
-                  </a:cubicBezTo>
-                  <a:lnTo>
-                    <a:pt x="34441" y="206640"/>
-                  </a:lnTo>
-                  <a:cubicBezTo>
-                    <a:pt x="15420" y="206640"/>
-                    <a:pt x="0" y="191220"/>
-                    <a:pt x="0" y="172199"/>
-                  </a:cubicBezTo>
-                  <a:lnTo>
-                    <a:pt x="0" y="34441"/>
-                  </a:lnTo>
-                  <a:close/>
-                </a:path>
-              </a:pathLst>
-            </a:custGeom>
-            <a:solidFill>
-              <a:schemeClr val="accent1"/>
-            </a:solidFill>
-          </p:spPr>
-          <p:style>
-            <a:lnRef idx="2">
-              <a:schemeClr val="lt1">
-                <a:hueOff val="0"/>
-                <a:satOff val="0"/>
-                <a:lumOff val="0"/>
-                <a:alphaOff val="0"/>
-              </a:schemeClr>
-            </a:lnRef>
-            <a:fillRef idx="1">
-              <a:schemeClr val="accent1">
-                <a:hueOff val="0"/>
-                <a:satOff val="0"/>
-                <a:lumOff val="0"/>
-                <a:alphaOff val="0"/>
-              </a:schemeClr>
-            </a:fillRef>
-            <a:effectRef idx="0">
-              <a:schemeClr val="accent1">
-                <a:hueOff val="0"/>
-                <a:satOff val="0"/>
-                <a:lumOff val="0"/>
-                <a:alphaOff val="0"/>
-              </a:schemeClr>
-            </a:effectRef>
-            <a:fontRef idx="minor">
-              <a:schemeClr val="lt1"/>
-            </a:fontRef>
-          </p:style>
-          <p:txBody>
-            <a:bodyPr spcFirstLastPara="0" vert="horz" wrap="square" lIns="114585" tIns="10087" rIns="114585" bIns="10087" numCol="1" spcCol="1270" anchor="ctr" anchorCtr="0">
-              <a:noAutofit/>
-            </a:bodyPr>
-            <a:lstStyle/>
-            <a:p>
-              <a:pPr lvl="0" algn="l" defTabSz="533400">
-                <a:lnSpc>
-                  <a:spcPct val="90000"/>
-                </a:lnSpc>
-                <a:spcBef>
-                  <a:spcPct val="0"/>
-                </a:spcBef>
-                <a:spcAft>
-                  <a:spcPct val="35000"/>
-                </a:spcAft>
-              </a:pPr>
-              <a:r>
-                <a:rPr lang="en-US" sz="1200" kern="1200" dirty="0">
-                  <a:ln>
-                    <a:noFill/>
-                  </a:ln>
-                  <a:solidFill>
-                    <a:sysClr val="windowText" lastClr="000000"/>
-                  </a:solidFill>
-                </a:rPr>
-                <a:t>COUNTER</a:t>
-              </a:r>
-            </a:p>
-          </p:txBody>
-        </p:sp>
-      </p:grpSp>
-    </p:spTree>
-    <p:extLst>
-      <p:ext uri="{BB962C8B-B14F-4D97-AF65-F5344CB8AC3E}">
-        <p14:creationId xmlns:p14="http://schemas.microsoft.com/office/powerpoint/2010/main" val="3485648354"/>
-      </p:ext>
-    </p:extLst>
-  </p:cSld>
-  <p:clrMapOvr>
-    <a:masterClrMapping/>
-  </p:clrMapOvr>
-  <p:transition spd="slow">
-    <p:push dir="u"/>
-  </p:transition>
-</p:sld>
-</file>
-
-<file path=ppt/slides/slide4.xml><?xml version="1.0" encoding="utf-8"?>
-<p:sld xmlns:a="http://schemas.openxmlformats.org/drawingml/2006/main" xmlns:r="http://schemas.openxmlformats.org/officeDocument/2006/relationships" xmlns:p="http://schemas.openxmlformats.org/presentationml/2006/main">
-  <p:cSld>
-    <p:spTree>
-      <p:nvGrpSpPr>
-        <p:cNvPr id="1" name=""/>
-        <p:cNvGrpSpPr/>
-        <p:nvPr/>
-      </p:nvGrpSpPr>
-      <p:grpSpPr>
-        <a:xfrm>
-          <a:off x="0" y="0"/>
-          <a:ext cx="0" cy="0"/>
-          <a:chOff x="0" y="0"/>
-          <a:chExt cx="0" cy="0"/>
-        </a:xfrm>
-      </p:grpSpPr>
-      <p:sp>
-        <p:nvSpPr>
-          <p:cNvPr id="2" name="Title 1"/>
-          <p:cNvSpPr>
-            <a:spLocks noGrp="1"/>
-          </p:cNvSpPr>
-          <p:nvPr>
-            <p:ph type="title"/>
-          </p:nvPr>
-        </p:nvSpPr>
-        <p:spPr/>
-        <p:txBody>
-          <a:bodyPr/>
-          <a:lstStyle/>
-          <a:p>
-            <a:r>
-              <a:rPr lang="en-US" dirty="0"/>
-              <a:t>GIỚI THIỆU CHUNG</a:t>
-            </a:r>
-            <a:br>
-              <a:rPr lang="en-US" dirty="0"/>
-            </a:br>
-            <a:r>
-              <a:rPr lang="en-US" sz="2800" dirty="0"/>
-              <a:t>2. COUNTER</a:t>
-            </a:r>
-          </a:p>
-        </p:txBody>
-      </p:sp>
-      <p:sp>
-        <p:nvSpPr>
-          <p:cNvPr id="3" name="Content Placeholder 2"/>
-          <p:cNvSpPr>
-            <a:spLocks noGrp="1"/>
-          </p:cNvSpPr>
-          <p:nvPr>
-            <p:ph idx="1"/>
-          </p:nvPr>
-        </p:nvSpPr>
-        <p:spPr/>
-        <p:txBody>
-          <a:bodyPr>
-            <a:normAutofit/>
-          </a:bodyPr>
-          <a:lstStyle/>
-          <a:p>
-            <a:pPr marL="0" indent="0">
-              <a:buNone/>
-            </a:pPr>
-            <a:endParaRPr lang="en-US" dirty="0"/>
-          </a:p>
-        </p:txBody>
-      </p:sp>
-      <p:grpSp>
-        <p:nvGrpSpPr>
-          <p:cNvPr id="15" name="Group 14">
-            <a:extLst>
-              <a:ext uri="{FF2B5EF4-FFF2-40B4-BE49-F238E27FC236}">
-                <a16:creationId xmlns:a16="http://schemas.microsoft.com/office/drawing/2014/main" id="{985BFA05-6B38-4E60-916B-0CFF583BA979}"/>
-              </a:ext>
-            </a:extLst>
-          </p:cNvPr>
-          <p:cNvGrpSpPr/>
-          <p:nvPr/>
-        </p:nvGrpSpPr>
-        <p:grpSpPr>
-          <a:xfrm>
-            <a:off x="8362950" y="570526"/>
-            <a:ext cx="2819400" cy="914760"/>
-            <a:chOff x="7555442" y="411765"/>
-            <a:chExt cx="3006552" cy="914760"/>
-          </a:xfrm>
-        </p:grpSpPr>
-        <p:sp>
-          <p:nvSpPr>
-            <p:cNvPr id="16" name="Rectangle 15">
-              <a:extLst>
-                <a:ext uri="{FF2B5EF4-FFF2-40B4-BE49-F238E27FC236}">
-                  <a16:creationId xmlns:a16="http://schemas.microsoft.com/office/drawing/2014/main" id="{B5C24B6E-A5EB-4F81-A6BB-A5F8C685EB82}"/>
-                </a:ext>
-              </a:extLst>
-            </p:cNvPr>
-            <p:cNvSpPr/>
-            <p:nvPr/>
-          </p:nvSpPr>
-          <p:spPr>
-            <a:xfrm>
-              <a:off x="7555442" y="515085"/>
-              <a:ext cx="3006552" cy="176400"/>
-            </a:xfrm>
-            <a:prstGeom prst="rect">
-              <a:avLst/>
-            </a:prstGeom>
-            <a:noFill/>
-            <a:ln>
-              <a:solidFill>
-                <a:srgbClr val="0070C0"/>
-              </a:solidFill>
-            </a:ln>
-          </p:spPr>
-          <p:style>
-            <a:lnRef idx="2">
-              <a:schemeClr val="accent1">
-                <a:hueOff val="0"/>
-                <a:satOff val="0"/>
-                <a:lumOff val="0"/>
-                <a:alphaOff val="0"/>
-              </a:schemeClr>
-            </a:lnRef>
-            <a:fillRef idx="1">
-              <a:schemeClr val="lt1">
-                <a:alpha val="90000"/>
-                <a:hueOff val="0"/>
-                <a:satOff val="0"/>
-                <a:lumOff val="0"/>
-                <a:alphaOff val="0"/>
-              </a:schemeClr>
-            </a:fillRef>
-            <a:effectRef idx="0">
-              <a:schemeClr val="lt1">
-                <a:alpha val="90000"/>
-                <a:hueOff val="0"/>
-                <a:satOff val="0"/>
-                <a:lumOff val="0"/>
-                <a:alphaOff val="0"/>
-              </a:schemeClr>
-            </a:effectRef>
-            <a:fontRef idx="minor">
-              <a:schemeClr val="dk1">
-                <a:hueOff val="0"/>
-                <a:satOff val="0"/>
-                <a:lumOff val="0"/>
-                <a:alphaOff val="0"/>
-              </a:schemeClr>
-            </a:fontRef>
-          </p:style>
-        </p:sp>
-        <p:sp>
-          <p:nvSpPr>
-            <p:cNvPr id="17" name="Freeform 7">
-              <a:hlinkClick r:id="rId2" action="ppaction://hlinksldjump"/>
-              <a:extLst>
-                <a:ext uri="{FF2B5EF4-FFF2-40B4-BE49-F238E27FC236}">
-                  <a16:creationId xmlns:a16="http://schemas.microsoft.com/office/drawing/2014/main" id="{8070CAFC-D3C5-40F7-80CA-2FF842D81553}"/>
-                </a:ext>
-              </a:extLst>
-            </p:cNvPr>
-            <p:cNvSpPr/>
-            <p:nvPr/>
-          </p:nvSpPr>
-          <p:spPr>
-            <a:xfrm>
-              <a:off x="7601731" y="411765"/>
-              <a:ext cx="2764682" cy="206640"/>
-            </a:xfrm>
-            <a:custGeom>
-              <a:avLst/>
-              <a:gdLst>
-                <a:gd name="connsiteX0" fmla="*/ 0 w 2764682"/>
-                <a:gd name="connsiteY0" fmla="*/ 34441 h 206640"/>
-                <a:gd name="connsiteX1" fmla="*/ 34441 w 2764682"/>
-                <a:gd name="connsiteY1" fmla="*/ 0 h 206640"/>
-                <a:gd name="connsiteX2" fmla="*/ 2730241 w 2764682"/>
-                <a:gd name="connsiteY2" fmla="*/ 0 h 206640"/>
-                <a:gd name="connsiteX3" fmla="*/ 2764682 w 2764682"/>
-                <a:gd name="connsiteY3" fmla="*/ 34441 h 206640"/>
-                <a:gd name="connsiteX4" fmla="*/ 2764682 w 2764682"/>
-                <a:gd name="connsiteY4" fmla="*/ 172199 h 206640"/>
-                <a:gd name="connsiteX5" fmla="*/ 2730241 w 2764682"/>
-                <a:gd name="connsiteY5" fmla="*/ 206640 h 206640"/>
-                <a:gd name="connsiteX6" fmla="*/ 34441 w 2764682"/>
-                <a:gd name="connsiteY6" fmla="*/ 206640 h 206640"/>
-                <a:gd name="connsiteX7" fmla="*/ 0 w 2764682"/>
-                <a:gd name="connsiteY7" fmla="*/ 172199 h 206640"/>
-                <a:gd name="connsiteX8" fmla="*/ 0 w 2764682"/>
-                <a:gd name="connsiteY8" fmla="*/ 34441 h 206640"/>
-              </a:gdLst>
-              <a:ahLst/>
-              <a:cxnLst>
-                <a:cxn ang="0">
-                  <a:pos x="connsiteX0" y="connsiteY0"/>
-                </a:cxn>
-                <a:cxn ang="0">
-                  <a:pos x="connsiteX1" y="connsiteY1"/>
-                </a:cxn>
-                <a:cxn ang="0">
-                  <a:pos x="connsiteX2" y="connsiteY2"/>
-                </a:cxn>
-                <a:cxn ang="0">
-                  <a:pos x="connsiteX3" y="connsiteY3"/>
-                </a:cxn>
-                <a:cxn ang="0">
-                  <a:pos x="connsiteX4" y="connsiteY4"/>
-                </a:cxn>
-                <a:cxn ang="0">
-                  <a:pos x="connsiteX5" y="connsiteY5"/>
-                </a:cxn>
-                <a:cxn ang="0">
-                  <a:pos x="connsiteX6" y="connsiteY6"/>
-                </a:cxn>
-                <a:cxn ang="0">
-                  <a:pos x="connsiteX7" y="connsiteY7"/>
-                </a:cxn>
-                <a:cxn ang="0">
-                  <a:pos x="connsiteX8" y="connsiteY8"/>
-                </a:cxn>
-              </a:cxnLst>
-              <a:rect l="l" t="t" r="r" b="b"/>
-              <a:pathLst>
-                <a:path w="2764682" h="206640">
-                  <a:moveTo>
-                    <a:pt x="0" y="34441"/>
-                  </a:moveTo>
-                  <a:cubicBezTo>
-                    <a:pt x="0" y="15420"/>
-                    <a:pt x="15420" y="0"/>
-                    <a:pt x="34441" y="0"/>
-                  </a:cubicBezTo>
-                  <a:lnTo>
-                    <a:pt x="2730241" y="0"/>
-                  </a:lnTo>
-                  <a:cubicBezTo>
-                    <a:pt x="2749262" y="0"/>
-                    <a:pt x="2764682" y="15420"/>
-                    <a:pt x="2764682" y="34441"/>
-                  </a:cubicBezTo>
-                  <a:lnTo>
-                    <a:pt x="2764682" y="172199"/>
-                  </a:lnTo>
-                  <a:cubicBezTo>
-                    <a:pt x="2764682" y="191220"/>
-                    <a:pt x="2749262" y="206640"/>
-                    <a:pt x="2730241" y="206640"/>
-                  </a:cubicBezTo>
-                  <a:lnTo>
-                    <a:pt x="34441" y="206640"/>
-                  </a:lnTo>
-                  <a:cubicBezTo>
-                    <a:pt x="15420" y="206640"/>
-                    <a:pt x="0" y="191220"/>
-                    <a:pt x="0" y="172199"/>
-                  </a:cubicBezTo>
-                  <a:lnTo>
-                    <a:pt x="0" y="34441"/>
-                  </a:lnTo>
-                  <a:close/>
-                </a:path>
-              </a:pathLst>
-            </a:custGeom>
-            <a:solidFill>
-              <a:schemeClr val="accent4"/>
-            </a:solidFill>
-          </p:spPr>
-          <p:style>
-            <a:lnRef idx="2">
-              <a:schemeClr val="lt1">
-                <a:hueOff val="0"/>
-                <a:satOff val="0"/>
-                <a:lumOff val="0"/>
-                <a:alphaOff val="0"/>
-              </a:schemeClr>
-            </a:lnRef>
-            <a:fillRef idx="1">
-              <a:scrgbClr r="0" g="0" b="0"/>
-            </a:fillRef>
-            <a:effectRef idx="0">
-              <a:schemeClr val="accent1">
-                <a:hueOff val="0"/>
-                <a:satOff val="0"/>
-                <a:lumOff val="0"/>
-                <a:alphaOff val="0"/>
-              </a:schemeClr>
-            </a:effectRef>
-            <a:fontRef idx="minor">
-              <a:schemeClr val="lt1"/>
-            </a:fontRef>
-          </p:style>
-          <p:txBody>
-            <a:bodyPr spcFirstLastPara="0" vert="horz" wrap="square" lIns="114585" tIns="10087" rIns="114585" bIns="10087" numCol="1" spcCol="1270" anchor="ctr" anchorCtr="0">
-              <a:noAutofit/>
-            </a:bodyPr>
-            <a:lstStyle/>
-            <a:p>
-              <a:pPr lvl="0" algn="l" defTabSz="533400">
-                <a:lnSpc>
-                  <a:spcPct val="90000"/>
-                </a:lnSpc>
-                <a:spcBef>
-                  <a:spcPct val="0"/>
-                </a:spcBef>
-                <a:spcAft>
-                  <a:spcPct val="35000"/>
-                </a:spcAft>
-              </a:pPr>
-              <a:r>
-                <a:rPr lang="en-US" sz="1200" b="1" kern="1200" dirty="0">
-                  <a:ln>
-                    <a:noFill/>
-                  </a:ln>
-                  <a:solidFill>
-                    <a:sysClr val="windowText" lastClr="000000"/>
-                  </a:solidFill>
-                </a:rPr>
-                <a:t>GIỚI THIỆU CHUNG</a:t>
-              </a:r>
-            </a:p>
-          </p:txBody>
-        </p:sp>
-        <p:sp>
-          <p:nvSpPr>
-            <p:cNvPr id="18" name="Rectangle 17">
-              <a:extLst>
-                <a:ext uri="{FF2B5EF4-FFF2-40B4-BE49-F238E27FC236}">
-                  <a16:creationId xmlns:a16="http://schemas.microsoft.com/office/drawing/2014/main" id="{52274D0B-503F-4224-852A-B7B0CEFF21E6}"/>
-                </a:ext>
-              </a:extLst>
-            </p:cNvPr>
-            <p:cNvSpPr/>
-            <p:nvPr/>
-          </p:nvSpPr>
-          <p:spPr>
-            <a:xfrm>
-              <a:off x="7555442" y="832605"/>
-              <a:ext cx="3006552" cy="176400"/>
-            </a:xfrm>
-            <a:prstGeom prst="rect">
-              <a:avLst/>
-            </a:prstGeom>
-            <a:noFill/>
-            <a:ln>
-              <a:solidFill>
-                <a:srgbClr val="0070C0"/>
-              </a:solidFill>
-            </a:ln>
-          </p:spPr>
-          <p:style>
-            <a:lnRef idx="2">
-              <a:schemeClr val="accent1">
-                <a:hueOff val="0"/>
-                <a:satOff val="0"/>
-                <a:lumOff val="0"/>
-                <a:alphaOff val="0"/>
-              </a:schemeClr>
-            </a:lnRef>
-            <a:fillRef idx="1">
-              <a:schemeClr val="lt1">
-                <a:alpha val="90000"/>
-                <a:hueOff val="0"/>
-                <a:satOff val="0"/>
-                <a:lumOff val="0"/>
-                <a:alphaOff val="0"/>
-              </a:schemeClr>
-            </a:fillRef>
-            <a:effectRef idx="0">
-              <a:schemeClr val="lt1">
-                <a:alpha val="90000"/>
-                <a:hueOff val="0"/>
-                <a:satOff val="0"/>
-                <a:lumOff val="0"/>
-                <a:alphaOff val="0"/>
-              </a:schemeClr>
-            </a:effectRef>
-            <a:fontRef idx="minor">
-              <a:schemeClr val="dk1">
-                <a:hueOff val="0"/>
-                <a:satOff val="0"/>
-                <a:lumOff val="0"/>
-                <a:alphaOff val="0"/>
-              </a:schemeClr>
-            </a:fontRef>
-          </p:style>
-        </p:sp>
-        <p:sp>
-          <p:nvSpPr>
-            <p:cNvPr id="19" name="Freeform 9">
-              <a:hlinkClick r:id="rId3" action="ppaction://hlinksldjump"/>
-              <a:extLst>
-                <a:ext uri="{FF2B5EF4-FFF2-40B4-BE49-F238E27FC236}">
-                  <a16:creationId xmlns:a16="http://schemas.microsoft.com/office/drawing/2014/main" id="{9DA59B5A-4E02-4FA0-BD6C-70EC23A1CE71}"/>
-                </a:ext>
-              </a:extLst>
-            </p:cNvPr>
-            <p:cNvSpPr/>
-            <p:nvPr/>
-          </p:nvSpPr>
-          <p:spPr>
-            <a:xfrm>
-              <a:off x="7601731" y="729285"/>
-              <a:ext cx="2764682" cy="206640"/>
-            </a:xfrm>
-            <a:custGeom>
-              <a:avLst/>
-              <a:gdLst>
-                <a:gd name="connsiteX0" fmla="*/ 0 w 2764682"/>
-                <a:gd name="connsiteY0" fmla="*/ 34441 h 206640"/>
-                <a:gd name="connsiteX1" fmla="*/ 34441 w 2764682"/>
-                <a:gd name="connsiteY1" fmla="*/ 0 h 206640"/>
-                <a:gd name="connsiteX2" fmla="*/ 2730241 w 2764682"/>
-                <a:gd name="connsiteY2" fmla="*/ 0 h 206640"/>
-                <a:gd name="connsiteX3" fmla="*/ 2764682 w 2764682"/>
-                <a:gd name="connsiteY3" fmla="*/ 34441 h 206640"/>
-                <a:gd name="connsiteX4" fmla="*/ 2764682 w 2764682"/>
-                <a:gd name="connsiteY4" fmla="*/ 172199 h 206640"/>
-                <a:gd name="connsiteX5" fmla="*/ 2730241 w 2764682"/>
-                <a:gd name="connsiteY5" fmla="*/ 206640 h 206640"/>
-                <a:gd name="connsiteX6" fmla="*/ 34441 w 2764682"/>
-                <a:gd name="connsiteY6" fmla="*/ 206640 h 206640"/>
-                <a:gd name="connsiteX7" fmla="*/ 0 w 2764682"/>
-                <a:gd name="connsiteY7" fmla="*/ 172199 h 206640"/>
-                <a:gd name="connsiteX8" fmla="*/ 0 w 2764682"/>
-                <a:gd name="connsiteY8" fmla="*/ 34441 h 206640"/>
-              </a:gdLst>
-              <a:ahLst/>
-              <a:cxnLst>
-                <a:cxn ang="0">
-                  <a:pos x="connsiteX0" y="connsiteY0"/>
-                </a:cxn>
-                <a:cxn ang="0">
-                  <a:pos x="connsiteX1" y="connsiteY1"/>
-                </a:cxn>
-                <a:cxn ang="0">
-                  <a:pos x="connsiteX2" y="connsiteY2"/>
-                </a:cxn>
-                <a:cxn ang="0">
-                  <a:pos x="connsiteX3" y="connsiteY3"/>
-                </a:cxn>
-                <a:cxn ang="0">
-                  <a:pos x="connsiteX4" y="connsiteY4"/>
-                </a:cxn>
-                <a:cxn ang="0">
-                  <a:pos x="connsiteX5" y="connsiteY5"/>
-                </a:cxn>
-                <a:cxn ang="0">
-                  <a:pos x="connsiteX6" y="connsiteY6"/>
-                </a:cxn>
-                <a:cxn ang="0">
-                  <a:pos x="connsiteX7" y="connsiteY7"/>
-                </a:cxn>
-                <a:cxn ang="0">
-                  <a:pos x="connsiteX8" y="connsiteY8"/>
-                </a:cxn>
-              </a:cxnLst>
-              <a:rect l="l" t="t" r="r" b="b"/>
-              <a:pathLst>
-                <a:path w="2764682" h="206640">
-                  <a:moveTo>
-                    <a:pt x="0" y="34441"/>
-                  </a:moveTo>
-                  <a:cubicBezTo>
-                    <a:pt x="0" y="15420"/>
-                    <a:pt x="15420" y="0"/>
-                    <a:pt x="34441" y="0"/>
-                  </a:cubicBezTo>
-                  <a:lnTo>
-                    <a:pt x="2730241" y="0"/>
-                  </a:lnTo>
-                  <a:cubicBezTo>
-                    <a:pt x="2749262" y="0"/>
-                    <a:pt x="2764682" y="15420"/>
-                    <a:pt x="2764682" y="34441"/>
-                  </a:cubicBezTo>
-                  <a:lnTo>
-                    <a:pt x="2764682" y="172199"/>
-                  </a:lnTo>
-                  <a:cubicBezTo>
-                    <a:pt x="2764682" y="191220"/>
-                    <a:pt x="2749262" y="206640"/>
-                    <a:pt x="2730241" y="206640"/>
-                  </a:cubicBezTo>
-                  <a:lnTo>
-                    <a:pt x="34441" y="206640"/>
-                  </a:lnTo>
-                  <a:cubicBezTo>
-                    <a:pt x="15420" y="206640"/>
-                    <a:pt x="0" y="191220"/>
-                    <a:pt x="0" y="172199"/>
-                  </a:cubicBezTo>
-                  <a:lnTo>
-                    <a:pt x="0" y="34441"/>
-                  </a:lnTo>
-                  <a:close/>
-                </a:path>
-              </a:pathLst>
-            </a:custGeom>
-          </p:spPr>
-          <p:style>
-            <a:lnRef idx="2">
-              <a:schemeClr val="lt1">
-                <a:hueOff val="0"/>
-                <a:satOff val="0"/>
-                <a:lumOff val="0"/>
-                <a:alphaOff val="0"/>
-              </a:schemeClr>
-            </a:lnRef>
-            <a:fillRef idx="1">
-              <a:schemeClr val="accent1">
-                <a:hueOff val="0"/>
-                <a:satOff val="0"/>
-                <a:lumOff val="0"/>
-                <a:alphaOff val="0"/>
-              </a:schemeClr>
-            </a:fillRef>
-            <a:effectRef idx="0">
-              <a:schemeClr val="accent1">
-                <a:hueOff val="0"/>
-                <a:satOff val="0"/>
-                <a:lumOff val="0"/>
-                <a:alphaOff val="0"/>
-              </a:schemeClr>
-            </a:effectRef>
-            <a:fontRef idx="minor">
-              <a:schemeClr val="lt1"/>
-            </a:fontRef>
-          </p:style>
-          <p:txBody>
-            <a:bodyPr spcFirstLastPara="0" vert="horz" wrap="square" lIns="114585" tIns="10087" rIns="114585" bIns="10087" numCol="1" spcCol="1270" anchor="ctr" anchorCtr="0">
-              <a:noAutofit/>
-            </a:bodyPr>
-            <a:lstStyle/>
-            <a:p>
-              <a:pPr lvl="0" algn="l" defTabSz="533400">
-                <a:lnSpc>
-                  <a:spcPct val="90000"/>
-                </a:lnSpc>
-                <a:spcBef>
-                  <a:spcPct val="0"/>
-                </a:spcBef>
-                <a:spcAft>
-                  <a:spcPct val="35000"/>
-                </a:spcAft>
-              </a:pPr>
-              <a:r>
-                <a:rPr lang="en-US" sz="1200" b="0" kern="1200" dirty="0">
-                  <a:ln>
-                    <a:noFill/>
-                  </a:ln>
-                  <a:solidFill>
-                    <a:sysClr val="windowText" lastClr="000000"/>
-                  </a:solidFill>
-                </a:rPr>
-                <a:t>TIMER</a:t>
-              </a:r>
-            </a:p>
-          </p:txBody>
-        </p:sp>
-        <p:sp>
-          <p:nvSpPr>
-            <p:cNvPr id="20" name="Rectangle 19">
-              <a:extLst>
-                <a:ext uri="{FF2B5EF4-FFF2-40B4-BE49-F238E27FC236}">
-                  <a16:creationId xmlns:a16="http://schemas.microsoft.com/office/drawing/2014/main" id="{067ED2F8-7585-46DA-A749-4F7B6BE78F0F}"/>
-                </a:ext>
-              </a:extLst>
-            </p:cNvPr>
-            <p:cNvSpPr/>
-            <p:nvPr/>
-          </p:nvSpPr>
-          <p:spPr>
-            <a:xfrm>
-              <a:off x="7555442" y="1150125"/>
-              <a:ext cx="3006552" cy="176400"/>
-            </a:xfrm>
-            <a:prstGeom prst="rect">
-              <a:avLst/>
-            </a:prstGeom>
-            <a:noFill/>
-            <a:ln>
-              <a:solidFill>
-                <a:srgbClr val="0070C0"/>
-              </a:solidFill>
-            </a:ln>
-          </p:spPr>
-          <p:style>
-            <a:lnRef idx="2">
-              <a:schemeClr val="accent1">
-                <a:hueOff val="0"/>
-                <a:satOff val="0"/>
-                <a:lumOff val="0"/>
-                <a:alphaOff val="0"/>
-              </a:schemeClr>
-            </a:lnRef>
-            <a:fillRef idx="1">
-              <a:schemeClr val="lt1">
-                <a:alpha val="90000"/>
-                <a:hueOff val="0"/>
-                <a:satOff val="0"/>
-                <a:lumOff val="0"/>
-                <a:alphaOff val="0"/>
-              </a:schemeClr>
-            </a:fillRef>
-            <a:effectRef idx="0">
-              <a:schemeClr val="lt1">
-                <a:alpha val="90000"/>
-                <a:hueOff val="0"/>
-                <a:satOff val="0"/>
-                <a:lumOff val="0"/>
-                <a:alphaOff val="0"/>
-              </a:schemeClr>
-            </a:effectRef>
-            <a:fontRef idx="minor">
-              <a:schemeClr val="dk1">
-                <a:hueOff val="0"/>
-                <a:satOff val="0"/>
-                <a:lumOff val="0"/>
-                <a:alphaOff val="0"/>
-              </a:schemeClr>
-            </a:fontRef>
-          </p:style>
-        </p:sp>
-        <p:sp>
-          <p:nvSpPr>
-            <p:cNvPr id="21" name="Freeform 11">
-              <a:hlinkClick r:id="" action="ppaction://noaction"/>
-              <a:extLst>
-                <a:ext uri="{FF2B5EF4-FFF2-40B4-BE49-F238E27FC236}">
-                  <a16:creationId xmlns:a16="http://schemas.microsoft.com/office/drawing/2014/main" id="{E416CC0B-CBA4-4520-8667-39F6AD8140C1}"/>
-                </a:ext>
-              </a:extLst>
-            </p:cNvPr>
-            <p:cNvSpPr/>
-            <p:nvPr/>
-          </p:nvSpPr>
-          <p:spPr>
-            <a:xfrm>
-              <a:off x="7601731" y="1046805"/>
-              <a:ext cx="2764682" cy="206640"/>
-            </a:xfrm>
-            <a:custGeom>
-              <a:avLst/>
-              <a:gdLst>
-                <a:gd name="connsiteX0" fmla="*/ 0 w 2764682"/>
-                <a:gd name="connsiteY0" fmla="*/ 34441 h 206640"/>
-                <a:gd name="connsiteX1" fmla="*/ 34441 w 2764682"/>
-                <a:gd name="connsiteY1" fmla="*/ 0 h 206640"/>
-                <a:gd name="connsiteX2" fmla="*/ 2730241 w 2764682"/>
-                <a:gd name="connsiteY2" fmla="*/ 0 h 206640"/>
-                <a:gd name="connsiteX3" fmla="*/ 2764682 w 2764682"/>
-                <a:gd name="connsiteY3" fmla="*/ 34441 h 206640"/>
-                <a:gd name="connsiteX4" fmla="*/ 2764682 w 2764682"/>
-                <a:gd name="connsiteY4" fmla="*/ 172199 h 206640"/>
-                <a:gd name="connsiteX5" fmla="*/ 2730241 w 2764682"/>
-                <a:gd name="connsiteY5" fmla="*/ 206640 h 206640"/>
-                <a:gd name="connsiteX6" fmla="*/ 34441 w 2764682"/>
-                <a:gd name="connsiteY6" fmla="*/ 206640 h 206640"/>
-                <a:gd name="connsiteX7" fmla="*/ 0 w 2764682"/>
-                <a:gd name="connsiteY7" fmla="*/ 172199 h 206640"/>
-                <a:gd name="connsiteX8" fmla="*/ 0 w 2764682"/>
-                <a:gd name="connsiteY8" fmla="*/ 34441 h 206640"/>
-              </a:gdLst>
-              <a:ahLst/>
-              <a:cxnLst>
-                <a:cxn ang="0">
-                  <a:pos x="connsiteX0" y="connsiteY0"/>
-                </a:cxn>
-                <a:cxn ang="0">
-                  <a:pos x="connsiteX1" y="connsiteY1"/>
-                </a:cxn>
-                <a:cxn ang="0">
-                  <a:pos x="connsiteX2" y="connsiteY2"/>
-                </a:cxn>
-                <a:cxn ang="0">
-                  <a:pos x="connsiteX3" y="connsiteY3"/>
-                </a:cxn>
-                <a:cxn ang="0">
-                  <a:pos x="connsiteX4" y="connsiteY4"/>
-                </a:cxn>
-                <a:cxn ang="0">
-                  <a:pos x="connsiteX5" y="connsiteY5"/>
-                </a:cxn>
-                <a:cxn ang="0">
-                  <a:pos x="connsiteX6" y="connsiteY6"/>
-                </a:cxn>
-                <a:cxn ang="0">
-                  <a:pos x="connsiteX7" y="connsiteY7"/>
-                </a:cxn>
-                <a:cxn ang="0">
-                  <a:pos x="connsiteX8" y="connsiteY8"/>
-                </a:cxn>
-              </a:cxnLst>
-              <a:rect l="l" t="t" r="r" b="b"/>
-              <a:pathLst>
-                <a:path w="2764682" h="206640">
-                  <a:moveTo>
-                    <a:pt x="0" y="34441"/>
-                  </a:moveTo>
-                  <a:cubicBezTo>
-                    <a:pt x="0" y="15420"/>
-                    <a:pt x="15420" y="0"/>
-                    <a:pt x="34441" y="0"/>
-                  </a:cubicBezTo>
-                  <a:lnTo>
-                    <a:pt x="2730241" y="0"/>
-                  </a:lnTo>
-                  <a:cubicBezTo>
-                    <a:pt x="2749262" y="0"/>
-                    <a:pt x="2764682" y="15420"/>
-                    <a:pt x="2764682" y="34441"/>
-                  </a:cubicBezTo>
-                  <a:lnTo>
-                    <a:pt x="2764682" y="172199"/>
-                  </a:lnTo>
-                  <a:cubicBezTo>
-                    <a:pt x="2764682" y="191220"/>
-                    <a:pt x="2749262" y="206640"/>
-                    <a:pt x="2730241" y="206640"/>
-                  </a:cubicBezTo>
-                  <a:lnTo>
-                    <a:pt x="34441" y="206640"/>
-                  </a:lnTo>
-                  <a:cubicBezTo>
-                    <a:pt x="15420" y="206640"/>
-                    <a:pt x="0" y="191220"/>
-                    <a:pt x="0" y="172199"/>
-                  </a:cubicBezTo>
-                  <a:lnTo>
-                    <a:pt x="0" y="34441"/>
-                  </a:lnTo>
-                  <a:close/>
-                </a:path>
-              </a:pathLst>
-            </a:custGeom>
-            <a:solidFill>
-              <a:schemeClr val="accent1"/>
-            </a:solidFill>
-          </p:spPr>
-          <p:style>
-            <a:lnRef idx="2">
-              <a:schemeClr val="lt1">
-                <a:hueOff val="0"/>
-                <a:satOff val="0"/>
-                <a:lumOff val="0"/>
-                <a:alphaOff val="0"/>
-              </a:schemeClr>
-            </a:lnRef>
-            <a:fillRef idx="1">
-              <a:schemeClr val="accent1">
-                <a:hueOff val="0"/>
-                <a:satOff val="0"/>
-                <a:lumOff val="0"/>
-                <a:alphaOff val="0"/>
-              </a:schemeClr>
-            </a:fillRef>
-            <a:effectRef idx="0">
-              <a:schemeClr val="accent1">
-                <a:hueOff val="0"/>
-                <a:satOff val="0"/>
-                <a:lumOff val="0"/>
-                <a:alphaOff val="0"/>
-              </a:schemeClr>
-            </a:effectRef>
-            <a:fontRef idx="minor">
-              <a:schemeClr val="lt1"/>
-            </a:fontRef>
-          </p:style>
-          <p:txBody>
-            <a:bodyPr spcFirstLastPara="0" vert="horz" wrap="square" lIns="114585" tIns="10087" rIns="114585" bIns="10087" numCol="1" spcCol="1270" anchor="ctr" anchorCtr="0">
-              <a:noAutofit/>
-            </a:bodyPr>
-            <a:lstStyle/>
-            <a:p>
-              <a:pPr lvl="0" algn="l" defTabSz="533400">
-                <a:lnSpc>
-                  <a:spcPct val="90000"/>
-                </a:lnSpc>
-                <a:spcBef>
-                  <a:spcPct val="0"/>
-                </a:spcBef>
-                <a:spcAft>
-                  <a:spcPct val="35000"/>
-                </a:spcAft>
-              </a:pPr>
-              <a:r>
-                <a:rPr lang="en-US" sz="1200" kern="1200" dirty="0">
-                  <a:ln>
-                    <a:noFill/>
-                  </a:ln>
-                  <a:solidFill>
-                    <a:sysClr val="windowText" lastClr="000000"/>
-                  </a:solidFill>
-                </a:rPr>
-                <a:t>COUNTER</a:t>
-              </a:r>
-            </a:p>
-          </p:txBody>
-        </p:sp>
-      </p:grpSp>
-    </p:spTree>
-    <p:extLst>
-      <p:ext uri="{BB962C8B-B14F-4D97-AF65-F5344CB8AC3E}">
-        <p14:creationId xmlns:p14="http://schemas.microsoft.com/office/powerpoint/2010/main" val="2235082987"/>
-      </p:ext>
-    </p:extLst>
-  </p:cSld>
-  <p:clrMapOvr>
-    <a:masterClrMapping/>
-  </p:clrMapOvr>
-  <p:transition spd="slow">
-    <p:push dir="u"/>
-  </p:transition>
-</p:sld>
-</file>
-
-<file path=ppt/slides/slide5.xml><?xml version="1.0" encoding="utf-8"?>
-<p:sld xmlns:a="http://schemas.openxmlformats.org/drawingml/2006/main" xmlns:r="http://schemas.openxmlformats.org/officeDocument/2006/relationships" xmlns:p="http://schemas.openxmlformats.org/presentationml/2006/main">
-  <p:cSld>
-    <p:spTree>
-      <p:nvGrpSpPr>
-        <p:cNvPr id="1" name=""/>
-        <p:cNvGrpSpPr/>
-        <p:nvPr/>
-      </p:nvGrpSpPr>
-      <p:grpSpPr>
-        <a:xfrm>
-          <a:off x="0" y="0"/>
-          <a:ext cx="0" cy="0"/>
-          <a:chOff x="0" y="0"/>
-          <a:chExt cx="0" cy="0"/>
-        </a:xfrm>
-      </p:grpSpPr>
-      <p:sp>
-        <p:nvSpPr>
-          <p:cNvPr id="2" name="Title 1"/>
-          <p:cNvSpPr>
-            <a:spLocks noGrp="1"/>
-          </p:cNvSpPr>
-          <p:nvPr>
-            <p:ph type="title"/>
-          </p:nvPr>
-        </p:nvSpPr>
-        <p:spPr/>
-        <p:txBody>
-          <a:bodyPr/>
-          <a:lstStyle/>
-          <a:p>
-            <a:r>
-              <a:rPr lang="en-US" dirty="0"/>
-              <a:t>GIỚI THIỆU CHUNG</a:t>
-            </a:r>
-            <a:br>
-              <a:rPr lang="en-US" dirty="0"/>
-            </a:br>
-            <a:r>
-              <a:rPr lang="en-US" sz="2800" dirty="0"/>
-              <a:t>3. TÀI LIỆU KỸ THUẬT</a:t>
-            </a:r>
-          </a:p>
-        </p:txBody>
-      </p:sp>
-      <p:sp>
-        <p:nvSpPr>
-          <p:cNvPr id="3" name="Content Placeholder 2"/>
-          <p:cNvSpPr>
-            <a:spLocks noGrp="1"/>
-          </p:cNvSpPr>
-          <p:nvPr>
-            <p:ph idx="1"/>
-          </p:nvPr>
-        </p:nvSpPr>
-        <p:spPr/>
-        <p:txBody>
-          <a:bodyPr>
-            <a:normAutofit/>
-          </a:bodyPr>
-          <a:lstStyle/>
-          <a:p>
-            <a:pPr marL="514350" indent="-514350">
-              <a:buAutoNum type="arabicPeriod"/>
-            </a:pPr>
-            <a:r>
-              <a:rPr lang="en-US" sz="2400" dirty="0"/>
-              <a:t>Datasheet: </a:t>
-            </a:r>
-            <a:r>
-              <a:rPr lang="en-US" sz="2400" dirty="0">
-                <a:hlinkClick r:id="rId2"/>
-              </a:rPr>
-              <a:t>DS40001825F</a:t>
-            </a:r>
-            <a:r>
-              <a:rPr lang="en-US" sz="2400" dirty="0"/>
-              <a:t> </a:t>
-            </a:r>
-          </a:p>
-          <a:p>
-            <a:pPr marL="514350" indent="-514350">
-              <a:buAutoNum type="arabicPeriod"/>
-            </a:pPr>
-            <a:r>
-              <a:rPr lang="en-US" sz="2400" dirty="0">
-                <a:hlinkClick r:id="rId3"/>
-              </a:rPr>
-              <a:t>TB3123</a:t>
-            </a:r>
-            <a:r>
-              <a:rPr lang="en-US" sz="2400" dirty="0"/>
-              <a:t> - Windowed Watchdog Timer on PIC Microcontrollers.</a:t>
-            </a:r>
-          </a:p>
-          <a:p>
-            <a:pPr marL="514350" indent="-514350">
-              <a:buAutoNum type="arabicPeriod"/>
-            </a:pPr>
-            <a:r>
-              <a:rPr lang="en-US" sz="2400" dirty="0">
-                <a:hlinkClick r:id="rId4"/>
-              </a:rPr>
-              <a:t>TB3122</a:t>
-            </a:r>
-            <a:r>
-              <a:rPr lang="en-US" sz="2400" dirty="0"/>
-              <a:t> - Hardware Limit Timer on PIC Microcontrollers.</a:t>
-            </a:r>
-          </a:p>
-          <a:p>
-            <a:pPr marL="514350" indent="-514350">
-              <a:buAutoNum type="arabicPeriod"/>
-            </a:pPr>
-            <a:r>
-              <a:rPr lang="en-US" sz="2400" dirty="0">
-                <a:hlinkClick r:id="rId5"/>
-              </a:rPr>
-              <a:t>TB3129</a:t>
-            </a:r>
-            <a:r>
-              <a:rPr lang="en-US" sz="2400" dirty="0"/>
-              <a:t> - Signal Measurement Timer on PIC Microcontrollers.	</a:t>
-            </a:r>
-          </a:p>
-        </p:txBody>
-      </p:sp>
-      <p:grpSp>
-        <p:nvGrpSpPr>
-          <p:cNvPr id="11" name="Group 10">
-            <a:extLst>
-              <a:ext uri="{FF2B5EF4-FFF2-40B4-BE49-F238E27FC236}">
-                <a16:creationId xmlns:a16="http://schemas.microsoft.com/office/drawing/2014/main" id="{7D657E30-08D1-4B29-B982-BB0AEE32800C}"/>
-              </a:ext>
-            </a:extLst>
-          </p:cNvPr>
-          <p:cNvGrpSpPr/>
-          <p:nvPr/>
-        </p:nvGrpSpPr>
-        <p:grpSpPr>
-          <a:xfrm>
-            <a:off x="8362950" y="570526"/>
-            <a:ext cx="2819400" cy="914760"/>
-            <a:chOff x="7555442" y="411765"/>
-            <a:chExt cx="3006552" cy="914760"/>
-          </a:xfrm>
-        </p:grpSpPr>
-        <p:sp>
-          <p:nvSpPr>
-            <p:cNvPr id="12" name="Rectangle 11">
-              <a:extLst>
-                <a:ext uri="{FF2B5EF4-FFF2-40B4-BE49-F238E27FC236}">
-                  <a16:creationId xmlns:a16="http://schemas.microsoft.com/office/drawing/2014/main" id="{0FE3483B-C690-4AEF-8B52-9163B1FBF4ED}"/>
-                </a:ext>
-              </a:extLst>
-            </p:cNvPr>
-            <p:cNvSpPr/>
-            <p:nvPr/>
-          </p:nvSpPr>
-          <p:spPr>
-            <a:xfrm>
-              <a:off x="7555442" y="515085"/>
-              <a:ext cx="3006552" cy="176400"/>
-            </a:xfrm>
-            <a:prstGeom prst="rect">
-              <a:avLst/>
-            </a:prstGeom>
-            <a:noFill/>
-            <a:ln>
-              <a:solidFill>
-                <a:srgbClr val="0070C0"/>
-              </a:solidFill>
-            </a:ln>
-          </p:spPr>
-          <p:style>
-            <a:lnRef idx="2">
-              <a:schemeClr val="accent1">
-                <a:hueOff val="0"/>
-                <a:satOff val="0"/>
-                <a:lumOff val="0"/>
-                <a:alphaOff val="0"/>
-              </a:schemeClr>
-            </a:lnRef>
-            <a:fillRef idx="1">
-              <a:schemeClr val="lt1">
-                <a:alpha val="90000"/>
-                <a:hueOff val="0"/>
-                <a:satOff val="0"/>
-                <a:lumOff val="0"/>
-                <a:alphaOff val="0"/>
-              </a:schemeClr>
-            </a:fillRef>
-            <a:effectRef idx="0">
-              <a:schemeClr val="lt1">
-                <a:alpha val="90000"/>
-                <a:hueOff val="0"/>
-                <a:satOff val="0"/>
-                <a:lumOff val="0"/>
-                <a:alphaOff val="0"/>
-              </a:schemeClr>
-            </a:effectRef>
-            <a:fontRef idx="minor">
-              <a:schemeClr val="dk1">
-                <a:hueOff val="0"/>
-                <a:satOff val="0"/>
-                <a:lumOff val="0"/>
-                <a:alphaOff val="0"/>
-              </a:schemeClr>
-            </a:fontRef>
-          </p:style>
-        </p:sp>
-        <p:sp>
-          <p:nvSpPr>
-            <p:cNvPr id="13" name="Freeform 7">
-              <a:hlinkClick r:id="rId6" action="ppaction://hlinksldjump"/>
-              <a:extLst>
-                <a:ext uri="{FF2B5EF4-FFF2-40B4-BE49-F238E27FC236}">
-                  <a16:creationId xmlns:a16="http://schemas.microsoft.com/office/drawing/2014/main" id="{7797A522-44C3-45C0-B3B9-57E415AA7B1D}"/>
-                </a:ext>
-              </a:extLst>
-            </p:cNvPr>
-            <p:cNvSpPr/>
-            <p:nvPr/>
-          </p:nvSpPr>
-          <p:spPr>
-            <a:xfrm>
-              <a:off x="7601731" y="411765"/>
-              <a:ext cx="2764682" cy="206640"/>
-            </a:xfrm>
-            <a:custGeom>
-              <a:avLst/>
-              <a:gdLst>
-                <a:gd name="connsiteX0" fmla="*/ 0 w 2764682"/>
-                <a:gd name="connsiteY0" fmla="*/ 34441 h 206640"/>
-                <a:gd name="connsiteX1" fmla="*/ 34441 w 2764682"/>
-                <a:gd name="connsiteY1" fmla="*/ 0 h 206640"/>
-                <a:gd name="connsiteX2" fmla="*/ 2730241 w 2764682"/>
-                <a:gd name="connsiteY2" fmla="*/ 0 h 206640"/>
-                <a:gd name="connsiteX3" fmla="*/ 2764682 w 2764682"/>
-                <a:gd name="connsiteY3" fmla="*/ 34441 h 206640"/>
-                <a:gd name="connsiteX4" fmla="*/ 2764682 w 2764682"/>
-                <a:gd name="connsiteY4" fmla="*/ 172199 h 206640"/>
-                <a:gd name="connsiteX5" fmla="*/ 2730241 w 2764682"/>
-                <a:gd name="connsiteY5" fmla="*/ 206640 h 206640"/>
-                <a:gd name="connsiteX6" fmla="*/ 34441 w 2764682"/>
-                <a:gd name="connsiteY6" fmla="*/ 206640 h 206640"/>
-                <a:gd name="connsiteX7" fmla="*/ 0 w 2764682"/>
-                <a:gd name="connsiteY7" fmla="*/ 172199 h 206640"/>
-                <a:gd name="connsiteX8" fmla="*/ 0 w 2764682"/>
-                <a:gd name="connsiteY8" fmla="*/ 34441 h 206640"/>
-              </a:gdLst>
-              <a:ahLst/>
-              <a:cxnLst>
-                <a:cxn ang="0">
-                  <a:pos x="connsiteX0" y="connsiteY0"/>
-                </a:cxn>
-                <a:cxn ang="0">
-                  <a:pos x="connsiteX1" y="connsiteY1"/>
-                </a:cxn>
-                <a:cxn ang="0">
-                  <a:pos x="connsiteX2" y="connsiteY2"/>
-                </a:cxn>
-                <a:cxn ang="0">
-                  <a:pos x="connsiteX3" y="connsiteY3"/>
-                </a:cxn>
-                <a:cxn ang="0">
-                  <a:pos x="connsiteX4" y="connsiteY4"/>
-                </a:cxn>
-                <a:cxn ang="0">
-                  <a:pos x="connsiteX5" y="connsiteY5"/>
-                </a:cxn>
-                <a:cxn ang="0">
-                  <a:pos x="connsiteX6" y="connsiteY6"/>
-                </a:cxn>
-                <a:cxn ang="0">
-                  <a:pos x="connsiteX7" y="connsiteY7"/>
-                </a:cxn>
-                <a:cxn ang="0">
-                  <a:pos x="connsiteX8" y="connsiteY8"/>
-                </a:cxn>
-              </a:cxnLst>
-              <a:rect l="l" t="t" r="r" b="b"/>
-              <a:pathLst>
-                <a:path w="2764682" h="206640">
-                  <a:moveTo>
-                    <a:pt x="0" y="34441"/>
-                  </a:moveTo>
-                  <a:cubicBezTo>
-                    <a:pt x="0" y="15420"/>
-                    <a:pt x="15420" y="0"/>
-                    <a:pt x="34441" y="0"/>
-                  </a:cubicBezTo>
-                  <a:lnTo>
-                    <a:pt x="2730241" y="0"/>
-                  </a:lnTo>
-                  <a:cubicBezTo>
-                    <a:pt x="2749262" y="0"/>
-                    <a:pt x="2764682" y="15420"/>
-                    <a:pt x="2764682" y="34441"/>
-                  </a:cubicBezTo>
-                  <a:lnTo>
-                    <a:pt x="2764682" y="172199"/>
-                  </a:lnTo>
-                  <a:cubicBezTo>
-                    <a:pt x="2764682" y="191220"/>
-                    <a:pt x="2749262" y="206640"/>
-                    <a:pt x="2730241" y="206640"/>
-                  </a:cubicBezTo>
-                  <a:lnTo>
-                    <a:pt x="34441" y="206640"/>
-                  </a:lnTo>
-                  <a:cubicBezTo>
-                    <a:pt x="15420" y="206640"/>
-                    <a:pt x="0" y="191220"/>
-                    <a:pt x="0" y="172199"/>
-                  </a:cubicBezTo>
-                  <a:lnTo>
-                    <a:pt x="0" y="34441"/>
-                  </a:lnTo>
-                  <a:close/>
-                </a:path>
-              </a:pathLst>
-            </a:custGeom>
-            <a:solidFill>
-              <a:schemeClr val="accent4"/>
-            </a:solidFill>
-          </p:spPr>
-          <p:style>
-            <a:lnRef idx="2">
-              <a:schemeClr val="lt1">
-                <a:hueOff val="0"/>
-                <a:satOff val="0"/>
-                <a:lumOff val="0"/>
-                <a:alphaOff val="0"/>
-              </a:schemeClr>
-            </a:lnRef>
-            <a:fillRef idx="1">
-              <a:scrgbClr r="0" g="0" b="0"/>
-            </a:fillRef>
-            <a:effectRef idx="0">
-              <a:schemeClr val="accent1">
-                <a:hueOff val="0"/>
-                <a:satOff val="0"/>
-                <a:lumOff val="0"/>
-                <a:alphaOff val="0"/>
-              </a:schemeClr>
-            </a:effectRef>
-            <a:fontRef idx="minor">
-              <a:schemeClr val="lt1"/>
-            </a:fontRef>
-          </p:style>
-          <p:txBody>
-            <a:bodyPr spcFirstLastPara="0" vert="horz" wrap="square" lIns="114585" tIns="10087" rIns="114585" bIns="10087" numCol="1" spcCol="1270" anchor="ctr" anchorCtr="0">
-              <a:noAutofit/>
-            </a:bodyPr>
-            <a:lstStyle/>
-            <a:p>
-              <a:pPr lvl="0" algn="l" defTabSz="533400">
-                <a:lnSpc>
-                  <a:spcPct val="90000"/>
-                </a:lnSpc>
-                <a:spcBef>
-                  <a:spcPct val="0"/>
-                </a:spcBef>
-                <a:spcAft>
-                  <a:spcPct val="35000"/>
-                </a:spcAft>
-              </a:pPr>
-              <a:r>
-                <a:rPr lang="en-US" sz="1200" b="1" kern="1200" dirty="0">
-                  <a:ln>
-                    <a:noFill/>
-                  </a:ln>
-                  <a:solidFill>
-                    <a:sysClr val="windowText" lastClr="000000"/>
-                  </a:solidFill>
-                </a:rPr>
-                <a:t>GIỚI THIỆU CHUNG</a:t>
+                <a:t>INTERRUPT</a:t>
               </a:r>
             </a:p>
           </p:txBody>
@@ -9777,7 +7396,7 @@
             <p:cNvPr id="14" name="Rectangle 13">
               <a:extLst>
                 <a:ext uri="{FF2B5EF4-FFF2-40B4-BE49-F238E27FC236}">
-                  <a16:creationId xmlns:a16="http://schemas.microsoft.com/office/drawing/2014/main" id="{D0FFBD2E-2E5F-480C-B4CF-C817A707FDD1}"/>
+                  <a16:creationId xmlns:a16="http://schemas.microsoft.com/office/drawing/2014/main" id="{C508ECBD-BD20-4AAE-AB20-DF08FF0DA665}"/>
                 </a:ext>
               </a:extLst>
             </p:cNvPr>
@@ -9839,829 +7458,10 @@
         <p:sp>
           <p:nvSpPr>
             <p:cNvPr id="22" name="Freeform 9">
-              <a:hlinkClick r:id="rId7" action="ppaction://hlinksldjump"/>
-              <a:extLst>
-                <a:ext uri="{FF2B5EF4-FFF2-40B4-BE49-F238E27FC236}">
-                  <a16:creationId xmlns:a16="http://schemas.microsoft.com/office/drawing/2014/main" id="{55379B2E-EDEF-4703-99C4-A30AC4DE1C03}"/>
-                </a:ext>
-              </a:extLst>
-            </p:cNvPr>
-            <p:cNvSpPr/>
-            <p:nvPr/>
-          </p:nvSpPr>
-          <p:spPr>
-            <a:xfrm>
-              <a:off x="7601731" y="729285"/>
-              <a:ext cx="2764682" cy="206640"/>
-            </a:xfrm>
-            <a:custGeom>
-              <a:avLst/>
-              <a:gdLst>
-                <a:gd name="connsiteX0" fmla="*/ 0 w 2764682"/>
-                <a:gd name="connsiteY0" fmla="*/ 34441 h 206640"/>
-                <a:gd name="connsiteX1" fmla="*/ 34441 w 2764682"/>
-                <a:gd name="connsiteY1" fmla="*/ 0 h 206640"/>
-                <a:gd name="connsiteX2" fmla="*/ 2730241 w 2764682"/>
-                <a:gd name="connsiteY2" fmla="*/ 0 h 206640"/>
-                <a:gd name="connsiteX3" fmla="*/ 2764682 w 2764682"/>
-                <a:gd name="connsiteY3" fmla="*/ 34441 h 206640"/>
-                <a:gd name="connsiteX4" fmla="*/ 2764682 w 2764682"/>
-                <a:gd name="connsiteY4" fmla="*/ 172199 h 206640"/>
-                <a:gd name="connsiteX5" fmla="*/ 2730241 w 2764682"/>
-                <a:gd name="connsiteY5" fmla="*/ 206640 h 206640"/>
-                <a:gd name="connsiteX6" fmla="*/ 34441 w 2764682"/>
-                <a:gd name="connsiteY6" fmla="*/ 206640 h 206640"/>
-                <a:gd name="connsiteX7" fmla="*/ 0 w 2764682"/>
-                <a:gd name="connsiteY7" fmla="*/ 172199 h 206640"/>
-                <a:gd name="connsiteX8" fmla="*/ 0 w 2764682"/>
-                <a:gd name="connsiteY8" fmla="*/ 34441 h 206640"/>
-              </a:gdLst>
-              <a:ahLst/>
-              <a:cxnLst>
-                <a:cxn ang="0">
-                  <a:pos x="connsiteX0" y="connsiteY0"/>
-                </a:cxn>
-                <a:cxn ang="0">
-                  <a:pos x="connsiteX1" y="connsiteY1"/>
-                </a:cxn>
-                <a:cxn ang="0">
-                  <a:pos x="connsiteX2" y="connsiteY2"/>
-                </a:cxn>
-                <a:cxn ang="0">
-                  <a:pos x="connsiteX3" y="connsiteY3"/>
-                </a:cxn>
-                <a:cxn ang="0">
-                  <a:pos x="connsiteX4" y="connsiteY4"/>
-                </a:cxn>
-                <a:cxn ang="0">
-                  <a:pos x="connsiteX5" y="connsiteY5"/>
-                </a:cxn>
-                <a:cxn ang="0">
-                  <a:pos x="connsiteX6" y="connsiteY6"/>
-                </a:cxn>
-                <a:cxn ang="0">
-                  <a:pos x="connsiteX7" y="connsiteY7"/>
-                </a:cxn>
-                <a:cxn ang="0">
-                  <a:pos x="connsiteX8" y="connsiteY8"/>
-                </a:cxn>
-              </a:cxnLst>
-              <a:rect l="l" t="t" r="r" b="b"/>
-              <a:pathLst>
-                <a:path w="2764682" h="206640">
-                  <a:moveTo>
-                    <a:pt x="0" y="34441"/>
-                  </a:moveTo>
-                  <a:cubicBezTo>
-                    <a:pt x="0" y="15420"/>
-                    <a:pt x="15420" y="0"/>
-                    <a:pt x="34441" y="0"/>
-                  </a:cubicBezTo>
-                  <a:lnTo>
-                    <a:pt x="2730241" y="0"/>
-                  </a:lnTo>
-                  <a:cubicBezTo>
-                    <a:pt x="2749262" y="0"/>
-                    <a:pt x="2764682" y="15420"/>
-                    <a:pt x="2764682" y="34441"/>
-                  </a:cubicBezTo>
-                  <a:lnTo>
-                    <a:pt x="2764682" y="172199"/>
-                  </a:lnTo>
-                  <a:cubicBezTo>
-                    <a:pt x="2764682" y="191220"/>
-                    <a:pt x="2749262" y="206640"/>
-                    <a:pt x="2730241" y="206640"/>
-                  </a:cubicBezTo>
-                  <a:lnTo>
-                    <a:pt x="34441" y="206640"/>
-                  </a:lnTo>
-                  <a:cubicBezTo>
-                    <a:pt x="15420" y="206640"/>
-                    <a:pt x="0" y="191220"/>
-                    <a:pt x="0" y="172199"/>
-                  </a:cubicBezTo>
-                  <a:lnTo>
-                    <a:pt x="0" y="34441"/>
-                  </a:lnTo>
-                  <a:close/>
-                </a:path>
-              </a:pathLst>
-            </a:custGeom>
-          </p:spPr>
-          <p:style>
-            <a:lnRef idx="2">
-              <a:schemeClr val="lt1">
-                <a:hueOff val="0"/>
-                <a:satOff val="0"/>
-                <a:lumOff val="0"/>
-                <a:alphaOff val="0"/>
-              </a:schemeClr>
-            </a:lnRef>
-            <a:fillRef idx="1">
-              <a:schemeClr val="accent1">
-                <a:hueOff val="0"/>
-                <a:satOff val="0"/>
-                <a:lumOff val="0"/>
-                <a:alphaOff val="0"/>
-              </a:schemeClr>
-            </a:fillRef>
-            <a:effectRef idx="0">
-              <a:schemeClr val="accent1">
-                <a:hueOff val="0"/>
-                <a:satOff val="0"/>
-                <a:lumOff val="0"/>
-                <a:alphaOff val="0"/>
-              </a:schemeClr>
-            </a:effectRef>
-            <a:fontRef idx="minor">
-              <a:schemeClr val="lt1"/>
-            </a:fontRef>
-          </p:style>
-          <p:txBody>
-            <a:bodyPr spcFirstLastPara="0" vert="horz" wrap="square" lIns="114585" tIns="10087" rIns="114585" bIns="10087" numCol="1" spcCol="1270" anchor="ctr" anchorCtr="0">
-              <a:noAutofit/>
-            </a:bodyPr>
-            <a:lstStyle/>
-            <a:p>
-              <a:pPr lvl="0" algn="l" defTabSz="533400">
-                <a:lnSpc>
-                  <a:spcPct val="90000"/>
-                </a:lnSpc>
-                <a:spcBef>
-                  <a:spcPct val="0"/>
-                </a:spcBef>
-                <a:spcAft>
-                  <a:spcPct val="35000"/>
-                </a:spcAft>
-              </a:pPr>
-              <a:r>
-                <a:rPr lang="en-US" sz="1200" b="0" kern="1200" dirty="0">
-                  <a:ln>
-                    <a:noFill/>
-                  </a:ln>
-                  <a:solidFill>
-                    <a:sysClr val="windowText" lastClr="000000"/>
-                  </a:solidFill>
-                </a:rPr>
-                <a:t>TIMER</a:t>
-              </a:r>
-            </a:p>
-          </p:txBody>
-        </p:sp>
-        <p:sp>
-          <p:nvSpPr>
-            <p:cNvPr id="23" name="Rectangle 22">
-              <a:extLst>
-                <a:ext uri="{FF2B5EF4-FFF2-40B4-BE49-F238E27FC236}">
-                  <a16:creationId xmlns:a16="http://schemas.microsoft.com/office/drawing/2014/main" id="{726082C7-59CC-4249-A1F3-8EA86CCACCB3}"/>
-                </a:ext>
-              </a:extLst>
-            </p:cNvPr>
-            <p:cNvSpPr/>
-            <p:nvPr/>
-          </p:nvSpPr>
-          <p:spPr>
-            <a:xfrm>
-              <a:off x="7555442" y="1150125"/>
-              <a:ext cx="3006552" cy="176400"/>
-            </a:xfrm>
-            <a:prstGeom prst="rect">
-              <a:avLst/>
-            </a:prstGeom>
-            <a:noFill/>
-            <a:ln>
-              <a:solidFill>
-                <a:srgbClr val="0070C0"/>
-              </a:solidFill>
-            </a:ln>
-          </p:spPr>
-          <p:style>
-            <a:lnRef idx="2">
-              <a:schemeClr val="accent1">
-                <a:hueOff val="0"/>
-                <a:satOff val="0"/>
-                <a:lumOff val="0"/>
-                <a:alphaOff val="0"/>
-              </a:schemeClr>
-            </a:lnRef>
-            <a:fillRef idx="1">
-              <a:schemeClr val="lt1">
-                <a:alpha val="90000"/>
-                <a:hueOff val="0"/>
-                <a:satOff val="0"/>
-                <a:lumOff val="0"/>
-                <a:alphaOff val="0"/>
-              </a:schemeClr>
-            </a:fillRef>
-            <a:effectRef idx="0">
-              <a:schemeClr val="lt1">
-                <a:alpha val="90000"/>
-                <a:hueOff val="0"/>
-                <a:satOff val="0"/>
-                <a:lumOff val="0"/>
-                <a:alphaOff val="0"/>
-              </a:schemeClr>
-            </a:effectRef>
-            <a:fontRef idx="minor">
-              <a:schemeClr val="dk1">
-                <a:hueOff val="0"/>
-                <a:satOff val="0"/>
-                <a:lumOff val="0"/>
-                <a:alphaOff val="0"/>
-              </a:schemeClr>
-            </a:fontRef>
-          </p:style>
-        </p:sp>
-        <p:sp>
-          <p:nvSpPr>
-            <p:cNvPr id="24" name="Freeform 11">
-              <a:hlinkClick r:id="rId7" action="ppaction://hlinksldjump"/>
-              <a:extLst>
-                <a:ext uri="{FF2B5EF4-FFF2-40B4-BE49-F238E27FC236}">
-                  <a16:creationId xmlns:a16="http://schemas.microsoft.com/office/drawing/2014/main" id="{B2540A37-4FC8-4A50-B643-F91EAC988C1D}"/>
-                </a:ext>
-              </a:extLst>
-            </p:cNvPr>
-            <p:cNvSpPr/>
-            <p:nvPr/>
-          </p:nvSpPr>
-          <p:spPr>
-            <a:xfrm>
-              <a:off x="7601731" y="1046805"/>
-              <a:ext cx="2764682" cy="206640"/>
-            </a:xfrm>
-            <a:custGeom>
-              <a:avLst/>
-              <a:gdLst>
-                <a:gd name="connsiteX0" fmla="*/ 0 w 2764682"/>
-                <a:gd name="connsiteY0" fmla="*/ 34441 h 206640"/>
-                <a:gd name="connsiteX1" fmla="*/ 34441 w 2764682"/>
-                <a:gd name="connsiteY1" fmla="*/ 0 h 206640"/>
-                <a:gd name="connsiteX2" fmla="*/ 2730241 w 2764682"/>
-                <a:gd name="connsiteY2" fmla="*/ 0 h 206640"/>
-                <a:gd name="connsiteX3" fmla="*/ 2764682 w 2764682"/>
-                <a:gd name="connsiteY3" fmla="*/ 34441 h 206640"/>
-                <a:gd name="connsiteX4" fmla="*/ 2764682 w 2764682"/>
-                <a:gd name="connsiteY4" fmla="*/ 172199 h 206640"/>
-                <a:gd name="connsiteX5" fmla="*/ 2730241 w 2764682"/>
-                <a:gd name="connsiteY5" fmla="*/ 206640 h 206640"/>
-                <a:gd name="connsiteX6" fmla="*/ 34441 w 2764682"/>
-                <a:gd name="connsiteY6" fmla="*/ 206640 h 206640"/>
-                <a:gd name="connsiteX7" fmla="*/ 0 w 2764682"/>
-                <a:gd name="connsiteY7" fmla="*/ 172199 h 206640"/>
-                <a:gd name="connsiteX8" fmla="*/ 0 w 2764682"/>
-                <a:gd name="connsiteY8" fmla="*/ 34441 h 206640"/>
-              </a:gdLst>
-              <a:ahLst/>
-              <a:cxnLst>
-                <a:cxn ang="0">
-                  <a:pos x="connsiteX0" y="connsiteY0"/>
-                </a:cxn>
-                <a:cxn ang="0">
-                  <a:pos x="connsiteX1" y="connsiteY1"/>
-                </a:cxn>
-                <a:cxn ang="0">
-                  <a:pos x="connsiteX2" y="connsiteY2"/>
-                </a:cxn>
-                <a:cxn ang="0">
-                  <a:pos x="connsiteX3" y="connsiteY3"/>
-                </a:cxn>
-                <a:cxn ang="0">
-                  <a:pos x="connsiteX4" y="connsiteY4"/>
-                </a:cxn>
-                <a:cxn ang="0">
-                  <a:pos x="connsiteX5" y="connsiteY5"/>
-                </a:cxn>
-                <a:cxn ang="0">
-                  <a:pos x="connsiteX6" y="connsiteY6"/>
-                </a:cxn>
-                <a:cxn ang="0">
-                  <a:pos x="connsiteX7" y="connsiteY7"/>
-                </a:cxn>
-                <a:cxn ang="0">
-                  <a:pos x="connsiteX8" y="connsiteY8"/>
-                </a:cxn>
-              </a:cxnLst>
-              <a:rect l="l" t="t" r="r" b="b"/>
-              <a:pathLst>
-                <a:path w="2764682" h="206640">
-                  <a:moveTo>
-                    <a:pt x="0" y="34441"/>
-                  </a:moveTo>
-                  <a:cubicBezTo>
-                    <a:pt x="0" y="15420"/>
-                    <a:pt x="15420" y="0"/>
-                    <a:pt x="34441" y="0"/>
-                  </a:cubicBezTo>
-                  <a:lnTo>
-                    <a:pt x="2730241" y="0"/>
-                  </a:lnTo>
-                  <a:cubicBezTo>
-                    <a:pt x="2749262" y="0"/>
-                    <a:pt x="2764682" y="15420"/>
-                    <a:pt x="2764682" y="34441"/>
-                  </a:cubicBezTo>
-                  <a:lnTo>
-                    <a:pt x="2764682" y="172199"/>
-                  </a:lnTo>
-                  <a:cubicBezTo>
-                    <a:pt x="2764682" y="191220"/>
-                    <a:pt x="2749262" y="206640"/>
-                    <a:pt x="2730241" y="206640"/>
-                  </a:cubicBezTo>
-                  <a:lnTo>
-                    <a:pt x="34441" y="206640"/>
-                  </a:lnTo>
-                  <a:cubicBezTo>
-                    <a:pt x="15420" y="206640"/>
-                    <a:pt x="0" y="191220"/>
-                    <a:pt x="0" y="172199"/>
-                  </a:cubicBezTo>
-                  <a:lnTo>
-                    <a:pt x="0" y="34441"/>
-                  </a:lnTo>
-                  <a:close/>
-                </a:path>
-              </a:pathLst>
-            </a:custGeom>
-            <a:solidFill>
-              <a:schemeClr val="accent1"/>
-            </a:solidFill>
-          </p:spPr>
-          <p:style>
-            <a:lnRef idx="2">
-              <a:schemeClr val="lt1">
-                <a:hueOff val="0"/>
-                <a:satOff val="0"/>
-                <a:lumOff val="0"/>
-                <a:alphaOff val="0"/>
-              </a:schemeClr>
-            </a:lnRef>
-            <a:fillRef idx="1">
-              <a:schemeClr val="accent1">
-                <a:hueOff val="0"/>
-                <a:satOff val="0"/>
-                <a:lumOff val="0"/>
-                <a:alphaOff val="0"/>
-              </a:schemeClr>
-            </a:fillRef>
-            <a:effectRef idx="0">
-              <a:schemeClr val="accent1">
-                <a:hueOff val="0"/>
-                <a:satOff val="0"/>
-                <a:lumOff val="0"/>
-                <a:alphaOff val="0"/>
-              </a:schemeClr>
-            </a:effectRef>
-            <a:fontRef idx="minor">
-              <a:schemeClr val="lt1"/>
-            </a:fontRef>
-          </p:style>
-          <p:txBody>
-            <a:bodyPr spcFirstLastPara="0" vert="horz" wrap="square" lIns="114585" tIns="10087" rIns="114585" bIns="10087" numCol="1" spcCol="1270" anchor="ctr" anchorCtr="0">
-              <a:noAutofit/>
-            </a:bodyPr>
-            <a:lstStyle/>
-            <a:p>
-              <a:pPr lvl="0" algn="l" defTabSz="533400">
-                <a:lnSpc>
-                  <a:spcPct val="90000"/>
-                </a:lnSpc>
-                <a:spcBef>
-                  <a:spcPct val="0"/>
-                </a:spcBef>
-                <a:spcAft>
-                  <a:spcPct val="35000"/>
-                </a:spcAft>
-              </a:pPr>
-              <a:r>
-                <a:rPr lang="en-US" sz="1200" kern="1200" dirty="0">
-                  <a:ln>
-                    <a:noFill/>
-                  </a:ln>
-                  <a:solidFill>
-                    <a:sysClr val="windowText" lastClr="000000"/>
-                  </a:solidFill>
-                </a:rPr>
-                <a:t>COUNTER</a:t>
-              </a:r>
-            </a:p>
-          </p:txBody>
-        </p:sp>
-      </p:grpSp>
-    </p:spTree>
-    <p:extLst>
-      <p:ext uri="{BB962C8B-B14F-4D97-AF65-F5344CB8AC3E}">
-        <p14:creationId xmlns:p14="http://schemas.microsoft.com/office/powerpoint/2010/main" val="3460536626"/>
-      </p:ext>
-    </p:extLst>
-  </p:cSld>
-  <p:clrMapOvr>
-    <a:masterClrMapping/>
-  </p:clrMapOvr>
-  <p:transition spd="slow">
-    <p:push dir="u"/>
-  </p:transition>
-</p:sld>
-</file>
-
-<file path=ppt/slides/slide6.xml><?xml version="1.0" encoding="utf-8"?>
-<p:sld xmlns:a="http://schemas.openxmlformats.org/drawingml/2006/main" xmlns:r="http://schemas.openxmlformats.org/officeDocument/2006/relationships" xmlns:p="http://schemas.openxmlformats.org/presentationml/2006/main">
-  <p:cSld>
-    <p:spTree>
-      <p:nvGrpSpPr>
-        <p:cNvPr id="1" name=""/>
-        <p:cNvGrpSpPr/>
-        <p:nvPr/>
-      </p:nvGrpSpPr>
-      <p:grpSpPr>
-        <a:xfrm>
-          <a:off x="0" y="0"/>
-          <a:ext cx="0" cy="0"/>
-          <a:chOff x="0" y="0"/>
-          <a:chExt cx="0" cy="0"/>
-        </a:xfrm>
-      </p:grpSpPr>
-      <p:sp>
-        <p:nvSpPr>
-          <p:cNvPr id="2" name="Title 1"/>
-          <p:cNvSpPr>
-            <a:spLocks noGrp="1"/>
-          </p:cNvSpPr>
-          <p:nvPr>
-            <p:ph type="title"/>
-          </p:nvPr>
-        </p:nvSpPr>
-        <p:spPr/>
-        <p:txBody>
-          <a:bodyPr/>
-          <a:lstStyle/>
-          <a:p>
-            <a:r>
-              <a:rPr lang="en-US" dirty="0"/>
-              <a:t>TIMER</a:t>
-            </a:r>
-            <a:br>
-              <a:rPr lang="en-US" dirty="0"/>
-            </a:br>
-            <a:r>
-              <a:rPr lang="en-US" sz="2800" dirty="0"/>
-              <a:t>1. TIMER 0/1</a:t>
-            </a:r>
-          </a:p>
-        </p:txBody>
-      </p:sp>
-      <p:sp>
-        <p:nvSpPr>
-          <p:cNvPr id="3" name="Content Placeholder 2"/>
-          <p:cNvSpPr>
-            <a:spLocks noGrp="1"/>
-          </p:cNvSpPr>
-          <p:nvPr>
-            <p:ph idx="1"/>
-          </p:nvPr>
-        </p:nvSpPr>
-        <p:spPr/>
-        <p:txBody>
-          <a:bodyPr>
-            <a:normAutofit/>
-          </a:bodyPr>
-          <a:lstStyle/>
-          <a:p>
-            <a:pPr marL="0" indent="0">
-              <a:buNone/>
-            </a:pPr>
-            <a:endParaRPr lang="en-US" dirty="0"/>
-          </a:p>
-        </p:txBody>
-      </p:sp>
-      <p:grpSp>
-        <p:nvGrpSpPr>
-          <p:cNvPr id="15" name="Group 14">
-            <a:extLst>
-              <a:ext uri="{FF2B5EF4-FFF2-40B4-BE49-F238E27FC236}">
-                <a16:creationId xmlns:a16="http://schemas.microsoft.com/office/drawing/2014/main" id="{985BFA05-6B38-4E60-916B-0CFF583BA979}"/>
-              </a:ext>
-            </a:extLst>
-          </p:cNvPr>
-          <p:cNvGrpSpPr/>
-          <p:nvPr/>
-        </p:nvGrpSpPr>
-        <p:grpSpPr>
-          <a:xfrm>
-            <a:off x="8362950" y="570526"/>
-            <a:ext cx="2819400" cy="914760"/>
-            <a:chOff x="7555442" y="411765"/>
-            <a:chExt cx="3006552" cy="914760"/>
-          </a:xfrm>
-        </p:grpSpPr>
-        <p:sp>
-          <p:nvSpPr>
-            <p:cNvPr id="16" name="Rectangle 15">
-              <a:extLst>
-                <a:ext uri="{FF2B5EF4-FFF2-40B4-BE49-F238E27FC236}">
-                  <a16:creationId xmlns:a16="http://schemas.microsoft.com/office/drawing/2014/main" id="{B5C24B6E-A5EB-4F81-A6BB-A5F8C685EB82}"/>
-                </a:ext>
-              </a:extLst>
-            </p:cNvPr>
-            <p:cNvSpPr/>
-            <p:nvPr/>
-          </p:nvSpPr>
-          <p:spPr>
-            <a:xfrm>
-              <a:off x="7555442" y="515085"/>
-              <a:ext cx="3006552" cy="176400"/>
-            </a:xfrm>
-            <a:prstGeom prst="rect">
-              <a:avLst/>
-            </a:prstGeom>
-            <a:noFill/>
-            <a:ln>
-              <a:solidFill>
-                <a:srgbClr val="0070C0"/>
-              </a:solidFill>
-            </a:ln>
-          </p:spPr>
-          <p:style>
-            <a:lnRef idx="2">
-              <a:schemeClr val="accent1">
-                <a:hueOff val="0"/>
-                <a:satOff val="0"/>
-                <a:lumOff val="0"/>
-                <a:alphaOff val="0"/>
-              </a:schemeClr>
-            </a:lnRef>
-            <a:fillRef idx="1">
-              <a:schemeClr val="lt1">
-                <a:alpha val="90000"/>
-                <a:hueOff val="0"/>
-                <a:satOff val="0"/>
-                <a:lumOff val="0"/>
-                <a:alphaOff val="0"/>
-              </a:schemeClr>
-            </a:fillRef>
-            <a:effectRef idx="0">
-              <a:schemeClr val="lt1">
-                <a:alpha val="90000"/>
-                <a:hueOff val="0"/>
-                <a:satOff val="0"/>
-                <a:lumOff val="0"/>
-                <a:alphaOff val="0"/>
-              </a:schemeClr>
-            </a:effectRef>
-            <a:fontRef idx="minor">
-              <a:schemeClr val="dk1">
-                <a:hueOff val="0"/>
-                <a:satOff val="0"/>
-                <a:lumOff val="0"/>
-                <a:alphaOff val="0"/>
-              </a:schemeClr>
-            </a:fontRef>
-          </p:style>
-        </p:sp>
-        <p:sp>
-          <p:nvSpPr>
-            <p:cNvPr id="17" name="Freeform 7">
-              <a:hlinkClick r:id="rId2" action="ppaction://hlinksldjump"/>
-              <a:extLst>
-                <a:ext uri="{FF2B5EF4-FFF2-40B4-BE49-F238E27FC236}">
-                  <a16:creationId xmlns:a16="http://schemas.microsoft.com/office/drawing/2014/main" id="{8070CAFC-D3C5-40F7-80CA-2FF842D81553}"/>
-                </a:ext>
-              </a:extLst>
-            </p:cNvPr>
-            <p:cNvSpPr/>
-            <p:nvPr/>
-          </p:nvSpPr>
-          <p:spPr>
-            <a:xfrm>
-              <a:off x="7601731" y="411765"/>
-              <a:ext cx="2764682" cy="206640"/>
-            </a:xfrm>
-            <a:custGeom>
-              <a:avLst/>
-              <a:gdLst>
-                <a:gd name="connsiteX0" fmla="*/ 0 w 2764682"/>
-                <a:gd name="connsiteY0" fmla="*/ 34441 h 206640"/>
-                <a:gd name="connsiteX1" fmla="*/ 34441 w 2764682"/>
-                <a:gd name="connsiteY1" fmla="*/ 0 h 206640"/>
-                <a:gd name="connsiteX2" fmla="*/ 2730241 w 2764682"/>
-                <a:gd name="connsiteY2" fmla="*/ 0 h 206640"/>
-                <a:gd name="connsiteX3" fmla="*/ 2764682 w 2764682"/>
-                <a:gd name="connsiteY3" fmla="*/ 34441 h 206640"/>
-                <a:gd name="connsiteX4" fmla="*/ 2764682 w 2764682"/>
-                <a:gd name="connsiteY4" fmla="*/ 172199 h 206640"/>
-                <a:gd name="connsiteX5" fmla="*/ 2730241 w 2764682"/>
-                <a:gd name="connsiteY5" fmla="*/ 206640 h 206640"/>
-                <a:gd name="connsiteX6" fmla="*/ 34441 w 2764682"/>
-                <a:gd name="connsiteY6" fmla="*/ 206640 h 206640"/>
-                <a:gd name="connsiteX7" fmla="*/ 0 w 2764682"/>
-                <a:gd name="connsiteY7" fmla="*/ 172199 h 206640"/>
-                <a:gd name="connsiteX8" fmla="*/ 0 w 2764682"/>
-                <a:gd name="connsiteY8" fmla="*/ 34441 h 206640"/>
-              </a:gdLst>
-              <a:ahLst/>
-              <a:cxnLst>
-                <a:cxn ang="0">
-                  <a:pos x="connsiteX0" y="connsiteY0"/>
-                </a:cxn>
-                <a:cxn ang="0">
-                  <a:pos x="connsiteX1" y="connsiteY1"/>
-                </a:cxn>
-                <a:cxn ang="0">
-                  <a:pos x="connsiteX2" y="connsiteY2"/>
-                </a:cxn>
-                <a:cxn ang="0">
-                  <a:pos x="connsiteX3" y="connsiteY3"/>
-                </a:cxn>
-                <a:cxn ang="0">
-                  <a:pos x="connsiteX4" y="connsiteY4"/>
-                </a:cxn>
-                <a:cxn ang="0">
-                  <a:pos x="connsiteX5" y="connsiteY5"/>
-                </a:cxn>
-                <a:cxn ang="0">
-                  <a:pos x="connsiteX6" y="connsiteY6"/>
-                </a:cxn>
-                <a:cxn ang="0">
-                  <a:pos x="connsiteX7" y="connsiteY7"/>
-                </a:cxn>
-                <a:cxn ang="0">
-                  <a:pos x="connsiteX8" y="connsiteY8"/>
-                </a:cxn>
-              </a:cxnLst>
-              <a:rect l="l" t="t" r="r" b="b"/>
-              <a:pathLst>
-                <a:path w="2764682" h="206640">
-                  <a:moveTo>
-                    <a:pt x="0" y="34441"/>
-                  </a:moveTo>
-                  <a:cubicBezTo>
-                    <a:pt x="0" y="15420"/>
-                    <a:pt x="15420" y="0"/>
-                    <a:pt x="34441" y="0"/>
-                  </a:cubicBezTo>
-                  <a:lnTo>
-                    <a:pt x="2730241" y="0"/>
-                  </a:lnTo>
-                  <a:cubicBezTo>
-                    <a:pt x="2749262" y="0"/>
-                    <a:pt x="2764682" y="15420"/>
-                    <a:pt x="2764682" y="34441"/>
-                  </a:cubicBezTo>
-                  <a:lnTo>
-                    <a:pt x="2764682" y="172199"/>
-                  </a:lnTo>
-                  <a:cubicBezTo>
-                    <a:pt x="2764682" y="191220"/>
-                    <a:pt x="2749262" y="206640"/>
-                    <a:pt x="2730241" y="206640"/>
-                  </a:cubicBezTo>
-                  <a:lnTo>
-                    <a:pt x="34441" y="206640"/>
-                  </a:lnTo>
-                  <a:cubicBezTo>
-                    <a:pt x="15420" y="206640"/>
-                    <a:pt x="0" y="191220"/>
-                    <a:pt x="0" y="172199"/>
-                  </a:cubicBezTo>
-                  <a:lnTo>
-                    <a:pt x="0" y="34441"/>
-                  </a:lnTo>
-                  <a:close/>
-                </a:path>
-              </a:pathLst>
-            </a:custGeom>
-            <a:solidFill>
-              <a:schemeClr val="accent1"/>
-            </a:solidFill>
-          </p:spPr>
-          <p:style>
-            <a:lnRef idx="2">
-              <a:schemeClr val="lt1">
-                <a:hueOff val="0"/>
-                <a:satOff val="0"/>
-                <a:lumOff val="0"/>
-                <a:alphaOff val="0"/>
-              </a:schemeClr>
-            </a:lnRef>
-            <a:fillRef idx="1">
-              <a:scrgbClr r="0" g="0" b="0"/>
-            </a:fillRef>
-            <a:effectRef idx="0">
-              <a:schemeClr val="accent1">
-                <a:hueOff val="0"/>
-                <a:satOff val="0"/>
-                <a:lumOff val="0"/>
-                <a:alphaOff val="0"/>
-              </a:schemeClr>
-            </a:effectRef>
-            <a:fontRef idx="minor">
-              <a:schemeClr val="lt1"/>
-            </a:fontRef>
-          </p:style>
-          <p:txBody>
-            <a:bodyPr spcFirstLastPara="0" vert="horz" wrap="square" lIns="114585" tIns="10087" rIns="114585" bIns="10087" numCol="1" spcCol="1270" anchor="ctr" anchorCtr="0">
-              <a:noAutofit/>
-            </a:bodyPr>
-            <a:lstStyle/>
-            <a:p>
-              <a:pPr lvl="0" algn="l" defTabSz="533400">
-                <a:lnSpc>
-                  <a:spcPct val="90000"/>
-                </a:lnSpc>
-                <a:spcBef>
-                  <a:spcPct val="0"/>
-                </a:spcBef>
-                <a:spcAft>
-                  <a:spcPct val="35000"/>
-                </a:spcAft>
-              </a:pPr>
-              <a:r>
-                <a:rPr lang="en-US" sz="1200" kern="1200" dirty="0">
-                  <a:ln>
-                    <a:noFill/>
-                  </a:ln>
-                  <a:solidFill>
-                    <a:sysClr val="windowText" lastClr="000000"/>
-                  </a:solidFill>
-                </a:rPr>
-                <a:t>GIỚI THIỆU CHUNG</a:t>
-              </a:r>
-            </a:p>
-          </p:txBody>
-        </p:sp>
-        <p:sp>
-          <p:nvSpPr>
-            <p:cNvPr id="18" name="Rectangle 17">
-              <a:extLst>
-                <a:ext uri="{FF2B5EF4-FFF2-40B4-BE49-F238E27FC236}">
-                  <a16:creationId xmlns:a16="http://schemas.microsoft.com/office/drawing/2014/main" id="{52274D0B-503F-4224-852A-B7B0CEFF21E6}"/>
-                </a:ext>
-              </a:extLst>
-            </p:cNvPr>
-            <p:cNvSpPr/>
-            <p:nvPr/>
-          </p:nvSpPr>
-          <p:spPr>
-            <a:xfrm>
-              <a:off x="7555442" y="832605"/>
-              <a:ext cx="3006552" cy="176400"/>
-            </a:xfrm>
-            <a:prstGeom prst="rect">
-              <a:avLst/>
-            </a:prstGeom>
-            <a:noFill/>
-            <a:ln>
-              <a:solidFill>
-                <a:srgbClr val="0070C0"/>
-              </a:solidFill>
-            </a:ln>
-          </p:spPr>
-          <p:style>
-            <a:lnRef idx="2">
-              <a:schemeClr val="accent1">
-                <a:hueOff val="0"/>
-                <a:satOff val="0"/>
-                <a:lumOff val="0"/>
-                <a:alphaOff val="0"/>
-              </a:schemeClr>
-            </a:lnRef>
-            <a:fillRef idx="1">
-              <a:schemeClr val="lt1">
-                <a:alpha val="90000"/>
-                <a:hueOff val="0"/>
-                <a:satOff val="0"/>
-                <a:lumOff val="0"/>
-                <a:alphaOff val="0"/>
-              </a:schemeClr>
-            </a:fillRef>
-            <a:effectRef idx="0">
-              <a:schemeClr val="lt1">
-                <a:alpha val="90000"/>
-                <a:hueOff val="0"/>
-                <a:satOff val="0"/>
-                <a:lumOff val="0"/>
-                <a:alphaOff val="0"/>
-              </a:schemeClr>
-            </a:effectRef>
-            <a:fontRef idx="minor">
-              <a:schemeClr val="dk1">
-                <a:hueOff val="0"/>
-                <a:satOff val="0"/>
-                <a:lumOff val="0"/>
-                <a:alphaOff val="0"/>
-              </a:schemeClr>
-            </a:fontRef>
-          </p:style>
-        </p:sp>
-        <p:sp>
-          <p:nvSpPr>
-            <p:cNvPr id="19" name="Freeform 9">
               <a:hlinkClick r:id="rId3" action="ppaction://hlinksldjump"/>
               <a:extLst>
                 <a:ext uri="{FF2B5EF4-FFF2-40B4-BE49-F238E27FC236}">
-                  <a16:creationId xmlns:a16="http://schemas.microsoft.com/office/drawing/2014/main" id="{9DA59B5A-4E02-4FA0-BD6C-70EC23A1CE71}"/>
+                  <a16:creationId xmlns:a16="http://schemas.microsoft.com/office/drawing/2014/main" id="{C65D070B-218D-4DA1-A679-31F376A92CA0}"/>
                 </a:ext>
               </a:extLst>
             </p:cNvPr>
@@ -10831,251 +7631,11 @@
             </a:p>
           </p:txBody>
         </p:sp>
-        <p:sp>
-          <p:nvSpPr>
-            <p:cNvPr id="20" name="Rectangle 19">
-              <a:extLst>
-                <a:ext uri="{FF2B5EF4-FFF2-40B4-BE49-F238E27FC236}">
-                  <a16:creationId xmlns:a16="http://schemas.microsoft.com/office/drawing/2014/main" id="{067ED2F8-7585-46DA-A749-4F7B6BE78F0F}"/>
-                </a:ext>
-              </a:extLst>
-            </p:cNvPr>
-            <p:cNvSpPr/>
-            <p:nvPr/>
-          </p:nvSpPr>
-          <p:spPr>
-            <a:xfrm>
-              <a:off x="7555442" y="1150125"/>
-              <a:ext cx="3006552" cy="176400"/>
-            </a:xfrm>
-            <a:prstGeom prst="rect">
-              <a:avLst/>
-            </a:prstGeom>
-            <a:noFill/>
-            <a:ln>
-              <a:solidFill>
-                <a:srgbClr val="0070C0"/>
-              </a:solidFill>
-            </a:ln>
-          </p:spPr>
-          <p:style>
-            <a:lnRef idx="2">
-              <a:schemeClr val="accent1">
-                <a:hueOff val="0"/>
-                <a:satOff val="0"/>
-                <a:lumOff val="0"/>
-                <a:alphaOff val="0"/>
-              </a:schemeClr>
-            </a:lnRef>
-            <a:fillRef idx="1">
-              <a:schemeClr val="lt1">
-                <a:alpha val="90000"/>
-                <a:hueOff val="0"/>
-                <a:satOff val="0"/>
-                <a:lumOff val="0"/>
-                <a:alphaOff val="0"/>
-              </a:schemeClr>
-            </a:fillRef>
-            <a:effectRef idx="0">
-              <a:schemeClr val="lt1">
-                <a:alpha val="90000"/>
-                <a:hueOff val="0"/>
-                <a:satOff val="0"/>
-                <a:lumOff val="0"/>
-                <a:alphaOff val="0"/>
-              </a:schemeClr>
-            </a:effectRef>
-            <a:fontRef idx="minor">
-              <a:schemeClr val="dk1">
-                <a:hueOff val="0"/>
-                <a:satOff val="0"/>
-                <a:lumOff val="0"/>
-                <a:alphaOff val="0"/>
-              </a:schemeClr>
-            </a:fontRef>
-          </p:style>
-        </p:sp>
-        <p:sp>
-          <p:nvSpPr>
-            <p:cNvPr id="21" name="Freeform 11">
-              <a:hlinkClick r:id="rId3" action="ppaction://hlinksldjump"/>
-              <a:extLst>
-                <a:ext uri="{FF2B5EF4-FFF2-40B4-BE49-F238E27FC236}">
-                  <a16:creationId xmlns:a16="http://schemas.microsoft.com/office/drawing/2014/main" id="{E416CC0B-CBA4-4520-8667-39F6AD8140C1}"/>
-                </a:ext>
-              </a:extLst>
-            </p:cNvPr>
-            <p:cNvSpPr/>
-            <p:nvPr/>
-          </p:nvSpPr>
-          <p:spPr>
-            <a:xfrm>
-              <a:off x="7601731" y="1046805"/>
-              <a:ext cx="2764682" cy="206640"/>
-            </a:xfrm>
-            <a:custGeom>
-              <a:avLst/>
-              <a:gdLst>
-                <a:gd name="connsiteX0" fmla="*/ 0 w 2764682"/>
-                <a:gd name="connsiteY0" fmla="*/ 34441 h 206640"/>
-                <a:gd name="connsiteX1" fmla="*/ 34441 w 2764682"/>
-                <a:gd name="connsiteY1" fmla="*/ 0 h 206640"/>
-                <a:gd name="connsiteX2" fmla="*/ 2730241 w 2764682"/>
-                <a:gd name="connsiteY2" fmla="*/ 0 h 206640"/>
-                <a:gd name="connsiteX3" fmla="*/ 2764682 w 2764682"/>
-                <a:gd name="connsiteY3" fmla="*/ 34441 h 206640"/>
-                <a:gd name="connsiteX4" fmla="*/ 2764682 w 2764682"/>
-                <a:gd name="connsiteY4" fmla="*/ 172199 h 206640"/>
-                <a:gd name="connsiteX5" fmla="*/ 2730241 w 2764682"/>
-                <a:gd name="connsiteY5" fmla="*/ 206640 h 206640"/>
-                <a:gd name="connsiteX6" fmla="*/ 34441 w 2764682"/>
-                <a:gd name="connsiteY6" fmla="*/ 206640 h 206640"/>
-                <a:gd name="connsiteX7" fmla="*/ 0 w 2764682"/>
-                <a:gd name="connsiteY7" fmla="*/ 172199 h 206640"/>
-                <a:gd name="connsiteX8" fmla="*/ 0 w 2764682"/>
-                <a:gd name="connsiteY8" fmla="*/ 34441 h 206640"/>
-              </a:gdLst>
-              <a:ahLst/>
-              <a:cxnLst>
-                <a:cxn ang="0">
-                  <a:pos x="connsiteX0" y="connsiteY0"/>
-                </a:cxn>
-                <a:cxn ang="0">
-                  <a:pos x="connsiteX1" y="connsiteY1"/>
-                </a:cxn>
-                <a:cxn ang="0">
-                  <a:pos x="connsiteX2" y="connsiteY2"/>
-                </a:cxn>
-                <a:cxn ang="0">
-                  <a:pos x="connsiteX3" y="connsiteY3"/>
-                </a:cxn>
-                <a:cxn ang="0">
-                  <a:pos x="connsiteX4" y="connsiteY4"/>
-                </a:cxn>
-                <a:cxn ang="0">
-                  <a:pos x="connsiteX5" y="connsiteY5"/>
-                </a:cxn>
-                <a:cxn ang="0">
-                  <a:pos x="connsiteX6" y="connsiteY6"/>
-                </a:cxn>
-                <a:cxn ang="0">
-                  <a:pos x="connsiteX7" y="connsiteY7"/>
-                </a:cxn>
-                <a:cxn ang="0">
-                  <a:pos x="connsiteX8" y="connsiteY8"/>
-                </a:cxn>
-              </a:cxnLst>
-              <a:rect l="l" t="t" r="r" b="b"/>
-              <a:pathLst>
-                <a:path w="2764682" h="206640">
-                  <a:moveTo>
-                    <a:pt x="0" y="34441"/>
-                  </a:moveTo>
-                  <a:cubicBezTo>
-                    <a:pt x="0" y="15420"/>
-                    <a:pt x="15420" y="0"/>
-                    <a:pt x="34441" y="0"/>
-                  </a:cubicBezTo>
-                  <a:lnTo>
-                    <a:pt x="2730241" y="0"/>
-                  </a:lnTo>
-                  <a:cubicBezTo>
-                    <a:pt x="2749262" y="0"/>
-                    <a:pt x="2764682" y="15420"/>
-                    <a:pt x="2764682" y="34441"/>
-                  </a:cubicBezTo>
-                  <a:lnTo>
-                    <a:pt x="2764682" y="172199"/>
-                  </a:lnTo>
-                  <a:cubicBezTo>
-                    <a:pt x="2764682" y="191220"/>
-                    <a:pt x="2749262" y="206640"/>
-                    <a:pt x="2730241" y="206640"/>
-                  </a:cubicBezTo>
-                  <a:lnTo>
-                    <a:pt x="34441" y="206640"/>
-                  </a:lnTo>
-                  <a:cubicBezTo>
-                    <a:pt x="15420" y="206640"/>
-                    <a:pt x="0" y="191220"/>
-                    <a:pt x="0" y="172199"/>
-                  </a:cubicBezTo>
-                  <a:lnTo>
-                    <a:pt x="0" y="34441"/>
-                  </a:lnTo>
-                  <a:close/>
-                </a:path>
-              </a:pathLst>
-            </a:custGeom>
-            <a:solidFill>
-              <a:schemeClr val="accent1"/>
-            </a:solidFill>
-          </p:spPr>
-          <p:style>
-            <a:lnRef idx="2">
-              <a:schemeClr val="lt1">
-                <a:hueOff val="0"/>
-                <a:satOff val="0"/>
-                <a:lumOff val="0"/>
-                <a:alphaOff val="0"/>
-              </a:schemeClr>
-            </a:lnRef>
-            <a:fillRef idx="1">
-              <a:schemeClr val="accent1">
-                <a:hueOff val="0"/>
-                <a:satOff val="0"/>
-                <a:lumOff val="0"/>
-                <a:alphaOff val="0"/>
-              </a:schemeClr>
-            </a:fillRef>
-            <a:effectRef idx="0">
-              <a:schemeClr val="accent1">
-                <a:hueOff val="0"/>
-                <a:satOff val="0"/>
-                <a:lumOff val="0"/>
-                <a:alphaOff val="0"/>
-              </a:schemeClr>
-            </a:effectRef>
-            <a:fontRef idx="minor">
-              <a:schemeClr val="lt1"/>
-            </a:fontRef>
-          </p:style>
-          <p:txBody>
-            <a:bodyPr spcFirstLastPara="0" vert="horz" wrap="square" lIns="114585" tIns="10087" rIns="114585" bIns="10087" numCol="1" spcCol="1270" anchor="ctr" anchorCtr="0">
-              <a:noAutofit/>
-            </a:bodyPr>
-            <a:lstStyle/>
-            <a:p>
-              <a:pPr lvl="0" algn="l" defTabSz="533400">
-                <a:lnSpc>
-                  <a:spcPct val="90000"/>
-                </a:lnSpc>
-                <a:spcBef>
-                  <a:spcPct val="0"/>
-                </a:spcBef>
-                <a:spcAft>
-                  <a:spcPct val="35000"/>
-                </a:spcAft>
-              </a:pPr>
-              <a:r>
-                <a:rPr lang="en-US" sz="1200" kern="1200" dirty="0">
-                  <a:ln>
-                    <a:noFill/>
-                  </a:ln>
-                  <a:solidFill>
-                    <a:sysClr val="windowText" lastClr="000000"/>
-                  </a:solidFill>
-                </a:rPr>
-                <a:t>COUNTER</a:t>
-              </a:r>
-            </a:p>
-          </p:txBody>
-        </p:sp>
       </p:grpSp>
     </p:spTree>
     <p:extLst>
       <p:ext uri="{BB962C8B-B14F-4D97-AF65-F5344CB8AC3E}">
-        <p14:creationId xmlns:p14="http://schemas.microsoft.com/office/powerpoint/2010/main" val="3110068398"/>
+        <p14:creationId xmlns:p14="http://schemas.microsoft.com/office/powerpoint/2010/main" val="3665038336"/>
       </p:ext>
     </p:extLst>
   </p:cSld>
@@ -11088,7 +7648,7 @@
 </p:sld>
 </file>
 
-<file path=ppt/slides/slide7.xml><?xml version="1.0" encoding="utf-8"?>
+<file path=ppt/slides/slide5.xml><?xml version="1.0" encoding="utf-8"?>
 <p:sld xmlns:a="http://schemas.openxmlformats.org/drawingml/2006/main" xmlns:r="http://schemas.openxmlformats.org/officeDocument/2006/relationships" xmlns:p="http://schemas.openxmlformats.org/presentationml/2006/main">
   <p:cSld>
     <p:spTree>
@@ -11129,7 +7689,7 @@
             </a:br>
             <a:r>
               <a:rPr lang="en-US" sz="2800" dirty="0"/>
-              <a:t>2. TIMER 2</a:t>
+              <a:t>1. TỔNG QUAN</a:t>
             </a:r>
           </a:p>
         </p:txBody>
@@ -11151,19 +7711,53 @@
           </a:bodyPr>
           <a:lstStyle/>
           <a:p>
-            <a:pPr marL="0" indent="0">
-              <a:buNone/>
+            <a:pPr>
+              <a:buFont typeface="Wingdings" panose="05000000000000000000" pitchFamily="2" charset="2"/>
+              <a:buChar char="v"/>
             </a:pPr>
-            <a:endParaRPr lang="en-US" dirty="0"/>
+            <a:r>
+              <a:rPr lang="en-US" dirty="0"/>
+              <a:t> PIC16F18877 có 7 timer:</a:t>
+            </a:r>
+          </a:p>
+          <a:p>
+            <a:pPr lvl="1">
+              <a:buFont typeface="Wingdings" panose="05000000000000000000" pitchFamily="2" charset="2"/>
+              <a:buChar char="Ø"/>
+            </a:pPr>
+            <a:r>
+              <a:rPr lang="en-US" dirty="0"/>
+              <a:t> Timer 0:</a:t>
+            </a:r>
+          </a:p>
+          <a:p>
+            <a:pPr lvl="1">
+              <a:buFont typeface="Wingdings" panose="05000000000000000000" pitchFamily="2" charset="2"/>
+              <a:buChar char="Ø"/>
+            </a:pPr>
+            <a:r>
+              <a:rPr lang="en-US" dirty="0"/>
+              <a:t> Timer 1/3/5:</a:t>
+            </a:r>
+          </a:p>
+          <a:p>
+            <a:pPr lvl="1">
+              <a:buFont typeface="Wingdings" panose="05000000000000000000" pitchFamily="2" charset="2"/>
+              <a:buChar char="Ø"/>
+            </a:pPr>
+            <a:r>
+              <a:rPr lang="en-US" dirty="0"/>
+              <a:t> Timer 2/4/6:</a:t>
+            </a:r>
           </a:p>
         </p:txBody>
       </p:sp>
       <p:grpSp>
         <p:nvGrpSpPr>
-          <p:cNvPr id="15" name="Group 14">
+          <p:cNvPr id="39" name="Group 38">
             <a:extLst>
               <a:ext uri="{FF2B5EF4-FFF2-40B4-BE49-F238E27FC236}">
-                <a16:creationId xmlns:a16="http://schemas.microsoft.com/office/drawing/2014/main" id="{985BFA05-6B38-4E60-916B-0CFF583BA979}"/>
+                <a16:creationId xmlns:a16="http://schemas.microsoft.com/office/drawing/2014/main" id="{E0DD9847-9176-4B0D-BA8C-8653B289671C}"/>
               </a:ext>
             </a:extLst>
           </p:cNvPr>
@@ -11172,18 +7766,18 @@
         </p:nvGrpSpPr>
         <p:grpSpPr>
           <a:xfrm>
-            <a:off x="8362950" y="570526"/>
-            <a:ext cx="2819400" cy="914760"/>
+            <a:off x="8362950" y="729286"/>
+            <a:ext cx="2819400" cy="597240"/>
             <a:chOff x="7555442" y="411765"/>
-            <a:chExt cx="3006552" cy="914760"/>
+            <a:chExt cx="3006552" cy="597240"/>
           </a:xfrm>
         </p:grpSpPr>
         <p:sp>
           <p:nvSpPr>
-            <p:cNvPr id="16" name="Rectangle 15">
+            <p:cNvPr id="40" name="Rectangle 39">
               <a:extLst>
                 <a:ext uri="{FF2B5EF4-FFF2-40B4-BE49-F238E27FC236}">
-                  <a16:creationId xmlns:a16="http://schemas.microsoft.com/office/drawing/2014/main" id="{B5C24B6E-A5EB-4F81-A6BB-A5F8C685EB82}"/>
+                  <a16:creationId xmlns:a16="http://schemas.microsoft.com/office/drawing/2014/main" id="{DBB9BC1B-6FAC-4101-836B-4DC215E24C15}"/>
                 </a:ext>
               </a:extLst>
             </p:cNvPr>
@@ -11244,11 +7838,11 @@
         </p:sp>
         <p:sp>
           <p:nvSpPr>
-            <p:cNvPr id="17" name="Freeform 7">
+            <p:cNvPr id="41" name="Freeform 7">
               <a:hlinkClick r:id="rId2" action="ppaction://hlinksldjump"/>
               <a:extLst>
                 <a:ext uri="{FF2B5EF4-FFF2-40B4-BE49-F238E27FC236}">
-                  <a16:creationId xmlns:a16="http://schemas.microsoft.com/office/drawing/2014/main" id="{8070CAFC-D3C5-40F7-80CA-2FF842D81553}"/>
+                  <a16:creationId xmlns:a16="http://schemas.microsoft.com/office/drawing/2014/main" id="{826E7D04-8575-4529-BCF3-6BE522C787E8}"/>
                 </a:ext>
               </a:extLst>
             </p:cNvPr>
@@ -11408,17 +8002,17 @@
                     <a:sysClr val="windowText" lastClr="000000"/>
                   </a:solidFill>
                 </a:rPr>
-                <a:t>GIỚI THIỆU CHUNG</a:t>
+                <a:t>INTERRUPT</a:t>
               </a:r>
             </a:p>
           </p:txBody>
         </p:sp>
         <p:sp>
           <p:nvSpPr>
-            <p:cNvPr id="18" name="Rectangle 17">
+            <p:cNvPr id="42" name="Rectangle 41">
               <a:extLst>
                 <a:ext uri="{FF2B5EF4-FFF2-40B4-BE49-F238E27FC236}">
-                  <a16:creationId xmlns:a16="http://schemas.microsoft.com/office/drawing/2014/main" id="{52274D0B-503F-4224-852A-B7B0CEFF21E6}"/>
+                  <a16:creationId xmlns:a16="http://schemas.microsoft.com/office/drawing/2014/main" id="{1A99CBCD-0E1E-44E7-B012-B629E9A01ACE}"/>
                 </a:ext>
               </a:extLst>
             </p:cNvPr>
@@ -11479,11 +8073,11 @@
         </p:sp>
         <p:sp>
           <p:nvSpPr>
-            <p:cNvPr id="19" name="Freeform 9">
+            <p:cNvPr id="43" name="Freeform 9">
               <a:hlinkClick r:id="rId3" action="ppaction://hlinksldjump"/>
               <a:extLst>
                 <a:ext uri="{FF2B5EF4-FFF2-40B4-BE49-F238E27FC236}">
-                  <a16:creationId xmlns:a16="http://schemas.microsoft.com/office/drawing/2014/main" id="{9DA59B5A-4E02-4FA0-BD6C-70EC23A1CE71}"/>
+                  <a16:creationId xmlns:a16="http://schemas.microsoft.com/office/drawing/2014/main" id="{E829C79D-9475-440C-8C6C-D177674EB3F0}"/>
                 </a:ext>
               </a:extLst>
             </p:cNvPr>
@@ -11653,251 +8247,11 @@
             </a:p>
           </p:txBody>
         </p:sp>
-        <p:sp>
-          <p:nvSpPr>
-            <p:cNvPr id="20" name="Rectangle 19">
-              <a:extLst>
-                <a:ext uri="{FF2B5EF4-FFF2-40B4-BE49-F238E27FC236}">
-                  <a16:creationId xmlns:a16="http://schemas.microsoft.com/office/drawing/2014/main" id="{067ED2F8-7585-46DA-A749-4F7B6BE78F0F}"/>
-                </a:ext>
-              </a:extLst>
-            </p:cNvPr>
-            <p:cNvSpPr/>
-            <p:nvPr/>
-          </p:nvSpPr>
-          <p:spPr>
-            <a:xfrm>
-              <a:off x="7555442" y="1150125"/>
-              <a:ext cx="3006552" cy="176400"/>
-            </a:xfrm>
-            <a:prstGeom prst="rect">
-              <a:avLst/>
-            </a:prstGeom>
-            <a:noFill/>
-            <a:ln>
-              <a:solidFill>
-                <a:srgbClr val="0070C0"/>
-              </a:solidFill>
-            </a:ln>
-          </p:spPr>
-          <p:style>
-            <a:lnRef idx="2">
-              <a:schemeClr val="accent1">
-                <a:hueOff val="0"/>
-                <a:satOff val="0"/>
-                <a:lumOff val="0"/>
-                <a:alphaOff val="0"/>
-              </a:schemeClr>
-            </a:lnRef>
-            <a:fillRef idx="1">
-              <a:schemeClr val="lt1">
-                <a:alpha val="90000"/>
-                <a:hueOff val="0"/>
-                <a:satOff val="0"/>
-                <a:lumOff val="0"/>
-                <a:alphaOff val="0"/>
-              </a:schemeClr>
-            </a:fillRef>
-            <a:effectRef idx="0">
-              <a:schemeClr val="lt1">
-                <a:alpha val="90000"/>
-                <a:hueOff val="0"/>
-                <a:satOff val="0"/>
-                <a:lumOff val="0"/>
-                <a:alphaOff val="0"/>
-              </a:schemeClr>
-            </a:effectRef>
-            <a:fontRef idx="minor">
-              <a:schemeClr val="dk1">
-                <a:hueOff val="0"/>
-                <a:satOff val="0"/>
-                <a:lumOff val="0"/>
-                <a:alphaOff val="0"/>
-              </a:schemeClr>
-            </a:fontRef>
-          </p:style>
-        </p:sp>
-        <p:sp>
-          <p:nvSpPr>
-            <p:cNvPr id="21" name="Freeform 11">
-              <a:hlinkClick r:id="rId3" action="ppaction://hlinksldjump"/>
-              <a:extLst>
-                <a:ext uri="{FF2B5EF4-FFF2-40B4-BE49-F238E27FC236}">
-                  <a16:creationId xmlns:a16="http://schemas.microsoft.com/office/drawing/2014/main" id="{E416CC0B-CBA4-4520-8667-39F6AD8140C1}"/>
-                </a:ext>
-              </a:extLst>
-            </p:cNvPr>
-            <p:cNvSpPr/>
-            <p:nvPr/>
-          </p:nvSpPr>
-          <p:spPr>
-            <a:xfrm>
-              <a:off x="7601731" y="1046805"/>
-              <a:ext cx="2764682" cy="206640"/>
-            </a:xfrm>
-            <a:custGeom>
-              <a:avLst/>
-              <a:gdLst>
-                <a:gd name="connsiteX0" fmla="*/ 0 w 2764682"/>
-                <a:gd name="connsiteY0" fmla="*/ 34441 h 206640"/>
-                <a:gd name="connsiteX1" fmla="*/ 34441 w 2764682"/>
-                <a:gd name="connsiteY1" fmla="*/ 0 h 206640"/>
-                <a:gd name="connsiteX2" fmla="*/ 2730241 w 2764682"/>
-                <a:gd name="connsiteY2" fmla="*/ 0 h 206640"/>
-                <a:gd name="connsiteX3" fmla="*/ 2764682 w 2764682"/>
-                <a:gd name="connsiteY3" fmla="*/ 34441 h 206640"/>
-                <a:gd name="connsiteX4" fmla="*/ 2764682 w 2764682"/>
-                <a:gd name="connsiteY4" fmla="*/ 172199 h 206640"/>
-                <a:gd name="connsiteX5" fmla="*/ 2730241 w 2764682"/>
-                <a:gd name="connsiteY5" fmla="*/ 206640 h 206640"/>
-                <a:gd name="connsiteX6" fmla="*/ 34441 w 2764682"/>
-                <a:gd name="connsiteY6" fmla="*/ 206640 h 206640"/>
-                <a:gd name="connsiteX7" fmla="*/ 0 w 2764682"/>
-                <a:gd name="connsiteY7" fmla="*/ 172199 h 206640"/>
-                <a:gd name="connsiteX8" fmla="*/ 0 w 2764682"/>
-                <a:gd name="connsiteY8" fmla="*/ 34441 h 206640"/>
-              </a:gdLst>
-              <a:ahLst/>
-              <a:cxnLst>
-                <a:cxn ang="0">
-                  <a:pos x="connsiteX0" y="connsiteY0"/>
-                </a:cxn>
-                <a:cxn ang="0">
-                  <a:pos x="connsiteX1" y="connsiteY1"/>
-                </a:cxn>
-                <a:cxn ang="0">
-                  <a:pos x="connsiteX2" y="connsiteY2"/>
-                </a:cxn>
-                <a:cxn ang="0">
-                  <a:pos x="connsiteX3" y="connsiteY3"/>
-                </a:cxn>
-                <a:cxn ang="0">
-                  <a:pos x="connsiteX4" y="connsiteY4"/>
-                </a:cxn>
-                <a:cxn ang="0">
-                  <a:pos x="connsiteX5" y="connsiteY5"/>
-                </a:cxn>
-                <a:cxn ang="0">
-                  <a:pos x="connsiteX6" y="connsiteY6"/>
-                </a:cxn>
-                <a:cxn ang="0">
-                  <a:pos x="connsiteX7" y="connsiteY7"/>
-                </a:cxn>
-                <a:cxn ang="0">
-                  <a:pos x="connsiteX8" y="connsiteY8"/>
-                </a:cxn>
-              </a:cxnLst>
-              <a:rect l="l" t="t" r="r" b="b"/>
-              <a:pathLst>
-                <a:path w="2764682" h="206640">
-                  <a:moveTo>
-                    <a:pt x="0" y="34441"/>
-                  </a:moveTo>
-                  <a:cubicBezTo>
-                    <a:pt x="0" y="15420"/>
-                    <a:pt x="15420" y="0"/>
-                    <a:pt x="34441" y="0"/>
-                  </a:cubicBezTo>
-                  <a:lnTo>
-                    <a:pt x="2730241" y="0"/>
-                  </a:lnTo>
-                  <a:cubicBezTo>
-                    <a:pt x="2749262" y="0"/>
-                    <a:pt x="2764682" y="15420"/>
-                    <a:pt x="2764682" y="34441"/>
-                  </a:cubicBezTo>
-                  <a:lnTo>
-                    <a:pt x="2764682" y="172199"/>
-                  </a:lnTo>
-                  <a:cubicBezTo>
-                    <a:pt x="2764682" y="191220"/>
-                    <a:pt x="2749262" y="206640"/>
-                    <a:pt x="2730241" y="206640"/>
-                  </a:cubicBezTo>
-                  <a:lnTo>
-                    <a:pt x="34441" y="206640"/>
-                  </a:lnTo>
-                  <a:cubicBezTo>
-                    <a:pt x="15420" y="206640"/>
-                    <a:pt x="0" y="191220"/>
-                    <a:pt x="0" y="172199"/>
-                  </a:cubicBezTo>
-                  <a:lnTo>
-                    <a:pt x="0" y="34441"/>
-                  </a:lnTo>
-                  <a:close/>
-                </a:path>
-              </a:pathLst>
-            </a:custGeom>
-            <a:solidFill>
-              <a:schemeClr val="accent1"/>
-            </a:solidFill>
-          </p:spPr>
-          <p:style>
-            <a:lnRef idx="2">
-              <a:schemeClr val="lt1">
-                <a:hueOff val="0"/>
-                <a:satOff val="0"/>
-                <a:lumOff val="0"/>
-                <a:alphaOff val="0"/>
-              </a:schemeClr>
-            </a:lnRef>
-            <a:fillRef idx="1">
-              <a:schemeClr val="accent1">
-                <a:hueOff val="0"/>
-                <a:satOff val="0"/>
-                <a:lumOff val="0"/>
-                <a:alphaOff val="0"/>
-              </a:schemeClr>
-            </a:fillRef>
-            <a:effectRef idx="0">
-              <a:schemeClr val="accent1">
-                <a:hueOff val="0"/>
-                <a:satOff val="0"/>
-                <a:lumOff val="0"/>
-                <a:alphaOff val="0"/>
-              </a:schemeClr>
-            </a:effectRef>
-            <a:fontRef idx="minor">
-              <a:schemeClr val="lt1"/>
-            </a:fontRef>
-          </p:style>
-          <p:txBody>
-            <a:bodyPr spcFirstLastPara="0" vert="horz" wrap="square" lIns="114585" tIns="10087" rIns="114585" bIns="10087" numCol="1" spcCol="1270" anchor="ctr" anchorCtr="0">
-              <a:noAutofit/>
-            </a:bodyPr>
-            <a:lstStyle/>
-            <a:p>
-              <a:pPr lvl="0" algn="l" defTabSz="533400">
-                <a:lnSpc>
-                  <a:spcPct val="90000"/>
-                </a:lnSpc>
-                <a:spcBef>
-                  <a:spcPct val="0"/>
-                </a:spcBef>
-                <a:spcAft>
-                  <a:spcPct val="35000"/>
-                </a:spcAft>
-              </a:pPr>
-              <a:r>
-                <a:rPr lang="en-US" sz="1200" kern="1200" dirty="0">
-                  <a:ln>
-                    <a:noFill/>
-                  </a:ln>
-                  <a:solidFill>
-                    <a:sysClr val="windowText" lastClr="000000"/>
-                  </a:solidFill>
-                </a:rPr>
-                <a:t>COUNTER</a:t>
-              </a:r>
-            </a:p>
-          </p:txBody>
-        </p:sp>
       </p:grpSp>
     </p:spTree>
     <p:extLst>
       <p:ext uri="{BB962C8B-B14F-4D97-AF65-F5344CB8AC3E}">
-        <p14:creationId xmlns:p14="http://schemas.microsoft.com/office/powerpoint/2010/main" val="1408214955"/>
+        <p14:creationId xmlns:p14="http://schemas.microsoft.com/office/powerpoint/2010/main" val="876512171"/>
       </p:ext>
     </p:extLst>
   </p:cSld>
@@ -11910,7 +8264,7 @@
 </p:sld>
 </file>
 
-<file path=ppt/slides/slide8.xml><?xml version="1.0" encoding="utf-8"?>
+<file path=ppt/slides/slide6.xml><?xml version="1.0" encoding="utf-8"?>
 <p:sld xmlns:a="http://schemas.openxmlformats.org/drawingml/2006/main" xmlns:r="http://schemas.openxmlformats.org/officeDocument/2006/relationships" xmlns:p="http://schemas.openxmlformats.org/presentationml/2006/main">
   <p:cSld>
     <p:spTree>
@@ -11951,7 +8305,7 @@
             </a:br>
             <a:r>
               <a:rPr lang="en-US" sz="2800" dirty="0"/>
-              <a:t>3. WATCHING DOG TIMER</a:t>
+              <a:t>2. TIMER 0</a:t>
             </a:r>
           </a:p>
         </p:txBody>
@@ -11973,19 +8327,53 @@
           </a:bodyPr>
           <a:lstStyle/>
           <a:p>
-            <a:pPr marL="0" indent="0">
-              <a:buNone/>
+            <a:pPr>
+              <a:buFont typeface="Wingdings" panose="05000000000000000000" pitchFamily="2" charset="2"/>
+              <a:buChar char="v"/>
             </a:pPr>
-            <a:endParaRPr lang="en-US" dirty="0"/>
+            <a:r>
+              <a:rPr lang="en-US" dirty="0"/>
+              <a:t> PIC16F18877 có 7 timer:</a:t>
+            </a:r>
+          </a:p>
+          <a:p>
+            <a:pPr lvl="1">
+              <a:buFont typeface="Wingdings" panose="05000000000000000000" pitchFamily="2" charset="2"/>
+              <a:buChar char="Ø"/>
+            </a:pPr>
+            <a:r>
+              <a:rPr lang="en-US" dirty="0"/>
+              <a:t> Timer 0:</a:t>
+            </a:r>
+          </a:p>
+          <a:p>
+            <a:pPr lvl="1">
+              <a:buFont typeface="Wingdings" panose="05000000000000000000" pitchFamily="2" charset="2"/>
+              <a:buChar char="Ø"/>
+            </a:pPr>
+            <a:r>
+              <a:rPr lang="en-US" dirty="0"/>
+              <a:t> Timer 1/3/5:</a:t>
+            </a:r>
+          </a:p>
+          <a:p>
+            <a:pPr lvl="1">
+              <a:buFont typeface="Wingdings" panose="05000000000000000000" pitchFamily="2" charset="2"/>
+              <a:buChar char="Ø"/>
+            </a:pPr>
+            <a:r>
+              <a:rPr lang="en-US" dirty="0"/>
+              <a:t> Timer 2/4/6:</a:t>
+            </a:r>
           </a:p>
         </p:txBody>
       </p:sp>
       <p:grpSp>
         <p:nvGrpSpPr>
-          <p:cNvPr id="15" name="Group 14">
+          <p:cNvPr id="39" name="Group 38">
             <a:extLst>
               <a:ext uri="{FF2B5EF4-FFF2-40B4-BE49-F238E27FC236}">
-                <a16:creationId xmlns:a16="http://schemas.microsoft.com/office/drawing/2014/main" id="{985BFA05-6B38-4E60-916B-0CFF583BA979}"/>
+                <a16:creationId xmlns:a16="http://schemas.microsoft.com/office/drawing/2014/main" id="{E0DD9847-9176-4B0D-BA8C-8653B289671C}"/>
               </a:ext>
             </a:extLst>
           </p:cNvPr>
@@ -11994,18 +8382,18 @@
         </p:nvGrpSpPr>
         <p:grpSpPr>
           <a:xfrm>
-            <a:off x="8362950" y="570526"/>
-            <a:ext cx="2819400" cy="914760"/>
+            <a:off x="8362950" y="729286"/>
+            <a:ext cx="2819400" cy="597240"/>
             <a:chOff x="7555442" y="411765"/>
-            <a:chExt cx="3006552" cy="914760"/>
+            <a:chExt cx="3006552" cy="597240"/>
           </a:xfrm>
         </p:grpSpPr>
         <p:sp>
           <p:nvSpPr>
-            <p:cNvPr id="16" name="Rectangle 15">
+            <p:cNvPr id="40" name="Rectangle 39">
               <a:extLst>
                 <a:ext uri="{FF2B5EF4-FFF2-40B4-BE49-F238E27FC236}">
-                  <a16:creationId xmlns:a16="http://schemas.microsoft.com/office/drawing/2014/main" id="{B5C24B6E-A5EB-4F81-A6BB-A5F8C685EB82}"/>
+                  <a16:creationId xmlns:a16="http://schemas.microsoft.com/office/drawing/2014/main" id="{DBB9BC1B-6FAC-4101-836B-4DC215E24C15}"/>
                 </a:ext>
               </a:extLst>
             </p:cNvPr>
@@ -12066,11 +8454,11 @@
         </p:sp>
         <p:sp>
           <p:nvSpPr>
-            <p:cNvPr id="17" name="Freeform 7">
+            <p:cNvPr id="41" name="Freeform 7">
               <a:hlinkClick r:id="rId2" action="ppaction://hlinksldjump"/>
               <a:extLst>
                 <a:ext uri="{FF2B5EF4-FFF2-40B4-BE49-F238E27FC236}">
-                  <a16:creationId xmlns:a16="http://schemas.microsoft.com/office/drawing/2014/main" id="{8070CAFC-D3C5-40F7-80CA-2FF842D81553}"/>
+                  <a16:creationId xmlns:a16="http://schemas.microsoft.com/office/drawing/2014/main" id="{826E7D04-8575-4529-BCF3-6BE522C787E8}"/>
                 </a:ext>
               </a:extLst>
             </p:cNvPr>
@@ -12230,17 +8618,17 @@
                     <a:sysClr val="windowText" lastClr="000000"/>
                   </a:solidFill>
                 </a:rPr>
-                <a:t>GIỚI THIỆU CHUNG</a:t>
+                <a:t>INTERRUPT</a:t>
               </a:r>
             </a:p>
           </p:txBody>
         </p:sp>
         <p:sp>
           <p:nvSpPr>
-            <p:cNvPr id="18" name="Rectangle 17">
+            <p:cNvPr id="42" name="Rectangle 41">
               <a:extLst>
                 <a:ext uri="{FF2B5EF4-FFF2-40B4-BE49-F238E27FC236}">
-                  <a16:creationId xmlns:a16="http://schemas.microsoft.com/office/drawing/2014/main" id="{52274D0B-503F-4224-852A-B7B0CEFF21E6}"/>
+                  <a16:creationId xmlns:a16="http://schemas.microsoft.com/office/drawing/2014/main" id="{1A99CBCD-0E1E-44E7-B012-B629E9A01ACE}"/>
                 </a:ext>
               </a:extLst>
             </p:cNvPr>
@@ -12301,11 +8689,11 @@
         </p:sp>
         <p:sp>
           <p:nvSpPr>
-            <p:cNvPr id="19" name="Freeform 9">
+            <p:cNvPr id="43" name="Freeform 9">
               <a:hlinkClick r:id="rId3" action="ppaction://hlinksldjump"/>
               <a:extLst>
                 <a:ext uri="{FF2B5EF4-FFF2-40B4-BE49-F238E27FC236}">
-                  <a16:creationId xmlns:a16="http://schemas.microsoft.com/office/drawing/2014/main" id="{9DA59B5A-4E02-4FA0-BD6C-70EC23A1CE71}"/>
+                  <a16:creationId xmlns:a16="http://schemas.microsoft.com/office/drawing/2014/main" id="{E829C79D-9475-440C-8C6C-D177674EB3F0}"/>
                 </a:ext>
               </a:extLst>
             </p:cNvPr>
@@ -12475,251 +8863,11 @@
             </a:p>
           </p:txBody>
         </p:sp>
-        <p:sp>
-          <p:nvSpPr>
-            <p:cNvPr id="20" name="Rectangle 19">
-              <a:extLst>
-                <a:ext uri="{FF2B5EF4-FFF2-40B4-BE49-F238E27FC236}">
-                  <a16:creationId xmlns:a16="http://schemas.microsoft.com/office/drawing/2014/main" id="{067ED2F8-7585-46DA-A749-4F7B6BE78F0F}"/>
-                </a:ext>
-              </a:extLst>
-            </p:cNvPr>
-            <p:cNvSpPr/>
-            <p:nvPr/>
-          </p:nvSpPr>
-          <p:spPr>
-            <a:xfrm>
-              <a:off x="7555442" y="1150125"/>
-              <a:ext cx="3006552" cy="176400"/>
-            </a:xfrm>
-            <a:prstGeom prst="rect">
-              <a:avLst/>
-            </a:prstGeom>
-            <a:noFill/>
-            <a:ln>
-              <a:solidFill>
-                <a:srgbClr val="0070C0"/>
-              </a:solidFill>
-            </a:ln>
-          </p:spPr>
-          <p:style>
-            <a:lnRef idx="2">
-              <a:schemeClr val="accent1">
-                <a:hueOff val="0"/>
-                <a:satOff val="0"/>
-                <a:lumOff val="0"/>
-                <a:alphaOff val="0"/>
-              </a:schemeClr>
-            </a:lnRef>
-            <a:fillRef idx="1">
-              <a:schemeClr val="lt1">
-                <a:alpha val="90000"/>
-                <a:hueOff val="0"/>
-                <a:satOff val="0"/>
-                <a:lumOff val="0"/>
-                <a:alphaOff val="0"/>
-              </a:schemeClr>
-            </a:fillRef>
-            <a:effectRef idx="0">
-              <a:schemeClr val="lt1">
-                <a:alpha val="90000"/>
-                <a:hueOff val="0"/>
-                <a:satOff val="0"/>
-                <a:lumOff val="0"/>
-                <a:alphaOff val="0"/>
-              </a:schemeClr>
-            </a:effectRef>
-            <a:fontRef idx="minor">
-              <a:schemeClr val="dk1">
-                <a:hueOff val="0"/>
-                <a:satOff val="0"/>
-                <a:lumOff val="0"/>
-                <a:alphaOff val="0"/>
-              </a:schemeClr>
-            </a:fontRef>
-          </p:style>
-        </p:sp>
-        <p:sp>
-          <p:nvSpPr>
-            <p:cNvPr id="21" name="Freeform 11">
-              <a:hlinkClick r:id="rId3" action="ppaction://hlinksldjump"/>
-              <a:extLst>
-                <a:ext uri="{FF2B5EF4-FFF2-40B4-BE49-F238E27FC236}">
-                  <a16:creationId xmlns:a16="http://schemas.microsoft.com/office/drawing/2014/main" id="{E416CC0B-CBA4-4520-8667-39F6AD8140C1}"/>
-                </a:ext>
-              </a:extLst>
-            </p:cNvPr>
-            <p:cNvSpPr/>
-            <p:nvPr/>
-          </p:nvSpPr>
-          <p:spPr>
-            <a:xfrm>
-              <a:off x="7601731" y="1046805"/>
-              <a:ext cx="2764682" cy="206640"/>
-            </a:xfrm>
-            <a:custGeom>
-              <a:avLst/>
-              <a:gdLst>
-                <a:gd name="connsiteX0" fmla="*/ 0 w 2764682"/>
-                <a:gd name="connsiteY0" fmla="*/ 34441 h 206640"/>
-                <a:gd name="connsiteX1" fmla="*/ 34441 w 2764682"/>
-                <a:gd name="connsiteY1" fmla="*/ 0 h 206640"/>
-                <a:gd name="connsiteX2" fmla="*/ 2730241 w 2764682"/>
-                <a:gd name="connsiteY2" fmla="*/ 0 h 206640"/>
-                <a:gd name="connsiteX3" fmla="*/ 2764682 w 2764682"/>
-                <a:gd name="connsiteY3" fmla="*/ 34441 h 206640"/>
-                <a:gd name="connsiteX4" fmla="*/ 2764682 w 2764682"/>
-                <a:gd name="connsiteY4" fmla="*/ 172199 h 206640"/>
-                <a:gd name="connsiteX5" fmla="*/ 2730241 w 2764682"/>
-                <a:gd name="connsiteY5" fmla="*/ 206640 h 206640"/>
-                <a:gd name="connsiteX6" fmla="*/ 34441 w 2764682"/>
-                <a:gd name="connsiteY6" fmla="*/ 206640 h 206640"/>
-                <a:gd name="connsiteX7" fmla="*/ 0 w 2764682"/>
-                <a:gd name="connsiteY7" fmla="*/ 172199 h 206640"/>
-                <a:gd name="connsiteX8" fmla="*/ 0 w 2764682"/>
-                <a:gd name="connsiteY8" fmla="*/ 34441 h 206640"/>
-              </a:gdLst>
-              <a:ahLst/>
-              <a:cxnLst>
-                <a:cxn ang="0">
-                  <a:pos x="connsiteX0" y="connsiteY0"/>
-                </a:cxn>
-                <a:cxn ang="0">
-                  <a:pos x="connsiteX1" y="connsiteY1"/>
-                </a:cxn>
-                <a:cxn ang="0">
-                  <a:pos x="connsiteX2" y="connsiteY2"/>
-                </a:cxn>
-                <a:cxn ang="0">
-                  <a:pos x="connsiteX3" y="connsiteY3"/>
-                </a:cxn>
-                <a:cxn ang="0">
-                  <a:pos x="connsiteX4" y="connsiteY4"/>
-                </a:cxn>
-                <a:cxn ang="0">
-                  <a:pos x="connsiteX5" y="connsiteY5"/>
-                </a:cxn>
-                <a:cxn ang="0">
-                  <a:pos x="connsiteX6" y="connsiteY6"/>
-                </a:cxn>
-                <a:cxn ang="0">
-                  <a:pos x="connsiteX7" y="connsiteY7"/>
-                </a:cxn>
-                <a:cxn ang="0">
-                  <a:pos x="connsiteX8" y="connsiteY8"/>
-                </a:cxn>
-              </a:cxnLst>
-              <a:rect l="l" t="t" r="r" b="b"/>
-              <a:pathLst>
-                <a:path w="2764682" h="206640">
-                  <a:moveTo>
-                    <a:pt x="0" y="34441"/>
-                  </a:moveTo>
-                  <a:cubicBezTo>
-                    <a:pt x="0" y="15420"/>
-                    <a:pt x="15420" y="0"/>
-                    <a:pt x="34441" y="0"/>
-                  </a:cubicBezTo>
-                  <a:lnTo>
-                    <a:pt x="2730241" y="0"/>
-                  </a:lnTo>
-                  <a:cubicBezTo>
-                    <a:pt x="2749262" y="0"/>
-                    <a:pt x="2764682" y="15420"/>
-                    <a:pt x="2764682" y="34441"/>
-                  </a:cubicBezTo>
-                  <a:lnTo>
-                    <a:pt x="2764682" y="172199"/>
-                  </a:lnTo>
-                  <a:cubicBezTo>
-                    <a:pt x="2764682" y="191220"/>
-                    <a:pt x="2749262" y="206640"/>
-                    <a:pt x="2730241" y="206640"/>
-                  </a:cubicBezTo>
-                  <a:lnTo>
-                    <a:pt x="34441" y="206640"/>
-                  </a:lnTo>
-                  <a:cubicBezTo>
-                    <a:pt x="15420" y="206640"/>
-                    <a:pt x="0" y="191220"/>
-                    <a:pt x="0" y="172199"/>
-                  </a:cubicBezTo>
-                  <a:lnTo>
-                    <a:pt x="0" y="34441"/>
-                  </a:lnTo>
-                  <a:close/>
-                </a:path>
-              </a:pathLst>
-            </a:custGeom>
-            <a:solidFill>
-              <a:schemeClr val="accent1"/>
-            </a:solidFill>
-          </p:spPr>
-          <p:style>
-            <a:lnRef idx="2">
-              <a:schemeClr val="lt1">
-                <a:hueOff val="0"/>
-                <a:satOff val="0"/>
-                <a:lumOff val="0"/>
-                <a:alphaOff val="0"/>
-              </a:schemeClr>
-            </a:lnRef>
-            <a:fillRef idx="1">
-              <a:schemeClr val="accent1">
-                <a:hueOff val="0"/>
-                <a:satOff val="0"/>
-                <a:lumOff val="0"/>
-                <a:alphaOff val="0"/>
-              </a:schemeClr>
-            </a:fillRef>
-            <a:effectRef idx="0">
-              <a:schemeClr val="accent1">
-                <a:hueOff val="0"/>
-                <a:satOff val="0"/>
-                <a:lumOff val="0"/>
-                <a:alphaOff val="0"/>
-              </a:schemeClr>
-            </a:effectRef>
-            <a:fontRef idx="minor">
-              <a:schemeClr val="lt1"/>
-            </a:fontRef>
-          </p:style>
-          <p:txBody>
-            <a:bodyPr spcFirstLastPara="0" vert="horz" wrap="square" lIns="114585" tIns="10087" rIns="114585" bIns="10087" numCol="1" spcCol="1270" anchor="ctr" anchorCtr="0">
-              <a:noAutofit/>
-            </a:bodyPr>
-            <a:lstStyle/>
-            <a:p>
-              <a:pPr lvl="0" algn="l" defTabSz="533400">
-                <a:lnSpc>
-                  <a:spcPct val="90000"/>
-                </a:lnSpc>
-                <a:spcBef>
-                  <a:spcPct val="0"/>
-                </a:spcBef>
-                <a:spcAft>
-                  <a:spcPct val="35000"/>
-                </a:spcAft>
-              </a:pPr>
-              <a:r>
-                <a:rPr lang="en-US" sz="1200" kern="1200" dirty="0">
-                  <a:ln>
-                    <a:noFill/>
-                  </a:ln>
-                  <a:solidFill>
-                    <a:sysClr val="windowText" lastClr="000000"/>
-                  </a:solidFill>
-                </a:rPr>
-                <a:t>COUNTER</a:t>
-              </a:r>
-            </a:p>
-          </p:txBody>
-        </p:sp>
       </p:grpSp>
     </p:spTree>
     <p:extLst>
       <p:ext uri="{BB962C8B-B14F-4D97-AF65-F5344CB8AC3E}">
-        <p14:creationId xmlns:p14="http://schemas.microsoft.com/office/powerpoint/2010/main" val="2491610320"/>
+        <p14:creationId xmlns:p14="http://schemas.microsoft.com/office/powerpoint/2010/main" val="3791799670"/>
       </p:ext>
     </p:extLst>
   </p:cSld>
@@ -12732,7 +8880,7 @@
 </p:sld>
 </file>
 
-<file path=ppt/slides/slide9.xml><?xml version="1.0" encoding="utf-8"?>
+<file path=ppt/slides/slide7.xml><?xml version="1.0" encoding="utf-8"?>
 <p:sld xmlns:a="http://schemas.openxmlformats.org/drawingml/2006/main" xmlns:r="http://schemas.openxmlformats.org/officeDocument/2006/relationships" xmlns:p="http://schemas.openxmlformats.org/presentationml/2006/main">
   <p:cSld>
     <p:spTree>
@@ -12773,7 +8921,7 @@
             </a:br>
             <a:r>
               <a:rPr lang="en-US" sz="2800" dirty="0"/>
-              <a:t>4. TICK TIMER</a:t>
+              <a:t>2. TIMER 1/3/5</a:t>
             </a:r>
           </a:p>
         </p:txBody>
@@ -12795,19 +8943,53 @@
           </a:bodyPr>
           <a:lstStyle/>
           <a:p>
-            <a:pPr marL="0" indent="0">
-              <a:buNone/>
+            <a:pPr>
+              <a:buFont typeface="Wingdings" panose="05000000000000000000" pitchFamily="2" charset="2"/>
+              <a:buChar char="v"/>
             </a:pPr>
-            <a:endParaRPr lang="en-US" dirty="0"/>
+            <a:r>
+              <a:rPr lang="en-US" dirty="0"/>
+              <a:t> PIC16F18877 có 7 timer:</a:t>
+            </a:r>
+          </a:p>
+          <a:p>
+            <a:pPr lvl="1">
+              <a:buFont typeface="Wingdings" panose="05000000000000000000" pitchFamily="2" charset="2"/>
+              <a:buChar char="Ø"/>
+            </a:pPr>
+            <a:r>
+              <a:rPr lang="en-US" dirty="0"/>
+              <a:t> Timer 0:</a:t>
+            </a:r>
+          </a:p>
+          <a:p>
+            <a:pPr lvl="1">
+              <a:buFont typeface="Wingdings" panose="05000000000000000000" pitchFamily="2" charset="2"/>
+              <a:buChar char="Ø"/>
+            </a:pPr>
+            <a:r>
+              <a:rPr lang="en-US" dirty="0"/>
+              <a:t> Timer 1/3/5:</a:t>
+            </a:r>
+          </a:p>
+          <a:p>
+            <a:pPr lvl="1">
+              <a:buFont typeface="Wingdings" panose="05000000000000000000" pitchFamily="2" charset="2"/>
+              <a:buChar char="Ø"/>
+            </a:pPr>
+            <a:r>
+              <a:rPr lang="en-US" dirty="0"/>
+              <a:t> Timer 2/4/6:</a:t>
+            </a:r>
           </a:p>
         </p:txBody>
       </p:sp>
       <p:grpSp>
         <p:nvGrpSpPr>
-          <p:cNvPr id="15" name="Group 14">
+          <p:cNvPr id="39" name="Group 38">
             <a:extLst>
               <a:ext uri="{FF2B5EF4-FFF2-40B4-BE49-F238E27FC236}">
-                <a16:creationId xmlns:a16="http://schemas.microsoft.com/office/drawing/2014/main" id="{985BFA05-6B38-4E60-916B-0CFF583BA979}"/>
+                <a16:creationId xmlns:a16="http://schemas.microsoft.com/office/drawing/2014/main" id="{E0DD9847-9176-4B0D-BA8C-8653B289671C}"/>
               </a:ext>
             </a:extLst>
           </p:cNvPr>
@@ -12816,18 +8998,18 @@
         </p:nvGrpSpPr>
         <p:grpSpPr>
           <a:xfrm>
-            <a:off x="8362950" y="570526"/>
-            <a:ext cx="2819400" cy="914760"/>
+            <a:off x="8362950" y="729286"/>
+            <a:ext cx="2819400" cy="597240"/>
             <a:chOff x="7555442" y="411765"/>
-            <a:chExt cx="3006552" cy="914760"/>
+            <a:chExt cx="3006552" cy="597240"/>
           </a:xfrm>
         </p:grpSpPr>
         <p:sp>
           <p:nvSpPr>
-            <p:cNvPr id="16" name="Rectangle 15">
+            <p:cNvPr id="40" name="Rectangle 39">
               <a:extLst>
                 <a:ext uri="{FF2B5EF4-FFF2-40B4-BE49-F238E27FC236}">
-                  <a16:creationId xmlns:a16="http://schemas.microsoft.com/office/drawing/2014/main" id="{B5C24B6E-A5EB-4F81-A6BB-A5F8C685EB82}"/>
+                  <a16:creationId xmlns:a16="http://schemas.microsoft.com/office/drawing/2014/main" id="{DBB9BC1B-6FAC-4101-836B-4DC215E24C15}"/>
                 </a:ext>
               </a:extLst>
             </p:cNvPr>
@@ -12888,11 +9070,11 @@
         </p:sp>
         <p:sp>
           <p:nvSpPr>
-            <p:cNvPr id="17" name="Freeform 7">
+            <p:cNvPr id="41" name="Freeform 7">
               <a:hlinkClick r:id="rId2" action="ppaction://hlinksldjump"/>
               <a:extLst>
                 <a:ext uri="{FF2B5EF4-FFF2-40B4-BE49-F238E27FC236}">
-                  <a16:creationId xmlns:a16="http://schemas.microsoft.com/office/drawing/2014/main" id="{8070CAFC-D3C5-40F7-80CA-2FF842D81553}"/>
+                  <a16:creationId xmlns:a16="http://schemas.microsoft.com/office/drawing/2014/main" id="{826E7D04-8575-4529-BCF3-6BE522C787E8}"/>
                 </a:ext>
               </a:extLst>
             </p:cNvPr>
@@ -13052,17 +9234,17 @@
                     <a:sysClr val="windowText" lastClr="000000"/>
                   </a:solidFill>
                 </a:rPr>
-                <a:t>GIỚI THIỆU CHUNG</a:t>
+                <a:t>INTERRUPT</a:t>
               </a:r>
             </a:p>
           </p:txBody>
         </p:sp>
         <p:sp>
           <p:nvSpPr>
-            <p:cNvPr id="18" name="Rectangle 17">
+            <p:cNvPr id="42" name="Rectangle 41">
               <a:extLst>
                 <a:ext uri="{FF2B5EF4-FFF2-40B4-BE49-F238E27FC236}">
-                  <a16:creationId xmlns:a16="http://schemas.microsoft.com/office/drawing/2014/main" id="{52274D0B-503F-4224-852A-B7B0CEFF21E6}"/>
+                  <a16:creationId xmlns:a16="http://schemas.microsoft.com/office/drawing/2014/main" id="{1A99CBCD-0E1E-44E7-B012-B629E9A01ACE}"/>
                 </a:ext>
               </a:extLst>
             </p:cNvPr>
@@ -13123,11 +9305,11 @@
         </p:sp>
         <p:sp>
           <p:nvSpPr>
-            <p:cNvPr id="19" name="Freeform 9">
+            <p:cNvPr id="43" name="Freeform 9">
               <a:hlinkClick r:id="rId3" action="ppaction://hlinksldjump"/>
               <a:extLst>
                 <a:ext uri="{FF2B5EF4-FFF2-40B4-BE49-F238E27FC236}">
-                  <a16:creationId xmlns:a16="http://schemas.microsoft.com/office/drawing/2014/main" id="{9DA59B5A-4E02-4FA0-BD6C-70EC23A1CE71}"/>
+                  <a16:creationId xmlns:a16="http://schemas.microsoft.com/office/drawing/2014/main" id="{E829C79D-9475-440C-8C6C-D177674EB3F0}"/>
                 </a:ext>
               </a:extLst>
             </p:cNvPr>
@@ -13297,12 +9479,153 @@
             </a:p>
           </p:txBody>
         </p:sp>
+      </p:grpSp>
+    </p:spTree>
+    <p:extLst>
+      <p:ext uri="{BB962C8B-B14F-4D97-AF65-F5344CB8AC3E}">
+        <p14:creationId xmlns:p14="http://schemas.microsoft.com/office/powerpoint/2010/main" val="2832150612"/>
+      </p:ext>
+    </p:extLst>
+  </p:cSld>
+  <p:clrMapOvr>
+    <a:masterClrMapping/>
+  </p:clrMapOvr>
+  <p:transition spd="slow">
+    <p:push dir="u"/>
+  </p:transition>
+</p:sld>
+</file>
+
+<file path=ppt/slides/slide8.xml><?xml version="1.0" encoding="utf-8"?>
+<p:sld xmlns:a="http://schemas.openxmlformats.org/drawingml/2006/main" xmlns:r="http://schemas.openxmlformats.org/officeDocument/2006/relationships" xmlns:p="http://schemas.openxmlformats.org/presentationml/2006/main">
+  <p:cSld>
+    <p:spTree>
+      <p:nvGrpSpPr>
+        <p:cNvPr id="1" name=""/>
+        <p:cNvGrpSpPr/>
+        <p:nvPr/>
+      </p:nvGrpSpPr>
+      <p:grpSpPr>
+        <a:xfrm>
+          <a:off x="0" y="0"/>
+          <a:ext cx="0" cy="0"/>
+          <a:chOff x="0" y="0"/>
+          <a:chExt cx="0" cy="0"/>
+        </a:xfrm>
+      </p:grpSpPr>
+      <p:sp>
+        <p:nvSpPr>
+          <p:cNvPr id="2" name="Title 1"/>
+          <p:cNvSpPr>
+            <a:spLocks noGrp="1"/>
+          </p:cNvSpPr>
+          <p:nvPr>
+            <p:ph type="title"/>
+          </p:nvPr>
+        </p:nvSpPr>
+        <p:spPr/>
+        <p:txBody>
+          <a:bodyPr/>
+          <a:lstStyle/>
+          <a:p>
+            <a:r>
+              <a:rPr lang="en-US" dirty="0"/>
+              <a:t>TIMER</a:t>
+            </a:r>
+            <a:br>
+              <a:rPr lang="en-US" dirty="0"/>
+            </a:br>
+            <a:r>
+              <a:rPr lang="en-US" sz="2800" dirty="0"/>
+              <a:t>3. TIMER 2/4/6</a:t>
+            </a:r>
+          </a:p>
+        </p:txBody>
+      </p:sp>
+      <p:sp>
+        <p:nvSpPr>
+          <p:cNvPr id="3" name="Content Placeholder 2"/>
+          <p:cNvSpPr>
+            <a:spLocks noGrp="1"/>
+          </p:cNvSpPr>
+          <p:nvPr>
+            <p:ph idx="1"/>
+          </p:nvPr>
+        </p:nvSpPr>
+        <p:spPr/>
+        <p:txBody>
+          <a:bodyPr>
+            <a:normAutofit/>
+          </a:bodyPr>
+          <a:lstStyle/>
+          <a:p>
+            <a:pPr>
+              <a:buFont typeface="Wingdings" panose="05000000000000000000" pitchFamily="2" charset="2"/>
+              <a:buChar char="v"/>
+            </a:pPr>
+            <a:r>
+              <a:rPr lang="en-US" dirty="0"/>
+              <a:t> PIC16F18877 có 7 timer:</a:t>
+            </a:r>
+          </a:p>
+          <a:p>
+            <a:pPr lvl="1">
+              <a:buFont typeface="Wingdings" panose="05000000000000000000" pitchFamily="2" charset="2"/>
+              <a:buChar char="Ø"/>
+            </a:pPr>
+            <a:r>
+              <a:rPr lang="en-US" dirty="0"/>
+              <a:t> Timer 0:</a:t>
+            </a:r>
+          </a:p>
+          <a:p>
+            <a:pPr lvl="1">
+              <a:buFont typeface="Wingdings" panose="05000000000000000000" pitchFamily="2" charset="2"/>
+              <a:buChar char="Ø"/>
+            </a:pPr>
+            <a:r>
+              <a:rPr lang="en-US" dirty="0"/>
+              <a:t> Timer 1/3/5:</a:t>
+            </a:r>
+          </a:p>
+          <a:p>
+            <a:pPr lvl="1">
+              <a:buFont typeface="Wingdings" panose="05000000000000000000" pitchFamily="2" charset="2"/>
+              <a:buChar char="Ø"/>
+            </a:pPr>
+            <a:r>
+              <a:rPr lang="en-US" dirty="0"/>
+              <a:t> Timer 2/4/6:</a:t>
+            </a:r>
+          </a:p>
+        </p:txBody>
+      </p:sp>
+      <p:grpSp>
+        <p:nvGrpSpPr>
+          <p:cNvPr id="39" name="Group 38">
+            <a:extLst>
+              <a:ext uri="{FF2B5EF4-FFF2-40B4-BE49-F238E27FC236}">
+                <a16:creationId xmlns:a16="http://schemas.microsoft.com/office/drawing/2014/main" id="{E0DD9847-9176-4B0D-BA8C-8653B289671C}"/>
+              </a:ext>
+            </a:extLst>
+          </p:cNvPr>
+          <p:cNvGrpSpPr/>
+          <p:nvPr/>
+        </p:nvGrpSpPr>
+        <p:grpSpPr>
+          <a:xfrm>
+            <a:off x="8362950" y="729286"/>
+            <a:ext cx="2819400" cy="597240"/>
+            <a:chOff x="7555442" y="411765"/>
+            <a:chExt cx="3006552" cy="597240"/>
+          </a:xfrm>
+        </p:grpSpPr>
         <p:sp>
           <p:nvSpPr>
-            <p:cNvPr id="20" name="Rectangle 19">
+            <p:cNvPr id="40" name="Rectangle 39">
               <a:extLst>
                 <a:ext uri="{FF2B5EF4-FFF2-40B4-BE49-F238E27FC236}">
-                  <a16:creationId xmlns:a16="http://schemas.microsoft.com/office/drawing/2014/main" id="{067ED2F8-7585-46DA-A749-4F7B6BE78F0F}"/>
+                  <a16:creationId xmlns:a16="http://schemas.microsoft.com/office/drawing/2014/main" id="{DBB9BC1B-6FAC-4101-836B-4DC215E24C15}"/>
                 </a:ext>
               </a:extLst>
             </p:cNvPr>
@@ -13311,7 +9634,7 @@
           </p:nvSpPr>
           <p:spPr>
             <a:xfrm>
-              <a:off x="7555442" y="1150125"/>
+              <a:off x="7555442" y="515085"/>
               <a:ext cx="3006552" cy="176400"/>
             </a:xfrm>
             <a:prstGeom prst="rect">
@@ -13363,11 +9686,11 @@
         </p:sp>
         <p:sp>
           <p:nvSpPr>
-            <p:cNvPr id="21" name="Freeform 11">
-              <a:hlinkClick r:id="rId3" action="ppaction://hlinksldjump"/>
+            <p:cNvPr id="41" name="Freeform 7">
+              <a:hlinkClick r:id="rId2" action="ppaction://hlinksldjump"/>
               <a:extLst>
                 <a:ext uri="{FF2B5EF4-FFF2-40B4-BE49-F238E27FC236}">
-                  <a16:creationId xmlns:a16="http://schemas.microsoft.com/office/drawing/2014/main" id="{E416CC0B-CBA4-4520-8667-39F6AD8140C1}"/>
+                  <a16:creationId xmlns:a16="http://schemas.microsoft.com/office/drawing/2014/main" id="{826E7D04-8575-4529-BCF3-6BE522C787E8}"/>
                 </a:ext>
               </a:extLst>
             </p:cNvPr>
@@ -13376,7 +9699,7 @@
           </p:nvSpPr>
           <p:spPr>
             <a:xfrm>
-              <a:off x="7601731" y="1046805"/>
+              <a:off x="7601731" y="411765"/>
               <a:ext cx="2764682" cy="206640"/>
             </a:xfrm>
             <a:custGeom>
@@ -13487,12 +9810,7 @@
               </a:schemeClr>
             </a:lnRef>
             <a:fillRef idx="1">
-              <a:schemeClr val="accent1">
-                <a:hueOff val="0"/>
-                <a:satOff val="0"/>
-                <a:lumOff val="0"/>
-                <a:alphaOff val="0"/>
-              </a:schemeClr>
+              <a:scrgbClr r="0" g="0" b="0"/>
             </a:fillRef>
             <a:effectRef idx="0">
               <a:schemeClr val="accent1">
@@ -13532,7 +9850,247 @@
                     <a:sysClr val="windowText" lastClr="000000"/>
                   </a:solidFill>
                 </a:rPr>
-                <a:t>COUNTER</a:t>
+                <a:t>INTERRUPT</a:t>
+              </a:r>
+            </a:p>
+          </p:txBody>
+        </p:sp>
+        <p:sp>
+          <p:nvSpPr>
+            <p:cNvPr id="42" name="Rectangle 41">
+              <a:extLst>
+                <a:ext uri="{FF2B5EF4-FFF2-40B4-BE49-F238E27FC236}">
+                  <a16:creationId xmlns:a16="http://schemas.microsoft.com/office/drawing/2014/main" id="{1A99CBCD-0E1E-44E7-B012-B629E9A01ACE}"/>
+                </a:ext>
+              </a:extLst>
+            </p:cNvPr>
+            <p:cNvSpPr/>
+            <p:nvPr/>
+          </p:nvSpPr>
+          <p:spPr>
+            <a:xfrm>
+              <a:off x="7555442" y="832605"/>
+              <a:ext cx="3006552" cy="176400"/>
+            </a:xfrm>
+            <a:prstGeom prst="rect">
+              <a:avLst/>
+            </a:prstGeom>
+            <a:noFill/>
+            <a:ln>
+              <a:solidFill>
+                <a:srgbClr val="0070C0"/>
+              </a:solidFill>
+            </a:ln>
+          </p:spPr>
+          <p:style>
+            <a:lnRef idx="2">
+              <a:schemeClr val="accent1">
+                <a:hueOff val="0"/>
+                <a:satOff val="0"/>
+                <a:lumOff val="0"/>
+                <a:alphaOff val="0"/>
+              </a:schemeClr>
+            </a:lnRef>
+            <a:fillRef idx="1">
+              <a:schemeClr val="lt1">
+                <a:alpha val="90000"/>
+                <a:hueOff val="0"/>
+                <a:satOff val="0"/>
+                <a:lumOff val="0"/>
+                <a:alphaOff val="0"/>
+              </a:schemeClr>
+            </a:fillRef>
+            <a:effectRef idx="0">
+              <a:schemeClr val="lt1">
+                <a:alpha val="90000"/>
+                <a:hueOff val="0"/>
+                <a:satOff val="0"/>
+                <a:lumOff val="0"/>
+                <a:alphaOff val="0"/>
+              </a:schemeClr>
+            </a:effectRef>
+            <a:fontRef idx="minor">
+              <a:schemeClr val="dk1">
+                <a:hueOff val="0"/>
+                <a:satOff val="0"/>
+                <a:lumOff val="0"/>
+                <a:alphaOff val="0"/>
+              </a:schemeClr>
+            </a:fontRef>
+          </p:style>
+        </p:sp>
+        <p:sp>
+          <p:nvSpPr>
+            <p:cNvPr id="43" name="Freeform 9">
+              <a:hlinkClick r:id="rId3" action="ppaction://hlinksldjump"/>
+              <a:extLst>
+                <a:ext uri="{FF2B5EF4-FFF2-40B4-BE49-F238E27FC236}">
+                  <a16:creationId xmlns:a16="http://schemas.microsoft.com/office/drawing/2014/main" id="{E829C79D-9475-440C-8C6C-D177674EB3F0}"/>
+                </a:ext>
+              </a:extLst>
+            </p:cNvPr>
+            <p:cNvSpPr/>
+            <p:nvPr/>
+          </p:nvSpPr>
+          <p:spPr>
+            <a:xfrm>
+              <a:off x="7601731" y="729285"/>
+              <a:ext cx="2764682" cy="206640"/>
+            </a:xfrm>
+            <a:custGeom>
+              <a:avLst/>
+              <a:gdLst>
+                <a:gd name="connsiteX0" fmla="*/ 0 w 2764682"/>
+                <a:gd name="connsiteY0" fmla="*/ 34441 h 206640"/>
+                <a:gd name="connsiteX1" fmla="*/ 34441 w 2764682"/>
+                <a:gd name="connsiteY1" fmla="*/ 0 h 206640"/>
+                <a:gd name="connsiteX2" fmla="*/ 2730241 w 2764682"/>
+                <a:gd name="connsiteY2" fmla="*/ 0 h 206640"/>
+                <a:gd name="connsiteX3" fmla="*/ 2764682 w 2764682"/>
+                <a:gd name="connsiteY3" fmla="*/ 34441 h 206640"/>
+                <a:gd name="connsiteX4" fmla="*/ 2764682 w 2764682"/>
+                <a:gd name="connsiteY4" fmla="*/ 172199 h 206640"/>
+                <a:gd name="connsiteX5" fmla="*/ 2730241 w 2764682"/>
+                <a:gd name="connsiteY5" fmla="*/ 206640 h 206640"/>
+                <a:gd name="connsiteX6" fmla="*/ 34441 w 2764682"/>
+                <a:gd name="connsiteY6" fmla="*/ 206640 h 206640"/>
+                <a:gd name="connsiteX7" fmla="*/ 0 w 2764682"/>
+                <a:gd name="connsiteY7" fmla="*/ 172199 h 206640"/>
+                <a:gd name="connsiteX8" fmla="*/ 0 w 2764682"/>
+                <a:gd name="connsiteY8" fmla="*/ 34441 h 206640"/>
+              </a:gdLst>
+              <a:ahLst/>
+              <a:cxnLst>
+                <a:cxn ang="0">
+                  <a:pos x="connsiteX0" y="connsiteY0"/>
+                </a:cxn>
+                <a:cxn ang="0">
+                  <a:pos x="connsiteX1" y="connsiteY1"/>
+                </a:cxn>
+                <a:cxn ang="0">
+                  <a:pos x="connsiteX2" y="connsiteY2"/>
+                </a:cxn>
+                <a:cxn ang="0">
+                  <a:pos x="connsiteX3" y="connsiteY3"/>
+                </a:cxn>
+                <a:cxn ang="0">
+                  <a:pos x="connsiteX4" y="connsiteY4"/>
+                </a:cxn>
+                <a:cxn ang="0">
+                  <a:pos x="connsiteX5" y="connsiteY5"/>
+                </a:cxn>
+                <a:cxn ang="0">
+                  <a:pos x="connsiteX6" y="connsiteY6"/>
+                </a:cxn>
+                <a:cxn ang="0">
+                  <a:pos x="connsiteX7" y="connsiteY7"/>
+                </a:cxn>
+                <a:cxn ang="0">
+                  <a:pos x="connsiteX8" y="connsiteY8"/>
+                </a:cxn>
+              </a:cxnLst>
+              <a:rect l="l" t="t" r="r" b="b"/>
+              <a:pathLst>
+                <a:path w="2764682" h="206640">
+                  <a:moveTo>
+                    <a:pt x="0" y="34441"/>
+                  </a:moveTo>
+                  <a:cubicBezTo>
+                    <a:pt x="0" y="15420"/>
+                    <a:pt x="15420" y="0"/>
+                    <a:pt x="34441" y="0"/>
+                  </a:cubicBezTo>
+                  <a:lnTo>
+                    <a:pt x="2730241" y="0"/>
+                  </a:lnTo>
+                  <a:cubicBezTo>
+                    <a:pt x="2749262" y="0"/>
+                    <a:pt x="2764682" y="15420"/>
+                    <a:pt x="2764682" y="34441"/>
+                  </a:cubicBezTo>
+                  <a:lnTo>
+                    <a:pt x="2764682" y="172199"/>
+                  </a:lnTo>
+                  <a:cubicBezTo>
+                    <a:pt x="2764682" y="191220"/>
+                    <a:pt x="2749262" y="206640"/>
+                    <a:pt x="2730241" y="206640"/>
+                  </a:cubicBezTo>
+                  <a:lnTo>
+                    <a:pt x="34441" y="206640"/>
+                  </a:lnTo>
+                  <a:cubicBezTo>
+                    <a:pt x="15420" y="206640"/>
+                    <a:pt x="0" y="191220"/>
+                    <a:pt x="0" y="172199"/>
+                  </a:cubicBezTo>
+                  <a:lnTo>
+                    <a:pt x="0" y="34441"/>
+                  </a:lnTo>
+                  <a:close/>
+                </a:path>
+              </a:pathLst>
+            </a:custGeom>
+            <a:solidFill>
+              <a:schemeClr val="accent4"/>
+            </a:solidFill>
+          </p:spPr>
+          <p:style>
+            <a:lnRef idx="2">
+              <a:schemeClr val="lt1">
+                <a:hueOff val="0"/>
+                <a:satOff val="0"/>
+                <a:lumOff val="0"/>
+                <a:alphaOff val="0"/>
+              </a:schemeClr>
+            </a:lnRef>
+            <a:fillRef idx="1">
+              <a:schemeClr val="accent1">
+                <a:hueOff val="0"/>
+                <a:satOff val="0"/>
+                <a:lumOff val="0"/>
+                <a:alphaOff val="0"/>
+              </a:schemeClr>
+            </a:fillRef>
+            <a:effectRef idx="0">
+              <a:schemeClr val="accent1">
+                <a:hueOff val="0"/>
+                <a:satOff val="0"/>
+                <a:lumOff val="0"/>
+                <a:alphaOff val="0"/>
+              </a:schemeClr>
+            </a:effectRef>
+            <a:fontRef idx="minor">
+              <a:schemeClr val="lt1"/>
+            </a:fontRef>
+          </p:style>
+          <p:txBody>
+            <a:bodyPr spcFirstLastPara="0" vert="horz" wrap="square" lIns="114585" tIns="10087" rIns="114585" bIns="10087" numCol="1" spcCol="1270" anchor="ctr" anchorCtr="0">
+              <a:noAutofit/>
+            </a:bodyPr>
+            <a:lstStyle/>
+            <a:p>
+              <a:pPr lvl="0" algn="l" defTabSz="533400">
+                <a:lnSpc>
+                  <a:spcPct val="90000"/>
+                </a:lnSpc>
+                <a:spcBef>
+                  <a:spcPct val="0"/>
+                </a:spcBef>
+                <a:spcAft>
+                  <a:spcPct val="35000"/>
+                </a:spcAft>
+              </a:pPr>
+              <a:r>
+                <a:rPr lang="en-US" sz="1200" b="1" kern="1200" dirty="0">
+                  <a:ln>
+                    <a:noFill/>
+                  </a:ln>
+                  <a:solidFill>
+                    <a:sysClr val="windowText" lastClr="000000"/>
+                  </a:solidFill>
+                </a:rPr>
+                <a:t>TIMER</a:t>
               </a:r>
             </a:p>
           </p:txBody>
@@ -13541,7 +10099,7 @@
     </p:spTree>
     <p:extLst>
       <p:ext uri="{BB962C8B-B14F-4D97-AF65-F5344CB8AC3E}">
-        <p14:creationId xmlns:p14="http://schemas.microsoft.com/office/powerpoint/2010/main" val="2328604945"/>
+        <p14:creationId xmlns:p14="http://schemas.microsoft.com/office/powerpoint/2010/main" val="3944225695"/>
       </p:ext>
     </p:extLst>
   </p:cSld>
